--- a/Presentations/OGC API Coverage 20190620.pptx
+++ b/Presentations/OGC API Coverage 20190620.pptx
@@ -561,10 +561,10 @@
           </a:ln>
           <a:extLst>
             <a:ext uri="{FAA26D3D-D897-4be2-8F04-BA451C77F1D7}">
-              <ma14:placeholderFlag xmlns="" xmlns:ma14="http://schemas.microsoft.com/office/mac/drawingml/2011/main" val="1"/>
+              <ma14:placeholderFlag xmlns:ma14="http://schemas.microsoft.com/office/mac/drawingml/2011/main" xmlns="" val="1"/>
             </a:ext>
             <a:ext uri="{909E8E84-426E-40dd-AFC4-6F175D3DCCD1}">
-              <a14:hiddenFill xmlns:a14="http://schemas.microsoft.com/office/drawing/2010/main" xmlns="">
+              <a14:hiddenFill xmlns="" xmlns:a14="http://schemas.microsoft.com/office/drawing/2010/main">
                 <a:solidFill>
                   <a:srgbClr val="FFFFFF"/>
                 </a:solidFill>
@@ -1082,14 +1082,14 @@
           </a:ln>
           <a:extLst>
             <a:ext uri="{909E8E84-426E-40dd-AFC4-6F175D3DCCD1}">
-              <a14:hiddenFill xmlns:a14="http://schemas.microsoft.com/office/drawing/2010/main" xmlns="">
+              <a14:hiddenFill xmlns="" xmlns:a14="http://schemas.microsoft.com/office/drawing/2010/main">
                 <a:solidFill>
                   <a:srgbClr val="FFFFFF"/>
                 </a:solidFill>
               </a14:hiddenFill>
             </a:ext>
             <a:ext uri="{91240B29-F687-4f45-9708-019B960494DF}">
-              <a14:hiddenLine xmlns:a14="http://schemas.microsoft.com/office/drawing/2010/main" xmlns="" w="9525">
+              <a14:hiddenLine xmlns="" xmlns:a14="http://schemas.microsoft.com/office/drawing/2010/main" w="9525">
                 <a:solidFill>
                   <a:srgbClr val="000000"/>
                 </a:solidFill>
@@ -1136,14 +1136,14 @@
           </a:ln>
           <a:extLst>
             <a:ext uri="{909E8E84-426E-40dd-AFC4-6F175D3DCCD1}">
-              <a14:hiddenFill xmlns:a14="http://schemas.microsoft.com/office/drawing/2010/main" xmlns="">
+              <a14:hiddenFill xmlns="" xmlns:a14="http://schemas.microsoft.com/office/drawing/2010/main">
                 <a:solidFill>
                   <a:srgbClr val="FFFFFF"/>
                 </a:solidFill>
               </a14:hiddenFill>
             </a:ext>
             <a:ext uri="{91240B29-F687-4f45-9708-019B960494DF}">
-              <a14:hiddenLine xmlns:a14="http://schemas.microsoft.com/office/drawing/2010/main" xmlns="" w="9525">
+              <a14:hiddenLine xmlns="" xmlns:a14="http://schemas.microsoft.com/office/drawing/2010/main" w="9525">
                 <a:solidFill>
                   <a:srgbClr val="000000"/>
                 </a:solidFill>
@@ -3538,14 +3538,14 @@
           </a:ln>
           <a:extLst>
             <a:ext uri="{909E8E84-426E-40dd-AFC4-6F175D3DCCD1}">
-              <a14:hiddenFill xmlns:a14="http://schemas.microsoft.com/office/drawing/2010/main" xmlns="">
+              <a14:hiddenFill xmlns="" xmlns:a14="http://schemas.microsoft.com/office/drawing/2010/main">
                 <a:solidFill>
                   <a:srgbClr val="FFFFFF"/>
                 </a:solidFill>
               </a14:hiddenFill>
             </a:ext>
             <a:ext uri="{91240B29-F687-4f45-9708-019B960494DF}">
-              <a14:hiddenLine xmlns:a14="http://schemas.microsoft.com/office/drawing/2010/main" xmlns="" w="9525">
+              <a14:hiddenLine xmlns="" xmlns:a14="http://schemas.microsoft.com/office/drawing/2010/main" w="9525">
                 <a:solidFill>
                   <a:srgbClr val="000000"/>
                 </a:solidFill>
@@ -3624,17 +3624,17 @@
           </a:ln>
           <a:extLst>
             <a:ext uri="{FAA26D3D-D897-4be2-8F04-BA451C77F1D7}">
-              <ma14:placeholderFlag xmlns="" xmlns:ma14="http://schemas.microsoft.com/office/mac/drawingml/2011/main" val="1"/>
+              <ma14:placeholderFlag xmlns:ma14="http://schemas.microsoft.com/office/mac/drawingml/2011/main" xmlns="" val="1"/>
             </a:ext>
             <a:ext uri="{909E8E84-426E-40dd-AFC4-6F175D3DCCD1}">
-              <a14:hiddenFill xmlns:a14="http://schemas.microsoft.com/office/drawing/2010/main" xmlns="">
+              <a14:hiddenFill xmlns="" xmlns:a14="http://schemas.microsoft.com/office/drawing/2010/main">
                 <a:solidFill>
                   <a:srgbClr val="FFFFFF"/>
                 </a:solidFill>
               </a14:hiddenFill>
             </a:ext>
             <a:ext uri="{91240B29-F687-4f45-9708-019B960494DF}">
-              <a14:hiddenLine xmlns:a14="http://schemas.microsoft.com/office/drawing/2010/main" xmlns="" w="9525">
+              <a14:hiddenLine xmlns="" xmlns:a14="http://schemas.microsoft.com/office/drawing/2010/main" w="9525">
                 <a:solidFill>
                   <a:srgbClr val="000000"/>
                 </a:solidFill>
@@ -5510,7 +5510,7 @@
         <p:spPr>
           <a:xfrm>
             <a:off x="533400" y="1905000"/>
-            <a:ext cx="7772400" cy="2286000"/>
+            <a:ext cx="7772400" cy="3581400"/>
           </a:xfrm>
         </p:spPr>
         <p:txBody>
@@ -5542,6 +5542,27 @@
               </a:rPr>
               <a:t>cmheazel@heazeltech.com</a:t>
             </a:r>
+            <a:endParaRPr lang="en-US" b="1" dirty="0"/>
+          </a:p>
+          <a:p>
+            <a:pPr algn="ctr"/>
+            <a:r>
+              <a:rPr lang="en-US" b="1" dirty="0"/>
+              <a:t>Peter Baumann</a:t>
+            </a:r>
+          </a:p>
+          <a:p>
+            <a:pPr algn="ctr"/>
+            <a:r>
+              <a:rPr lang="en-US" b="1" dirty="0">
+                <a:hlinkClick r:id="rId3"/>
+              </a:rPr>
+              <a:t>baumann@rsdaman.com</a:t>
+            </a:r>
+            <a:endParaRPr lang="en-US" b="1" dirty="0"/>
+          </a:p>
+          <a:p>
+            <a:pPr algn="ctr"/>
             <a:endParaRPr lang="en-US" b="1" dirty="0"/>
           </a:p>
           <a:p>

--- a/Presentations/OGC API Coverage 20190620.pptx
+++ b/Presentations/OGC API Coverage 20190620.pptx
@@ -14,6 +14,8 @@
     <p:sldId id="260" r:id="rId9"/>
     <p:sldId id="261" r:id="rId10"/>
     <p:sldId id="262" r:id="rId11"/>
+    <p:sldId id="263" r:id="rId12"/>
+    <p:sldId id="264" r:id="rId13"/>
   </p:sldIdLst>
   <p:sldSz cx="9144000" cy="6858000"/>
   <p:notesSz cx="7559675" cy="10691812"/>
@@ -61,7 +63,7 @@
       </p:grpSpPr>
       <p:sp>
         <p:nvSpPr>
-          <p:cNvPr id="31" name="PlaceHolder 1"/>
+          <p:cNvPr id="30" name="PlaceHolder 1"/>
           <p:cNvSpPr>
             <a:spLocks noGrp="1"/>
           </p:cNvSpPr>
@@ -71,8 +73,8 @@
         </p:nvSpPr>
         <p:spPr>
           <a:xfrm>
-            <a:off x="722160" y="4406760"/>
-            <a:ext cx="7772040" cy="1361880"/>
+            <a:off x="457200" y="273600"/>
+            <a:ext cx="8229240" cy="1144800"/>
           </a:xfrm>
           <a:prstGeom prst="rect">
             <a:avLst/>
@@ -81,18 +83,16 @@
         <p:txBody>
           <a:bodyPr lIns="0" rIns="0" tIns="0" bIns="0" anchor="ctr"/>
           <a:p>
-            <a:endParaRPr b="0" lang="en-US" sz="1000" spc="-1" strike="noStrike">
-              <a:solidFill>
-                <a:srgbClr val="000000"/>
-              </a:solidFill>
-              <a:latin typeface="CG Times"/>
-            </a:endParaRPr>
-          </a:p>
-        </p:txBody>
-      </p:sp>
-      <p:sp>
-        <p:nvSpPr>
-          <p:cNvPr id="32" name="PlaceHolder 2"/>
+            <a:pPr algn="ctr"/>
+            <a:endParaRPr b="0" lang="en-US" sz="4400" spc="-1" strike="noStrike">
+              <a:latin typeface="Arial"/>
+            </a:endParaRPr>
+          </a:p>
+        </p:txBody>
+      </p:sp>
+      <p:sp>
+        <p:nvSpPr>
+          <p:cNvPr id="31" name="PlaceHolder 2"/>
           <p:cNvSpPr>
             <a:spLocks noGrp="1"/>
           </p:cNvSpPr>
@@ -102,8 +102,8 @@
         </p:nvSpPr>
         <p:spPr>
           <a:xfrm>
-            <a:off x="722160" y="2906640"/>
-            <a:ext cx="7772040" cy="715320"/>
+            <a:off x="457200" y="1604520"/>
+            <a:ext cx="8229240" cy="1896840"/>
           </a:xfrm>
           <a:prstGeom prst="rect">
             <a:avLst/>
@@ -114,18 +114,15 @@
             <a:normAutofit/>
           </a:bodyPr>
           <a:p>
-            <a:endParaRPr b="0" lang="en-US" sz="2400" spc="-1" strike="noStrike">
-              <a:solidFill>
-                <a:srgbClr val="44546a"/>
-              </a:solidFill>
-              <a:latin typeface="Arial"/>
-            </a:endParaRPr>
-          </a:p>
-        </p:txBody>
-      </p:sp>
-      <p:sp>
-        <p:nvSpPr>
-          <p:cNvPr id="33" name="PlaceHolder 3"/>
+            <a:endParaRPr b="0" lang="en-US" sz="3200" spc="-1" strike="noStrike">
+              <a:latin typeface="Arial"/>
+            </a:endParaRPr>
+          </a:p>
+        </p:txBody>
+      </p:sp>
+      <p:sp>
+        <p:nvSpPr>
+          <p:cNvPr id="32" name="PlaceHolder 3"/>
           <p:cNvSpPr>
             <a:spLocks noGrp="1"/>
           </p:cNvSpPr>
@@ -135,8 +132,8 @@
         </p:nvSpPr>
         <p:spPr>
           <a:xfrm>
-            <a:off x="722160" y="3690360"/>
-            <a:ext cx="7772040" cy="715320"/>
+            <a:off x="457200" y="3682080"/>
+            <a:ext cx="8229240" cy="1896840"/>
           </a:xfrm>
           <a:prstGeom prst="rect">
             <a:avLst/>
@@ -147,10 +144,7 @@
             <a:normAutofit/>
           </a:bodyPr>
           <a:p>
-            <a:endParaRPr b="0" lang="en-US" sz="2400" spc="-1" strike="noStrike">
-              <a:solidFill>
-                <a:srgbClr val="44546a"/>
-              </a:solidFill>
+            <a:endParaRPr b="0" lang="en-US" sz="3200" spc="-1" strike="noStrike">
               <a:latin typeface="Arial"/>
             </a:endParaRPr>
           </a:p>
@@ -180,7 +174,7 @@
       </p:grpSpPr>
       <p:sp>
         <p:nvSpPr>
-          <p:cNvPr id="34" name="PlaceHolder 1"/>
+          <p:cNvPr id="33" name="PlaceHolder 1"/>
           <p:cNvSpPr>
             <a:spLocks noGrp="1"/>
           </p:cNvSpPr>
@@ -190,8 +184,8 @@
         </p:nvSpPr>
         <p:spPr>
           <a:xfrm>
-            <a:off x="722160" y="4406760"/>
-            <a:ext cx="7772040" cy="1361880"/>
+            <a:off x="457200" y="273600"/>
+            <a:ext cx="8229240" cy="1144800"/>
           </a:xfrm>
           <a:prstGeom prst="rect">
             <a:avLst/>
@@ -200,18 +194,16 @@
         <p:txBody>
           <a:bodyPr lIns="0" rIns="0" tIns="0" bIns="0" anchor="ctr"/>
           <a:p>
-            <a:endParaRPr b="0" lang="en-US" sz="1000" spc="-1" strike="noStrike">
-              <a:solidFill>
-                <a:srgbClr val="000000"/>
-              </a:solidFill>
-              <a:latin typeface="CG Times"/>
-            </a:endParaRPr>
-          </a:p>
-        </p:txBody>
-      </p:sp>
-      <p:sp>
-        <p:nvSpPr>
-          <p:cNvPr id="35" name="PlaceHolder 2"/>
+            <a:pPr algn="ctr"/>
+            <a:endParaRPr b="0" lang="en-US" sz="4400" spc="-1" strike="noStrike">
+              <a:latin typeface="Arial"/>
+            </a:endParaRPr>
+          </a:p>
+        </p:txBody>
+      </p:sp>
+      <p:sp>
+        <p:nvSpPr>
+          <p:cNvPr id="34" name="PlaceHolder 2"/>
           <p:cNvSpPr>
             <a:spLocks noGrp="1"/>
           </p:cNvSpPr>
@@ -221,8 +213,8 @@
         </p:nvSpPr>
         <p:spPr>
           <a:xfrm>
-            <a:off x="722160" y="2906640"/>
-            <a:ext cx="3792600" cy="715320"/>
+            <a:off x="457200" y="1604520"/>
+            <a:ext cx="4015800" cy="1896840"/>
           </a:xfrm>
           <a:prstGeom prst="rect">
             <a:avLst/>
@@ -233,18 +225,15 @@
             <a:normAutofit/>
           </a:bodyPr>
           <a:p>
-            <a:endParaRPr b="0" lang="en-US" sz="2400" spc="-1" strike="noStrike">
-              <a:solidFill>
-                <a:srgbClr val="44546a"/>
-              </a:solidFill>
-              <a:latin typeface="Arial"/>
-            </a:endParaRPr>
-          </a:p>
-        </p:txBody>
-      </p:sp>
-      <p:sp>
-        <p:nvSpPr>
-          <p:cNvPr id="36" name="PlaceHolder 3"/>
+            <a:endParaRPr b="0" lang="en-US" sz="3200" spc="-1" strike="noStrike">
+              <a:latin typeface="Arial"/>
+            </a:endParaRPr>
+          </a:p>
+        </p:txBody>
+      </p:sp>
+      <p:sp>
+        <p:nvSpPr>
+          <p:cNvPr id="35" name="PlaceHolder 3"/>
           <p:cNvSpPr>
             <a:spLocks noGrp="1"/>
           </p:cNvSpPr>
@@ -254,8 +243,8 @@
         </p:nvSpPr>
         <p:spPr>
           <a:xfrm>
-            <a:off x="4704840" y="2906640"/>
-            <a:ext cx="3792600" cy="715320"/>
+            <a:off x="4674240" y="1604520"/>
+            <a:ext cx="4015800" cy="1896840"/>
           </a:xfrm>
           <a:prstGeom prst="rect">
             <a:avLst/>
@@ -266,18 +255,15 @@
             <a:normAutofit/>
           </a:bodyPr>
           <a:p>
-            <a:endParaRPr b="0" lang="en-US" sz="2400" spc="-1" strike="noStrike">
-              <a:solidFill>
-                <a:srgbClr val="44546a"/>
-              </a:solidFill>
-              <a:latin typeface="Arial"/>
-            </a:endParaRPr>
-          </a:p>
-        </p:txBody>
-      </p:sp>
-      <p:sp>
-        <p:nvSpPr>
-          <p:cNvPr id="37" name="PlaceHolder 4"/>
+            <a:endParaRPr b="0" lang="en-US" sz="3200" spc="-1" strike="noStrike">
+              <a:latin typeface="Arial"/>
+            </a:endParaRPr>
+          </a:p>
+        </p:txBody>
+      </p:sp>
+      <p:sp>
+        <p:nvSpPr>
+          <p:cNvPr id="36" name="PlaceHolder 4"/>
           <p:cNvSpPr>
             <a:spLocks noGrp="1"/>
           </p:cNvSpPr>
@@ -287,8 +273,8 @@
         </p:nvSpPr>
         <p:spPr>
           <a:xfrm>
-            <a:off x="722160" y="3690360"/>
-            <a:ext cx="3792600" cy="715320"/>
+            <a:off x="457200" y="3682080"/>
+            <a:ext cx="4015800" cy="1896840"/>
           </a:xfrm>
           <a:prstGeom prst="rect">
             <a:avLst/>
@@ -299,18 +285,15 @@
             <a:normAutofit/>
           </a:bodyPr>
           <a:p>
-            <a:endParaRPr b="0" lang="en-US" sz="2400" spc="-1" strike="noStrike">
-              <a:solidFill>
-                <a:srgbClr val="44546a"/>
-              </a:solidFill>
-              <a:latin typeface="Arial"/>
-            </a:endParaRPr>
-          </a:p>
-        </p:txBody>
-      </p:sp>
-      <p:sp>
-        <p:nvSpPr>
-          <p:cNvPr id="38" name="PlaceHolder 5"/>
+            <a:endParaRPr b="0" lang="en-US" sz="3200" spc="-1" strike="noStrike">
+              <a:latin typeface="Arial"/>
+            </a:endParaRPr>
+          </a:p>
+        </p:txBody>
+      </p:sp>
+      <p:sp>
+        <p:nvSpPr>
+          <p:cNvPr id="37" name="PlaceHolder 5"/>
           <p:cNvSpPr>
             <a:spLocks noGrp="1"/>
           </p:cNvSpPr>
@@ -320,8 +303,8 @@
         </p:nvSpPr>
         <p:spPr>
           <a:xfrm>
-            <a:off x="4704840" y="3690360"/>
-            <a:ext cx="3792600" cy="715320"/>
+            <a:off x="4674240" y="3682080"/>
+            <a:ext cx="4015800" cy="1896840"/>
           </a:xfrm>
           <a:prstGeom prst="rect">
             <a:avLst/>
@@ -332,10 +315,7 @@
             <a:normAutofit/>
           </a:bodyPr>
           <a:p>
-            <a:endParaRPr b="0" lang="en-US" sz="2400" spc="-1" strike="noStrike">
-              <a:solidFill>
-                <a:srgbClr val="44546a"/>
-              </a:solidFill>
+            <a:endParaRPr b="0" lang="en-US" sz="3200" spc="-1" strike="noStrike">
               <a:latin typeface="Arial"/>
             </a:endParaRPr>
           </a:p>
@@ -365,7 +345,7 @@
       </p:grpSpPr>
       <p:sp>
         <p:nvSpPr>
-          <p:cNvPr id="39" name="PlaceHolder 1"/>
+          <p:cNvPr id="38" name="PlaceHolder 1"/>
           <p:cNvSpPr>
             <a:spLocks noGrp="1"/>
           </p:cNvSpPr>
@@ -375,8 +355,8 @@
         </p:nvSpPr>
         <p:spPr>
           <a:xfrm>
-            <a:off x="722160" y="4406760"/>
-            <a:ext cx="7772040" cy="1361880"/>
+            <a:off x="457200" y="273600"/>
+            <a:ext cx="8229240" cy="1144800"/>
           </a:xfrm>
           <a:prstGeom prst="rect">
             <a:avLst/>
@@ -385,18 +365,16 @@
         <p:txBody>
           <a:bodyPr lIns="0" rIns="0" tIns="0" bIns="0" anchor="ctr"/>
           <a:p>
-            <a:endParaRPr b="0" lang="en-US" sz="1000" spc="-1" strike="noStrike">
-              <a:solidFill>
-                <a:srgbClr val="000000"/>
-              </a:solidFill>
-              <a:latin typeface="CG Times"/>
-            </a:endParaRPr>
-          </a:p>
-        </p:txBody>
-      </p:sp>
-      <p:sp>
-        <p:nvSpPr>
-          <p:cNvPr id="40" name="PlaceHolder 2"/>
+            <a:pPr algn="ctr"/>
+            <a:endParaRPr b="0" lang="en-US" sz="4400" spc="-1" strike="noStrike">
+              <a:latin typeface="Arial"/>
+            </a:endParaRPr>
+          </a:p>
+        </p:txBody>
+      </p:sp>
+      <p:sp>
+        <p:nvSpPr>
+          <p:cNvPr id="39" name="PlaceHolder 2"/>
           <p:cNvSpPr>
             <a:spLocks noGrp="1"/>
           </p:cNvSpPr>
@@ -406,8 +384,8 @@
         </p:nvSpPr>
         <p:spPr>
           <a:xfrm>
-            <a:off x="722160" y="2906640"/>
-            <a:ext cx="2502360" cy="715320"/>
+            <a:off x="457200" y="1604520"/>
+            <a:ext cx="2649600" cy="1896840"/>
           </a:xfrm>
           <a:prstGeom prst="rect">
             <a:avLst/>
@@ -418,18 +396,15 @@
             <a:normAutofit/>
           </a:bodyPr>
           <a:p>
-            <a:endParaRPr b="0" lang="en-US" sz="2400" spc="-1" strike="noStrike">
-              <a:solidFill>
-                <a:srgbClr val="44546a"/>
-              </a:solidFill>
-              <a:latin typeface="Arial"/>
-            </a:endParaRPr>
-          </a:p>
-        </p:txBody>
-      </p:sp>
-      <p:sp>
-        <p:nvSpPr>
-          <p:cNvPr id="41" name="PlaceHolder 3"/>
+            <a:endParaRPr b="0" lang="en-US" sz="3200" spc="-1" strike="noStrike">
+              <a:latin typeface="Arial"/>
+            </a:endParaRPr>
+          </a:p>
+        </p:txBody>
+      </p:sp>
+      <p:sp>
+        <p:nvSpPr>
+          <p:cNvPr id="40" name="PlaceHolder 3"/>
           <p:cNvSpPr>
             <a:spLocks noGrp="1"/>
           </p:cNvSpPr>
@@ -439,8 +414,8 @@
         </p:nvSpPr>
         <p:spPr>
           <a:xfrm>
-            <a:off x="3350160" y="2906640"/>
-            <a:ext cx="2502360" cy="715320"/>
+            <a:off x="3239640" y="1604520"/>
+            <a:ext cx="2649600" cy="1896840"/>
           </a:xfrm>
           <a:prstGeom prst="rect">
             <a:avLst/>
@@ -451,18 +426,15 @@
             <a:normAutofit/>
           </a:bodyPr>
           <a:p>
-            <a:endParaRPr b="0" lang="en-US" sz="2400" spc="-1" strike="noStrike">
-              <a:solidFill>
-                <a:srgbClr val="44546a"/>
-              </a:solidFill>
-              <a:latin typeface="Arial"/>
-            </a:endParaRPr>
-          </a:p>
-        </p:txBody>
-      </p:sp>
-      <p:sp>
-        <p:nvSpPr>
-          <p:cNvPr id="42" name="PlaceHolder 4"/>
+            <a:endParaRPr b="0" lang="en-US" sz="3200" spc="-1" strike="noStrike">
+              <a:latin typeface="Arial"/>
+            </a:endParaRPr>
+          </a:p>
+        </p:txBody>
+      </p:sp>
+      <p:sp>
+        <p:nvSpPr>
+          <p:cNvPr id="41" name="PlaceHolder 4"/>
           <p:cNvSpPr>
             <a:spLocks noGrp="1"/>
           </p:cNvSpPr>
@@ -472,8 +444,8 @@
         </p:nvSpPr>
         <p:spPr>
           <a:xfrm>
-            <a:off x="5977800" y="2906640"/>
-            <a:ext cx="2502360" cy="715320"/>
+            <a:off x="6022080" y="1604520"/>
+            <a:ext cx="2649600" cy="1896840"/>
           </a:xfrm>
           <a:prstGeom prst="rect">
             <a:avLst/>
@@ -484,18 +456,15 @@
             <a:normAutofit/>
           </a:bodyPr>
           <a:p>
-            <a:endParaRPr b="0" lang="en-US" sz="2400" spc="-1" strike="noStrike">
-              <a:solidFill>
-                <a:srgbClr val="44546a"/>
-              </a:solidFill>
-              <a:latin typeface="Arial"/>
-            </a:endParaRPr>
-          </a:p>
-        </p:txBody>
-      </p:sp>
-      <p:sp>
-        <p:nvSpPr>
-          <p:cNvPr id="43" name="PlaceHolder 5"/>
+            <a:endParaRPr b="0" lang="en-US" sz="3200" spc="-1" strike="noStrike">
+              <a:latin typeface="Arial"/>
+            </a:endParaRPr>
+          </a:p>
+        </p:txBody>
+      </p:sp>
+      <p:sp>
+        <p:nvSpPr>
+          <p:cNvPr id="42" name="PlaceHolder 5"/>
           <p:cNvSpPr>
             <a:spLocks noGrp="1"/>
           </p:cNvSpPr>
@@ -505,8 +474,8 @@
         </p:nvSpPr>
         <p:spPr>
           <a:xfrm>
-            <a:off x="722160" y="3690360"/>
-            <a:ext cx="2502360" cy="715320"/>
+            <a:off x="457200" y="3682080"/>
+            <a:ext cx="2649600" cy="1896840"/>
           </a:xfrm>
           <a:prstGeom prst="rect">
             <a:avLst/>
@@ -517,18 +486,15 @@
             <a:normAutofit/>
           </a:bodyPr>
           <a:p>
-            <a:endParaRPr b="0" lang="en-US" sz="2400" spc="-1" strike="noStrike">
-              <a:solidFill>
-                <a:srgbClr val="44546a"/>
-              </a:solidFill>
-              <a:latin typeface="Arial"/>
-            </a:endParaRPr>
-          </a:p>
-        </p:txBody>
-      </p:sp>
-      <p:sp>
-        <p:nvSpPr>
-          <p:cNvPr id="44" name="PlaceHolder 6"/>
+            <a:endParaRPr b="0" lang="en-US" sz="3200" spc="-1" strike="noStrike">
+              <a:latin typeface="Arial"/>
+            </a:endParaRPr>
+          </a:p>
+        </p:txBody>
+      </p:sp>
+      <p:sp>
+        <p:nvSpPr>
+          <p:cNvPr id="43" name="PlaceHolder 6"/>
           <p:cNvSpPr>
             <a:spLocks noGrp="1"/>
           </p:cNvSpPr>
@@ -538,8 +504,8 @@
         </p:nvSpPr>
         <p:spPr>
           <a:xfrm>
-            <a:off x="3350160" y="3690360"/>
-            <a:ext cx="2502360" cy="715320"/>
+            <a:off x="3239640" y="3682080"/>
+            <a:ext cx="2649600" cy="1896840"/>
           </a:xfrm>
           <a:prstGeom prst="rect">
             <a:avLst/>
@@ -550,18 +516,15 @@
             <a:normAutofit/>
           </a:bodyPr>
           <a:p>
-            <a:endParaRPr b="0" lang="en-US" sz="2400" spc="-1" strike="noStrike">
-              <a:solidFill>
-                <a:srgbClr val="44546a"/>
-              </a:solidFill>
-              <a:latin typeface="Arial"/>
-            </a:endParaRPr>
-          </a:p>
-        </p:txBody>
-      </p:sp>
-      <p:sp>
-        <p:nvSpPr>
-          <p:cNvPr id="45" name="PlaceHolder 7"/>
+            <a:endParaRPr b="0" lang="en-US" sz="3200" spc="-1" strike="noStrike">
+              <a:latin typeface="Arial"/>
+            </a:endParaRPr>
+          </a:p>
+        </p:txBody>
+      </p:sp>
+      <p:sp>
+        <p:nvSpPr>
+          <p:cNvPr id="44" name="PlaceHolder 7"/>
           <p:cNvSpPr>
             <a:spLocks noGrp="1"/>
           </p:cNvSpPr>
@@ -571,8 +534,8 @@
         </p:nvSpPr>
         <p:spPr>
           <a:xfrm>
-            <a:off x="5977800" y="3690360"/>
-            <a:ext cx="2502360" cy="715320"/>
+            <a:off x="6022080" y="3682080"/>
+            <a:ext cx="2649600" cy="1896840"/>
           </a:xfrm>
           <a:prstGeom prst="rect">
             <a:avLst/>
@@ -583,10 +546,7 @@
             <a:normAutofit/>
           </a:bodyPr>
           <a:p>
-            <a:endParaRPr b="0" lang="en-US" sz="2400" spc="-1" strike="noStrike">
-              <a:solidFill>
-                <a:srgbClr val="44546a"/>
-              </a:solidFill>
+            <a:endParaRPr b="0" lang="en-US" sz="3200" spc="-1" strike="noStrike">
               <a:latin typeface="Arial"/>
             </a:endParaRPr>
           </a:p>
@@ -638,7 +598,7 @@
       </p:grpSpPr>
       <p:sp>
         <p:nvSpPr>
-          <p:cNvPr id="53" name="PlaceHolder 1"/>
+          <p:cNvPr id="50" name="PlaceHolder 1"/>
           <p:cNvSpPr>
             <a:spLocks noGrp="1"/>
           </p:cNvSpPr>
@@ -648,8 +608,8 @@
         </p:nvSpPr>
         <p:spPr>
           <a:xfrm>
-            <a:off x="722160" y="4406760"/>
-            <a:ext cx="7772040" cy="1361880"/>
+            <a:off x="457200" y="273600"/>
+            <a:ext cx="8229240" cy="1144800"/>
           </a:xfrm>
           <a:prstGeom prst="rect">
             <a:avLst/>
@@ -658,18 +618,16 @@
         <p:txBody>
           <a:bodyPr lIns="0" rIns="0" tIns="0" bIns="0" anchor="ctr"/>
           <a:p>
-            <a:endParaRPr b="0" lang="en-US" sz="1000" spc="-1" strike="noStrike">
-              <a:solidFill>
-                <a:srgbClr val="000000"/>
-              </a:solidFill>
-              <a:latin typeface="CG Times"/>
-            </a:endParaRPr>
-          </a:p>
-        </p:txBody>
-      </p:sp>
-      <p:sp>
-        <p:nvSpPr>
-          <p:cNvPr id="54" name="PlaceHolder 2"/>
+            <a:pPr algn="ctr"/>
+            <a:endParaRPr b="0" lang="en-US" sz="4400" spc="-1" strike="noStrike">
+              <a:latin typeface="Arial"/>
+            </a:endParaRPr>
+          </a:p>
+        </p:txBody>
+      </p:sp>
+      <p:sp>
+        <p:nvSpPr>
+          <p:cNvPr id="51" name="PlaceHolder 2"/>
           <p:cNvSpPr>
             <a:spLocks noGrp="1"/>
           </p:cNvSpPr>
@@ -679,8 +637,8 @@
         </p:nvSpPr>
         <p:spPr>
           <a:xfrm>
-            <a:off x="722160" y="2906640"/>
-            <a:ext cx="7772040" cy="1499760"/>
+            <a:off x="457200" y="1604520"/>
+            <a:ext cx="8229240" cy="3977280"/>
           </a:xfrm>
           <a:prstGeom prst="rect">
             <a:avLst/>
@@ -720,7 +678,7 @@
       </p:grpSpPr>
       <p:sp>
         <p:nvSpPr>
-          <p:cNvPr id="55" name="PlaceHolder 1"/>
+          <p:cNvPr id="52" name="PlaceHolder 1"/>
           <p:cNvSpPr>
             <a:spLocks noGrp="1"/>
           </p:cNvSpPr>
@@ -730,8 +688,8 @@
         </p:nvSpPr>
         <p:spPr>
           <a:xfrm>
-            <a:off x="722160" y="4406760"/>
-            <a:ext cx="7772040" cy="1361880"/>
+            <a:off x="457200" y="273600"/>
+            <a:ext cx="8229240" cy="1144800"/>
           </a:xfrm>
           <a:prstGeom prst="rect">
             <a:avLst/>
@@ -740,18 +698,16 @@
         <p:txBody>
           <a:bodyPr lIns="0" rIns="0" tIns="0" bIns="0" anchor="ctr"/>
           <a:p>
-            <a:endParaRPr b="0" lang="en-US" sz="1000" spc="-1" strike="noStrike">
-              <a:solidFill>
-                <a:srgbClr val="000000"/>
-              </a:solidFill>
-              <a:latin typeface="CG Times"/>
-            </a:endParaRPr>
-          </a:p>
-        </p:txBody>
-      </p:sp>
-      <p:sp>
-        <p:nvSpPr>
-          <p:cNvPr id="56" name="PlaceHolder 2"/>
+            <a:pPr algn="ctr"/>
+            <a:endParaRPr b="0" lang="en-US" sz="4400" spc="-1" strike="noStrike">
+              <a:latin typeface="Arial"/>
+            </a:endParaRPr>
+          </a:p>
+        </p:txBody>
+      </p:sp>
+      <p:sp>
+        <p:nvSpPr>
+          <p:cNvPr id="53" name="PlaceHolder 2"/>
           <p:cNvSpPr>
             <a:spLocks noGrp="1"/>
           </p:cNvSpPr>
@@ -761,8 +717,8 @@
         </p:nvSpPr>
         <p:spPr>
           <a:xfrm>
-            <a:off x="722160" y="2906640"/>
-            <a:ext cx="7772040" cy="1499760"/>
+            <a:off x="457200" y="1604520"/>
+            <a:ext cx="8229240" cy="3977280"/>
           </a:xfrm>
           <a:prstGeom prst="rect">
             <a:avLst/>
@@ -773,10 +729,7 @@
             <a:normAutofit/>
           </a:bodyPr>
           <a:p>
-            <a:endParaRPr b="0" lang="en-US" sz="2400" spc="-1" strike="noStrike">
-              <a:solidFill>
-                <a:srgbClr val="44546a"/>
-              </a:solidFill>
+            <a:endParaRPr b="0" lang="en-US" sz="3200" spc="-1" strike="noStrike">
               <a:latin typeface="Arial"/>
             </a:endParaRPr>
           </a:p>
@@ -806,7 +759,7 @@
       </p:grpSpPr>
       <p:sp>
         <p:nvSpPr>
-          <p:cNvPr id="57" name="PlaceHolder 1"/>
+          <p:cNvPr id="54" name="PlaceHolder 1"/>
           <p:cNvSpPr>
             <a:spLocks noGrp="1"/>
           </p:cNvSpPr>
@@ -816,8 +769,8 @@
         </p:nvSpPr>
         <p:spPr>
           <a:xfrm>
-            <a:off x="722160" y="4406760"/>
-            <a:ext cx="7772040" cy="1361880"/>
+            <a:off x="457200" y="273600"/>
+            <a:ext cx="8229240" cy="1144800"/>
           </a:xfrm>
           <a:prstGeom prst="rect">
             <a:avLst/>
@@ -826,18 +779,16 @@
         <p:txBody>
           <a:bodyPr lIns="0" rIns="0" tIns="0" bIns="0" anchor="ctr"/>
           <a:p>
-            <a:endParaRPr b="0" lang="en-US" sz="1000" spc="-1" strike="noStrike">
-              <a:solidFill>
-                <a:srgbClr val="000000"/>
-              </a:solidFill>
-              <a:latin typeface="CG Times"/>
-            </a:endParaRPr>
-          </a:p>
-        </p:txBody>
-      </p:sp>
-      <p:sp>
-        <p:nvSpPr>
-          <p:cNvPr id="58" name="PlaceHolder 2"/>
+            <a:pPr algn="ctr"/>
+            <a:endParaRPr b="0" lang="en-US" sz="4400" spc="-1" strike="noStrike">
+              <a:latin typeface="Arial"/>
+            </a:endParaRPr>
+          </a:p>
+        </p:txBody>
+      </p:sp>
+      <p:sp>
+        <p:nvSpPr>
+          <p:cNvPr id="55" name="PlaceHolder 2"/>
           <p:cNvSpPr>
             <a:spLocks noGrp="1"/>
           </p:cNvSpPr>
@@ -847,8 +798,8 @@
         </p:nvSpPr>
         <p:spPr>
           <a:xfrm>
-            <a:off x="722160" y="2906640"/>
-            <a:ext cx="3792600" cy="1499760"/>
+            <a:off x="457200" y="1604520"/>
+            <a:ext cx="4015800" cy="3977280"/>
           </a:xfrm>
           <a:prstGeom prst="rect">
             <a:avLst/>
@@ -859,18 +810,15 @@
             <a:normAutofit/>
           </a:bodyPr>
           <a:p>
-            <a:endParaRPr b="0" lang="en-US" sz="2400" spc="-1" strike="noStrike">
-              <a:solidFill>
-                <a:srgbClr val="44546a"/>
-              </a:solidFill>
-              <a:latin typeface="Arial"/>
-            </a:endParaRPr>
-          </a:p>
-        </p:txBody>
-      </p:sp>
-      <p:sp>
-        <p:nvSpPr>
-          <p:cNvPr id="59" name="PlaceHolder 3"/>
+            <a:endParaRPr b="0" lang="en-US" sz="3200" spc="-1" strike="noStrike">
+              <a:latin typeface="Arial"/>
+            </a:endParaRPr>
+          </a:p>
+        </p:txBody>
+      </p:sp>
+      <p:sp>
+        <p:nvSpPr>
+          <p:cNvPr id="56" name="PlaceHolder 3"/>
           <p:cNvSpPr>
             <a:spLocks noGrp="1"/>
           </p:cNvSpPr>
@@ -880,8 +828,8 @@
         </p:nvSpPr>
         <p:spPr>
           <a:xfrm>
-            <a:off x="4704840" y="2906640"/>
-            <a:ext cx="3792600" cy="1499760"/>
+            <a:off x="4674240" y="1604520"/>
+            <a:ext cx="4015800" cy="3977280"/>
           </a:xfrm>
           <a:prstGeom prst="rect">
             <a:avLst/>
@@ -892,10 +840,7 @@
             <a:normAutofit/>
           </a:bodyPr>
           <a:p>
-            <a:endParaRPr b="0" lang="en-US" sz="2400" spc="-1" strike="noStrike">
-              <a:solidFill>
-                <a:srgbClr val="44546a"/>
-              </a:solidFill>
+            <a:endParaRPr b="0" lang="en-US" sz="3200" spc="-1" strike="noStrike">
               <a:latin typeface="Arial"/>
             </a:endParaRPr>
           </a:p>
@@ -925,7 +870,7 @@
       </p:grpSpPr>
       <p:sp>
         <p:nvSpPr>
-          <p:cNvPr id="60" name="PlaceHolder 1"/>
+          <p:cNvPr id="57" name="PlaceHolder 1"/>
           <p:cNvSpPr>
             <a:spLocks noGrp="1"/>
           </p:cNvSpPr>
@@ -935,8 +880,8 @@
         </p:nvSpPr>
         <p:spPr>
           <a:xfrm>
-            <a:off x="722160" y="4406760"/>
-            <a:ext cx="7772040" cy="1361880"/>
+            <a:off x="457200" y="273600"/>
+            <a:ext cx="8229240" cy="1144800"/>
           </a:xfrm>
           <a:prstGeom prst="rect">
             <a:avLst/>
@@ -945,11 +890,9 @@
         <p:txBody>
           <a:bodyPr lIns="0" rIns="0" tIns="0" bIns="0" anchor="ctr"/>
           <a:p>
-            <a:endParaRPr b="0" lang="en-US" sz="1000" spc="-1" strike="noStrike">
-              <a:solidFill>
-                <a:srgbClr val="000000"/>
-              </a:solidFill>
-              <a:latin typeface="CG Times"/>
+            <a:pPr algn="ctr"/>
+            <a:endParaRPr b="0" lang="en-US" sz="4400" spc="-1" strike="noStrike">
+              <a:latin typeface="Arial"/>
             </a:endParaRPr>
           </a:p>
         </p:txBody>
@@ -978,7 +921,7 @@
       </p:grpSpPr>
       <p:sp>
         <p:nvSpPr>
-          <p:cNvPr id="61" name="PlaceHolder 1"/>
+          <p:cNvPr id="58" name="PlaceHolder 1"/>
           <p:cNvSpPr>
             <a:spLocks noGrp="1"/>
           </p:cNvSpPr>
@@ -988,8 +931,8 @@
         </p:nvSpPr>
         <p:spPr>
           <a:xfrm>
-            <a:off x="722160" y="4406760"/>
-            <a:ext cx="7772040" cy="6314040"/>
+            <a:off x="457200" y="273600"/>
+            <a:ext cx="8229240" cy="5307840"/>
           </a:xfrm>
           <a:prstGeom prst="rect">
             <a:avLst/>
@@ -1029,7 +972,7 @@
       </p:grpSpPr>
       <p:sp>
         <p:nvSpPr>
-          <p:cNvPr id="62" name="PlaceHolder 1"/>
+          <p:cNvPr id="59" name="PlaceHolder 1"/>
           <p:cNvSpPr>
             <a:spLocks noGrp="1"/>
           </p:cNvSpPr>
@@ -1039,8 +982,8 @@
         </p:nvSpPr>
         <p:spPr>
           <a:xfrm>
-            <a:off x="722160" y="4406760"/>
-            <a:ext cx="7772040" cy="1361880"/>
+            <a:off x="457200" y="273600"/>
+            <a:ext cx="8229240" cy="1144800"/>
           </a:xfrm>
           <a:prstGeom prst="rect">
             <a:avLst/>
@@ -1049,18 +992,16 @@
         <p:txBody>
           <a:bodyPr lIns="0" rIns="0" tIns="0" bIns="0" anchor="ctr"/>
           <a:p>
-            <a:endParaRPr b="0" lang="en-US" sz="1000" spc="-1" strike="noStrike">
-              <a:solidFill>
-                <a:srgbClr val="000000"/>
-              </a:solidFill>
-              <a:latin typeface="CG Times"/>
-            </a:endParaRPr>
-          </a:p>
-        </p:txBody>
-      </p:sp>
-      <p:sp>
-        <p:nvSpPr>
-          <p:cNvPr id="63" name="PlaceHolder 2"/>
+            <a:pPr algn="ctr"/>
+            <a:endParaRPr b="0" lang="en-US" sz="4400" spc="-1" strike="noStrike">
+              <a:latin typeface="Arial"/>
+            </a:endParaRPr>
+          </a:p>
+        </p:txBody>
+      </p:sp>
+      <p:sp>
+        <p:nvSpPr>
+          <p:cNvPr id="60" name="PlaceHolder 2"/>
           <p:cNvSpPr>
             <a:spLocks noGrp="1"/>
           </p:cNvSpPr>
@@ -1070,8 +1011,8 @@
         </p:nvSpPr>
         <p:spPr>
           <a:xfrm>
-            <a:off x="722160" y="2906640"/>
-            <a:ext cx="3792600" cy="715320"/>
+            <a:off x="457200" y="1604520"/>
+            <a:ext cx="4015800" cy="1896840"/>
           </a:xfrm>
           <a:prstGeom prst="rect">
             <a:avLst/>
@@ -1082,18 +1023,15 @@
             <a:normAutofit/>
           </a:bodyPr>
           <a:p>
-            <a:endParaRPr b="0" lang="en-US" sz="2400" spc="-1" strike="noStrike">
-              <a:solidFill>
-                <a:srgbClr val="44546a"/>
-              </a:solidFill>
-              <a:latin typeface="Arial"/>
-            </a:endParaRPr>
-          </a:p>
-        </p:txBody>
-      </p:sp>
-      <p:sp>
-        <p:nvSpPr>
-          <p:cNvPr id="64" name="PlaceHolder 3"/>
+            <a:endParaRPr b="0" lang="en-US" sz="3200" spc="-1" strike="noStrike">
+              <a:latin typeface="Arial"/>
+            </a:endParaRPr>
+          </a:p>
+        </p:txBody>
+      </p:sp>
+      <p:sp>
+        <p:nvSpPr>
+          <p:cNvPr id="61" name="PlaceHolder 3"/>
           <p:cNvSpPr>
             <a:spLocks noGrp="1"/>
           </p:cNvSpPr>
@@ -1103,8 +1041,8 @@
         </p:nvSpPr>
         <p:spPr>
           <a:xfrm>
-            <a:off x="4704840" y="2906640"/>
-            <a:ext cx="3792600" cy="1499760"/>
+            <a:off x="4674240" y="1604520"/>
+            <a:ext cx="4015800" cy="3977280"/>
           </a:xfrm>
           <a:prstGeom prst="rect">
             <a:avLst/>
@@ -1115,18 +1053,15 @@
             <a:normAutofit/>
           </a:bodyPr>
           <a:p>
-            <a:endParaRPr b="0" lang="en-US" sz="2400" spc="-1" strike="noStrike">
-              <a:solidFill>
-                <a:srgbClr val="44546a"/>
-              </a:solidFill>
-              <a:latin typeface="Arial"/>
-            </a:endParaRPr>
-          </a:p>
-        </p:txBody>
-      </p:sp>
-      <p:sp>
-        <p:nvSpPr>
-          <p:cNvPr id="65" name="PlaceHolder 4"/>
+            <a:endParaRPr b="0" lang="en-US" sz="3200" spc="-1" strike="noStrike">
+              <a:latin typeface="Arial"/>
+            </a:endParaRPr>
+          </a:p>
+        </p:txBody>
+      </p:sp>
+      <p:sp>
+        <p:nvSpPr>
+          <p:cNvPr id="62" name="PlaceHolder 4"/>
           <p:cNvSpPr>
             <a:spLocks noGrp="1"/>
           </p:cNvSpPr>
@@ -1136,8 +1071,8 @@
         </p:nvSpPr>
         <p:spPr>
           <a:xfrm>
-            <a:off x="722160" y="3690360"/>
-            <a:ext cx="3792600" cy="715320"/>
+            <a:off x="457200" y="3682080"/>
+            <a:ext cx="4015800" cy="1896840"/>
           </a:xfrm>
           <a:prstGeom prst="rect">
             <a:avLst/>
@@ -1148,10 +1083,7 @@
             <a:normAutofit/>
           </a:bodyPr>
           <a:p>
-            <a:endParaRPr b="0" lang="en-US" sz="2400" spc="-1" strike="noStrike">
-              <a:solidFill>
-                <a:srgbClr val="44546a"/>
-              </a:solidFill>
+            <a:endParaRPr b="0" lang="en-US" sz="3200" spc="-1" strike="noStrike">
               <a:latin typeface="Arial"/>
             </a:endParaRPr>
           </a:p>
@@ -1181,7 +1113,7 @@
       </p:grpSpPr>
       <p:sp>
         <p:nvSpPr>
-          <p:cNvPr id="10" name="PlaceHolder 1"/>
+          <p:cNvPr id="9" name="PlaceHolder 1"/>
           <p:cNvSpPr>
             <a:spLocks noGrp="1"/>
           </p:cNvSpPr>
@@ -1191,8 +1123,8 @@
         </p:nvSpPr>
         <p:spPr>
           <a:xfrm>
-            <a:off x="722160" y="4406760"/>
-            <a:ext cx="7772040" cy="1361880"/>
+            <a:off x="457200" y="273600"/>
+            <a:ext cx="8229240" cy="1144800"/>
           </a:xfrm>
           <a:prstGeom prst="rect">
             <a:avLst/>
@@ -1201,18 +1133,16 @@
         <p:txBody>
           <a:bodyPr lIns="0" rIns="0" tIns="0" bIns="0" anchor="ctr"/>
           <a:p>
-            <a:endParaRPr b="0" lang="en-US" sz="1000" spc="-1" strike="noStrike">
-              <a:solidFill>
-                <a:srgbClr val="000000"/>
-              </a:solidFill>
-              <a:latin typeface="CG Times"/>
-            </a:endParaRPr>
-          </a:p>
-        </p:txBody>
-      </p:sp>
-      <p:sp>
-        <p:nvSpPr>
-          <p:cNvPr id="11" name="PlaceHolder 2"/>
+            <a:pPr algn="ctr"/>
+            <a:endParaRPr b="0" lang="en-US" sz="4400" spc="-1" strike="noStrike">
+              <a:latin typeface="Arial"/>
+            </a:endParaRPr>
+          </a:p>
+        </p:txBody>
+      </p:sp>
+      <p:sp>
+        <p:nvSpPr>
+          <p:cNvPr id="10" name="PlaceHolder 2"/>
           <p:cNvSpPr>
             <a:spLocks noGrp="1"/>
           </p:cNvSpPr>
@@ -1222,8 +1152,8 @@
         </p:nvSpPr>
         <p:spPr>
           <a:xfrm>
-            <a:off x="722160" y="2906640"/>
-            <a:ext cx="7772040" cy="1499760"/>
+            <a:off x="457200" y="1604520"/>
+            <a:ext cx="8229240" cy="3977280"/>
           </a:xfrm>
           <a:prstGeom prst="rect">
             <a:avLst/>
@@ -1263,7 +1193,7 @@
       </p:grpSpPr>
       <p:sp>
         <p:nvSpPr>
-          <p:cNvPr id="66" name="PlaceHolder 1"/>
+          <p:cNvPr id="63" name="PlaceHolder 1"/>
           <p:cNvSpPr>
             <a:spLocks noGrp="1"/>
           </p:cNvSpPr>
@@ -1273,8 +1203,8 @@
         </p:nvSpPr>
         <p:spPr>
           <a:xfrm>
-            <a:off x="722160" y="4406760"/>
-            <a:ext cx="7772040" cy="1361880"/>
+            <a:off x="457200" y="273600"/>
+            <a:ext cx="8229240" cy="1144800"/>
           </a:xfrm>
           <a:prstGeom prst="rect">
             <a:avLst/>
@@ -1283,18 +1213,16 @@
         <p:txBody>
           <a:bodyPr lIns="0" rIns="0" tIns="0" bIns="0" anchor="ctr"/>
           <a:p>
-            <a:endParaRPr b="0" lang="en-US" sz="1000" spc="-1" strike="noStrike">
-              <a:solidFill>
-                <a:srgbClr val="000000"/>
-              </a:solidFill>
-              <a:latin typeface="CG Times"/>
-            </a:endParaRPr>
-          </a:p>
-        </p:txBody>
-      </p:sp>
-      <p:sp>
-        <p:nvSpPr>
-          <p:cNvPr id="67" name="PlaceHolder 2"/>
+            <a:pPr algn="ctr"/>
+            <a:endParaRPr b="0" lang="en-US" sz="4400" spc="-1" strike="noStrike">
+              <a:latin typeface="Arial"/>
+            </a:endParaRPr>
+          </a:p>
+        </p:txBody>
+      </p:sp>
+      <p:sp>
+        <p:nvSpPr>
+          <p:cNvPr id="64" name="PlaceHolder 2"/>
           <p:cNvSpPr>
             <a:spLocks noGrp="1"/>
           </p:cNvSpPr>
@@ -1304,8 +1232,8 @@
         </p:nvSpPr>
         <p:spPr>
           <a:xfrm>
-            <a:off x="722160" y="2906640"/>
-            <a:ext cx="3792600" cy="1499760"/>
+            <a:off x="457200" y="1604520"/>
+            <a:ext cx="4015800" cy="3977280"/>
           </a:xfrm>
           <a:prstGeom prst="rect">
             <a:avLst/>
@@ -1316,18 +1244,15 @@
             <a:normAutofit/>
           </a:bodyPr>
           <a:p>
-            <a:endParaRPr b="0" lang="en-US" sz="2400" spc="-1" strike="noStrike">
-              <a:solidFill>
-                <a:srgbClr val="44546a"/>
-              </a:solidFill>
-              <a:latin typeface="Arial"/>
-            </a:endParaRPr>
-          </a:p>
-        </p:txBody>
-      </p:sp>
-      <p:sp>
-        <p:nvSpPr>
-          <p:cNvPr id="68" name="PlaceHolder 3"/>
+            <a:endParaRPr b="0" lang="en-US" sz="3200" spc="-1" strike="noStrike">
+              <a:latin typeface="Arial"/>
+            </a:endParaRPr>
+          </a:p>
+        </p:txBody>
+      </p:sp>
+      <p:sp>
+        <p:nvSpPr>
+          <p:cNvPr id="65" name="PlaceHolder 3"/>
           <p:cNvSpPr>
             <a:spLocks noGrp="1"/>
           </p:cNvSpPr>
@@ -1337,8 +1262,8 @@
         </p:nvSpPr>
         <p:spPr>
           <a:xfrm>
-            <a:off x="4704840" y="2906640"/>
-            <a:ext cx="3792600" cy="715320"/>
+            <a:off x="4674240" y="1604520"/>
+            <a:ext cx="4015800" cy="1896840"/>
           </a:xfrm>
           <a:prstGeom prst="rect">
             <a:avLst/>
@@ -1349,18 +1274,15 @@
             <a:normAutofit/>
           </a:bodyPr>
           <a:p>
-            <a:endParaRPr b="0" lang="en-US" sz="2400" spc="-1" strike="noStrike">
-              <a:solidFill>
-                <a:srgbClr val="44546a"/>
-              </a:solidFill>
-              <a:latin typeface="Arial"/>
-            </a:endParaRPr>
-          </a:p>
-        </p:txBody>
-      </p:sp>
-      <p:sp>
-        <p:nvSpPr>
-          <p:cNvPr id="69" name="PlaceHolder 4"/>
+            <a:endParaRPr b="0" lang="en-US" sz="3200" spc="-1" strike="noStrike">
+              <a:latin typeface="Arial"/>
+            </a:endParaRPr>
+          </a:p>
+        </p:txBody>
+      </p:sp>
+      <p:sp>
+        <p:nvSpPr>
+          <p:cNvPr id="66" name="PlaceHolder 4"/>
           <p:cNvSpPr>
             <a:spLocks noGrp="1"/>
           </p:cNvSpPr>
@@ -1370,8 +1292,8 @@
         </p:nvSpPr>
         <p:spPr>
           <a:xfrm>
-            <a:off x="4704840" y="3690360"/>
-            <a:ext cx="3792600" cy="715320"/>
+            <a:off x="4674240" y="3682080"/>
+            <a:ext cx="4015800" cy="1896840"/>
           </a:xfrm>
           <a:prstGeom prst="rect">
             <a:avLst/>
@@ -1382,10 +1304,7 @@
             <a:normAutofit/>
           </a:bodyPr>
           <a:p>
-            <a:endParaRPr b="0" lang="en-US" sz="2400" spc="-1" strike="noStrike">
-              <a:solidFill>
-                <a:srgbClr val="44546a"/>
-              </a:solidFill>
+            <a:endParaRPr b="0" lang="en-US" sz="3200" spc="-1" strike="noStrike">
               <a:latin typeface="Arial"/>
             </a:endParaRPr>
           </a:p>
@@ -1415,7 +1334,7 @@
       </p:grpSpPr>
       <p:sp>
         <p:nvSpPr>
-          <p:cNvPr id="70" name="PlaceHolder 1"/>
+          <p:cNvPr id="67" name="PlaceHolder 1"/>
           <p:cNvSpPr>
             <a:spLocks noGrp="1"/>
           </p:cNvSpPr>
@@ -1425,8 +1344,8 @@
         </p:nvSpPr>
         <p:spPr>
           <a:xfrm>
-            <a:off x="722160" y="4406760"/>
-            <a:ext cx="7772040" cy="1361880"/>
+            <a:off x="457200" y="273600"/>
+            <a:ext cx="8229240" cy="1144800"/>
           </a:xfrm>
           <a:prstGeom prst="rect">
             <a:avLst/>
@@ -1435,18 +1354,16 @@
         <p:txBody>
           <a:bodyPr lIns="0" rIns="0" tIns="0" bIns="0" anchor="ctr"/>
           <a:p>
-            <a:endParaRPr b="0" lang="en-US" sz="1000" spc="-1" strike="noStrike">
-              <a:solidFill>
-                <a:srgbClr val="000000"/>
-              </a:solidFill>
-              <a:latin typeface="CG Times"/>
-            </a:endParaRPr>
-          </a:p>
-        </p:txBody>
-      </p:sp>
-      <p:sp>
-        <p:nvSpPr>
-          <p:cNvPr id="71" name="PlaceHolder 2"/>
+            <a:pPr algn="ctr"/>
+            <a:endParaRPr b="0" lang="en-US" sz="4400" spc="-1" strike="noStrike">
+              <a:latin typeface="Arial"/>
+            </a:endParaRPr>
+          </a:p>
+        </p:txBody>
+      </p:sp>
+      <p:sp>
+        <p:nvSpPr>
+          <p:cNvPr id="68" name="PlaceHolder 2"/>
           <p:cNvSpPr>
             <a:spLocks noGrp="1"/>
           </p:cNvSpPr>
@@ -1456,8 +1373,8 @@
         </p:nvSpPr>
         <p:spPr>
           <a:xfrm>
-            <a:off x="722160" y="2906640"/>
-            <a:ext cx="3792600" cy="715320"/>
+            <a:off x="457200" y="1604520"/>
+            <a:ext cx="4015800" cy="1896840"/>
           </a:xfrm>
           <a:prstGeom prst="rect">
             <a:avLst/>
@@ -1468,18 +1385,15 @@
             <a:normAutofit/>
           </a:bodyPr>
           <a:p>
-            <a:endParaRPr b="0" lang="en-US" sz="2400" spc="-1" strike="noStrike">
-              <a:solidFill>
-                <a:srgbClr val="44546a"/>
-              </a:solidFill>
-              <a:latin typeface="Arial"/>
-            </a:endParaRPr>
-          </a:p>
-        </p:txBody>
-      </p:sp>
-      <p:sp>
-        <p:nvSpPr>
-          <p:cNvPr id="72" name="PlaceHolder 3"/>
+            <a:endParaRPr b="0" lang="en-US" sz="3200" spc="-1" strike="noStrike">
+              <a:latin typeface="Arial"/>
+            </a:endParaRPr>
+          </a:p>
+        </p:txBody>
+      </p:sp>
+      <p:sp>
+        <p:nvSpPr>
+          <p:cNvPr id="69" name="PlaceHolder 3"/>
           <p:cNvSpPr>
             <a:spLocks noGrp="1"/>
           </p:cNvSpPr>
@@ -1489,8 +1403,8 @@
         </p:nvSpPr>
         <p:spPr>
           <a:xfrm>
-            <a:off x="4704840" y="2906640"/>
-            <a:ext cx="3792600" cy="715320"/>
+            <a:off x="4674240" y="1604520"/>
+            <a:ext cx="4015800" cy="1896840"/>
           </a:xfrm>
           <a:prstGeom prst="rect">
             <a:avLst/>
@@ -1501,18 +1415,15 @@
             <a:normAutofit/>
           </a:bodyPr>
           <a:p>
-            <a:endParaRPr b="0" lang="en-US" sz="2400" spc="-1" strike="noStrike">
-              <a:solidFill>
-                <a:srgbClr val="44546a"/>
-              </a:solidFill>
-              <a:latin typeface="Arial"/>
-            </a:endParaRPr>
-          </a:p>
-        </p:txBody>
-      </p:sp>
-      <p:sp>
-        <p:nvSpPr>
-          <p:cNvPr id="73" name="PlaceHolder 4"/>
+            <a:endParaRPr b="0" lang="en-US" sz="3200" spc="-1" strike="noStrike">
+              <a:latin typeface="Arial"/>
+            </a:endParaRPr>
+          </a:p>
+        </p:txBody>
+      </p:sp>
+      <p:sp>
+        <p:nvSpPr>
+          <p:cNvPr id="70" name="PlaceHolder 4"/>
           <p:cNvSpPr>
             <a:spLocks noGrp="1"/>
           </p:cNvSpPr>
@@ -1522,8 +1433,8 @@
         </p:nvSpPr>
         <p:spPr>
           <a:xfrm>
-            <a:off x="722160" y="3690360"/>
-            <a:ext cx="7772040" cy="715320"/>
+            <a:off x="457200" y="3682080"/>
+            <a:ext cx="8229240" cy="1896840"/>
           </a:xfrm>
           <a:prstGeom prst="rect">
             <a:avLst/>
@@ -1534,10 +1445,7 @@
             <a:normAutofit/>
           </a:bodyPr>
           <a:p>
-            <a:endParaRPr b="0" lang="en-US" sz="2400" spc="-1" strike="noStrike">
-              <a:solidFill>
-                <a:srgbClr val="44546a"/>
-              </a:solidFill>
+            <a:endParaRPr b="0" lang="en-US" sz="3200" spc="-1" strike="noStrike">
               <a:latin typeface="Arial"/>
             </a:endParaRPr>
           </a:p>
@@ -1567,7 +1475,7 @@
       </p:grpSpPr>
       <p:sp>
         <p:nvSpPr>
-          <p:cNvPr id="74" name="PlaceHolder 1"/>
+          <p:cNvPr id="71" name="PlaceHolder 1"/>
           <p:cNvSpPr>
             <a:spLocks noGrp="1"/>
           </p:cNvSpPr>
@@ -1577,8 +1485,8 @@
         </p:nvSpPr>
         <p:spPr>
           <a:xfrm>
-            <a:off x="722160" y="4406760"/>
-            <a:ext cx="7772040" cy="1361880"/>
+            <a:off x="457200" y="273600"/>
+            <a:ext cx="8229240" cy="1144800"/>
           </a:xfrm>
           <a:prstGeom prst="rect">
             <a:avLst/>
@@ -1587,18 +1495,16 @@
         <p:txBody>
           <a:bodyPr lIns="0" rIns="0" tIns="0" bIns="0" anchor="ctr"/>
           <a:p>
-            <a:endParaRPr b="0" lang="en-US" sz="1000" spc="-1" strike="noStrike">
-              <a:solidFill>
-                <a:srgbClr val="000000"/>
-              </a:solidFill>
-              <a:latin typeface="CG Times"/>
-            </a:endParaRPr>
-          </a:p>
-        </p:txBody>
-      </p:sp>
-      <p:sp>
-        <p:nvSpPr>
-          <p:cNvPr id="75" name="PlaceHolder 2"/>
+            <a:pPr algn="ctr"/>
+            <a:endParaRPr b="0" lang="en-US" sz="4400" spc="-1" strike="noStrike">
+              <a:latin typeface="Arial"/>
+            </a:endParaRPr>
+          </a:p>
+        </p:txBody>
+      </p:sp>
+      <p:sp>
+        <p:nvSpPr>
+          <p:cNvPr id="72" name="PlaceHolder 2"/>
           <p:cNvSpPr>
             <a:spLocks noGrp="1"/>
           </p:cNvSpPr>
@@ -1608,8 +1514,8 @@
         </p:nvSpPr>
         <p:spPr>
           <a:xfrm>
-            <a:off x="722160" y="2906640"/>
-            <a:ext cx="7772040" cy="715320"/>
+            <a:off x="457200" y="1604520"/>
+            <a:ext cx="8229240" cy="1896840"/>
           </a:xfrm>
           <a:prstGeom prst="rect">
             <a:avLst/>
@@ -1620,18 +1526,15 @@
             <a:normAutofit/>
           </a:bodyPr>
           <a:p>
-            <a:endParaRPr b="0" lang="en-US" sz="2400" spc="-1" strike="noStrike">
-              <a:solidFill>
-                <a:srgbClr val="44546a"/>
-              </a:solidFill>
-              <a:latin typeface="Arial"/>
-            </a:endParaRPr>
-          </a:p>
-        </p:txBody>
-      </p:sp>
-      <p:sp>
-        <p:nvSpPr>
-          <p:cNvPr id="76" name="PlaceHolder 3"/>
+            <a:endParaRPr b="0" lang="en-US" sz="3200" spc="-1" strike="noStrike">
+              <a:latin typeface="Arial"/>
+            </a:endParaRPr>
+          </a:p>
+        </p:txBody>
+      </p:sp>
+      <p:sp>
+        <p:nvSpPr>
+          <p:cNvPr id="73" name="PlaceHolder 3"/>
           <p:cNvSpPr>
             <a:spLocks noGrp="1"/>
           </p:cNvSpPr>
@@ -1641,8 +1544,8 @@
         </p:nvSpPr>
         <p:spPr>
           <a:xfrm>
-            <a:off x="722160" y="3690360"/>
-            <a:ext cx="7772040" cy="715320"/>
+            <a:off x="457200" y="3682080"/>
+            <a:ext cx="8229240" cy="1896840"/>
           </a:xfrm>
           <a:prstGeom prst="rect">
             <a:avLst/>
@@ -1653,10 +1556,7 @@
             <a:normAutofit/>
           </a:bodyPr>
           <a:p>
-            <a:endParaRPr b="0" lang="en-US" sz="2400" spc="-1" strike="noStrike">
-              <a:solidFill>
-                <a:srgbClr val="44546a"/>
-              </a:solidFill>
+            <a:endParaRPr b="0" lang="en-US" sz="3200" spc="-1" strike="noStrike">
               <a:latin typeface="Arial"/>
             </a:endParaRPr>
           </a:p>
@@ -1686,7 +1586,7 @@
       </p:grpSpPr>
       <p:sp>
         <p:nvSpPr>
-          <p:cNvPr id="77" name="PlaceHolder 1"/>
+          <p:cNvPr id="74" name="PlaceHolder 1"/>
           <p:cNvSpPr>
             <a:spLocks noGrp="1"/>
           </p:cNvSpPr>
@@ -1696,8 +1596,8 @@
         </p:nvSpPr>
         <p:spPr>
           <a:xfrm>
-            <a:off x="722160" y="4406760"/>
-            <a:ext cx="7772040" cy="1361880"/>
+            <a:off x="457200" y="273600"/>
+            <a:ext cx="8229240" cy="1144800"/>
           </a:xfrm>
           <a:prstGeom prst="rect">
             <a:avLst/>
@@ -1706,18 +1606,16 @@
         <p:txBody>
           <a:bodyPr lIns="0" rIns="0" tIns="0" bIns="0" anchor="ctr"/>
           <a:p>
-            <a:endParaRPr b="0" lang="en-US" sz="1000" spc="-1" strike="noStrike">
-              <a:solidFill>
-                <a:srgbClr val="000000"/>
-              </a:solidFill>
-              <a:latin typeface="CG Times"/>
-            </a:endParaRPr>
-          </a:p>
-        </p:txBody>
-      </p:sp>
-      <p:sp>
-        <p:nvSpPr>
-          <p:cNvPr id="78" name="PlaceHolder 2"/>
+            <a:pPr algn="ctr"/>
+            <a:endParaRPr b="0" lang="en-US" sz="4400" spc="-1" strike="noStrike">
+              <a:latin typeface="Arial"/>
+            </a:endParaRPr>
+          </a:p>
+        </p:txBody>
+      </p:sp>
+      <p:sp>
+        <p:nvSpPr>
+          <p:cNvPr id="75" name="PlaceHolder 2"/>
           <p:cNvSpPr>
             <a:spLocks noGrp="1"/>
           </p:cNvSpPr>
@@ -1727,8 +1625,8 @@
         </p:nvSpPr>
         <p:spPr>
           <a:xfrm>
-            <a:off x="722160" y="2906640"/>
-            <a:ext cx="3792600" cy="715320"/>
+            <a:off x="457200" y="1604520"/>
+            <a:ext cx="4015800" cy="1896840"/>
           </a:xfrm>
           <a:prstGeom prst="rect">
             <a:avLst/>
@@ -1739,18 +1637,15 @@
             <a:normAutofit/>
           </a:bodyPr>
           <a:p>
-            <a:endParaRPr b="0" lang="en-US" sz="2400" spc="-1" strike="noStrike">
-              <a:solidFill>
-                <a:srgbClr val="44546a"/>
-              </a:solidFill>
-              <a:latin typeface="Arial"/>
-            </a:endParaRPr>
-          </a:p>
-        </p:txBody>
-      </p:sp>
-      <p:sp>
-        <p:nvSpPr>
-          <p:cNvPr id="79" name="PlaceHolder 3"/>
+            <a:endParaRPr b="0" lang="en-US" sz="3200" spc="-1" strike="noStrike">
+              <a:latin typeface="Arial"/>
+            </a:endParaRPr>
+          </a:p>
+        </p:txBody>
+      </p:sp>
+      <p:sp>
+        <p:nvSpPr>
+          <p:cNvPr id="76" name="PlaceHolder 3"/>
           <p:cNvSpPr>
             <a:spLocks noGrp="1"/>
           </p:cNvSpPr>
@@ -1760,8 +1655,8 @@
         </p:nvSpPr>
         <p:spPr>
           <a:xfrm>
-            <a:off x="4704840" y="2906640"/>
-            <a:ext cx="3792600" cy="715320"/>
+            <a:off x="4674240" y="1604520"/>
+            <a:ext cx="4015800" cy="1896840"/>
           </a:xfrm>
           <a:prstGeom prst="rect">
             <a:avLst/>
@@ -1772,18 +1667,15 @@
             <a:normAutofit/>
           </a:bodyPr>
           <a:p>
-            <a:endParaRPr b="0" lang="en-US" sz="2400" spc="-1" strike="noStrike">
-              <a:solidFill>
-                <a:srgbClr val="44546a"/>
-              </a:solidFill>
-              <a:latin typeface="Arial"/>
-            </a:endParaRPr>
-          </a:p>
-        </p:txBody>
-      </p:sp>
-      <p:sp>
-        <p:nvSpPr>
-          <p:cNvPr id="80" name="PlaceHolder 4"/>
+            <a:endParaRPr b="0" lang="en-US" sz="3200" spc="-1" strike="noStrike">
+              <a:latin typeface="Arial"/>
+            </a:endParaRPr>
+          </a:p>
+        </p:txBody>
+      </p:sp>
+      <p:sp>
+        <p:nvSpPr>
+          <p:cNvPr id="77" name="PlaceHolder 4"/>
           <p:cNvSpPr>
             <a:spLocks noGrp="1"/>
           </p:cNvSpPr>
@@ -1793,8 +1685,8 @@
         </p:nvSpPr>
         <p:spPr>
           <a:xfrm>
-            <a:off x="722160" y="3690360"/>
-            <a:ext cx="3792600" cy="715320"/>
+            <a:off x="457200" y="3682080"/>
+            <a:ext cx="4015800" cy="1896840"/>
           </a:xfrm>
           <a:prstGeom prst="rect">
             <a:avLst/>
@@ -1805,18 +1697,15 @@
             <a:normAutofit/>
           </a:bodyPr>
           <a:p>
-            <a:endParaRPr b="0" lang="en-US" sz="2400" spc="-1" strike="noStrike">
-              <a:solidFill>
-                <a:srgbClr val="44546a"/>
-              </a:solidFill>
-              <a:latin typeface="Arial"/>
-            </a:endParaRPr>
-          </a:p>
-        </p:txBody>
-      </p:sp>
-      <p:sp>
-        <p:nvSpPr>
-          <p:cNvPr id="81" name="PlaceHolder 5"/>
+            <a:endParaRPr b="0" lang="en-US" sz="3200" spc="-1" strike="noStrike">
+              <a:latin typeface="Arial"/>
+            </a:endParaRPr>
+          </a:p>
+        </p:txBody>
+      </p:sp>
+      <p:sp>
+        <p:nvSpPr>
+          <p:cNvPr id="78" name="PlaceHolder 5"/>
           <p:cNvSpPr>
             <a:spLocks noGrp="1"/>
           </p:cNvSpPr>
@@ -1826,8 +1715,8 @@
         </p:nvSpPr>
         <p:spPr>
           <a:xfrm>
-            <a:off x="4704840" y="3690360"/>
-            <a:ext cx="3792600" cy="715320"/>
+            <a:off x="4674240" y="3682080"/>
+            <a:ext cx="4015800" cy="1896840"/>
           </a:xfrm>
           <a:prstGeom prst="rect">
             <a:avLst/>
@@ -1838,10 +1727,7 @@
             <a:normAutofit/>
           </a:bodyPr>
           <a:p>
-            <a:endParaRPr b="0" lang="en-US" sz="2400" spc="-1" strike="noStrike">
-              <a:solidFill>
-                <a:srgbClr val="44546a"/>
-              </a:solidFill>
+            <a:endParaRPr b="0" lang="en-US" sz="3200" spc="-1" strike="noStrike">
               <a:latin typeface="Arial"/>
             </a:endParaRPr>
           </a:p>
@@ -1871,7 +1757,7 @@
       </p:grpSpPr>
       <p:sp>
         <p:nvSpPr>
-          <p:cNvPr id="82" name="PlaceHolder 1"/>
+          <p:cNvPr id="79" name="PlaceHolder 1"/>
           <p:cNvSpPr>
             <a:spLocks noGrp="1"/>
           </p:cNvSpPr>
@@ -1881,8 +1767,8 @@
         </p:nvSpPr>
         <p:spPr>
           <a:xfrm>
-            <a:off x="722160" y="4406760"/>
-            <a:ext cx="7772040" cy="1361880"/>
+            <a:off x="457200" y="273600"/>
+            <a:ext cx="8229240" cy="1144800"/>
           </a:xfrm>
           <a:prstGeom prst="rect">
             <a:avLst/>
@@ -1891,18 +1777,16 @@
         <p:txBody>
           <a:bodyPr lIns="0" rIns="0" tIns="0" bIns="0" anchor="ctr"/>
           <a:p>
-            <a:endParaRPr b="0" lang="en-US" sz="1000" spc="-1" strike="noStrike">
-              <a:solidFill>
-                <a:srgbClr val="000000"/>
-              </a:solidFill>
-              <a:latin typeface="CG Times"/>
-            </a:endParaRPr>
-          </a:p>
-        </p:txBody>
-      </p:sp>
-      <p:sp>
-        <p:nvSpPr>
-          <p:cNvPr id="83" name="PlaceHolder 2"/>
+            <a:pPr algn="ctr"/>
+            <a:endParaRPr b="0" lang="en-US" sz="4400" spc="-1" strike="noStrike">
+              <a:latin typeface="Arial"/>
+            </a:endParaRPr>
+          </a:p>
+        </p:txBody>
+      </p:sp>
+      <p:sp>
+        <p:nvSpPr>
+          <p:cNvPr id="80" name="PlaceHolder 2"/>
           <p:cNvSpPr>
             <a:spLocks noGrp="1"/>
           </p:cNvSpPr>
@@ -1912,8 +1796,8 @@
         </p:nvSpPr>
         <p:spPr>
           <a:xfrm>
-            <a:off x="722160" y="2906640"/>
-            <a:ext cx="2502360" cy="715320"/>
+            <a:off x="457200" y="1604520"/>
+            <a:ext cx="2649600" cy="1896840"/>
           </a:xfrm>
           <a:prstGeom prst="rect">
             <a:avLst/>
@@ -1924,18 +1808,15 @@
             <a:normAutofit/>
           </a:bodyPr>
           <a:p>
-            <a:endParaRPr b="0" lang="en-US" sz="2400" spc="-1" strike="noStrike">
-              <a:solidFill>
-                <a:srgbClr val="44546a"/>
-              </a:solidFill>
-              <a:latin typeface="Arial"/>
-            </a:endParaRPr>
-          </a:p>
-        </p:txBody>
-      </p:sp>
-      <p:sp>
-        <p:nvSpPr>
-          <p:cNvPr id="84" name="PlaceHolder 3"/>
+            <a:endParaRPr b="0" lang="en-US" sz="3200" spc="-1" strike="noStrike">
+              <a:latin typeface="Arial"/>
+            </a:endParaRPr>
+          </a:p>
+        </p:txBody>
+      </p:sp>
+      <p:sp>
+        <p:nvSpPr>
+          <p:cNvPr id="81" name="PlaceHolder 3"/>
           <p:cNvSpPr>
             <a:spLocks noGrp="1"/>
           </p:cNvSpPr>
@@ -1945,8 +1826,8 @@
         </p:nvSpPr>
         <p:spPr>
           <a:xfrm>
-            <a:off x="3350160" y="2906640"/>
-            <a:ext cx="2502360" cy="715320"/>
+            <a:off x="3239640" y="1604520"/>
+            <a:ext cx="2649600" cy="1896840"/>
           </a:xfrm>
           <a:prstGeom prst="rect">
             <a:avLst/>
@@ -1957,18 +1838,15 @@
             <a:normAutofit/>
           </a:bodyPr>
           <a:p>
-            <a:endParaRPr b="0" lang="en-US" sz="2400" spc="-1" strike="noStrike">
-              <a:solidFill>
-                <a:srgbClr val="44546a"/>
-              </a:solidFill>
-              <a:latin typeface="Arial"/>
-            </a:endParaRPr>
-          </a:p>
-        </p:txBody>
-      </p:sp>
-      <p:sp>
-        <p:nvSpPr>
-          <p:cNvPr id="85" name="PlaceHolder 4"/>
+            <a:endParaRPr b="0" lang="en-US" sz="3200" spc="-1" strike="noStrike">
+              <a:latin typeface="Arial"/>
+            </a:endParaRPr>
+          </a:p>
+        </p:txBody>
+      </p:sp>
+      <p:sp>
+        <p:nvSpPr>
+          <p:cNvPr id="82" name="PlaceHolder 4"/>
           <p:cNvSpPr>
             <a:spLocks noGrp="1"/>
           </p:cNvSpPr>
@@ -1978,8 +1856,8 @@
         </p:nvSpPr>
         <p:spPr>
           <a:xfrm>
-            <a:off x="5977800" y="2906640"/>
-            <a:ext cx="2502360" cy="715320"/>
+            <a:off x="6022080" y="1604520"/>
+            <a:ext cx="2649600" cy="1896840"/>
           </a:xfrm>
           <a:prstGeom prst="rect">
             <a:avLst/>
@@ -1990,18 +1868,15 @@
             <a:normAutofit/>
           </a:bodyPr>
           <a:p>
-            <a:endParaRPr b="0" lang="en-US" sz="2400" spc="-1" strike="noStrike">
-              <a:solidFill>
-                <a:srgbClr val="44546a"/>
-              </a:solidFill>
-              <a:latin typeface="Arial"/>
-            </a:endParaRPr>
-          </a:p>
-        </p:txBody>
-      </p:sp>
-      <p:sp>
-        <p:nvSpPr>
-          <p:cNvPr id="86" name="PlaceHolder 5"/>
+            <a:endParaRPr b="0" lang="en-US" sz="3200" spc="-1" strike="noStrike">
+              <a:latin typeface="Arial"/>
+            </a:endParaRPr>
+          </a:p>
+        </p:txBody>
+      </p:sp>
+      <p:sp>
+        <p:nvSpPr>
+          <p:cNvPr id="83" name="PlaceHolder 5"/>
           <p:cNvSpPr>
             <a:spLocks noGrp="1"/>
           </p:cNvSpPr>
@@ -2011,8 +1886,8 @@
         </p:nvSpPr>
         <p:spPr>
           <a:xfrm>
-            <a:off x="722160" y="3690360"/>
-            <a:ext cx="2502360" cy="715320"/>
+            <a:off x="457200" y="3682080"/>
+            <a:ext cx="2649600" cy="1896840"/>
           </a:xfrm>
           <a:prstGeom prst="rect">
             <a:avLst/>
@@ -2023,18 +1898,15 @@
             <a:normAutofit/>
           </a:bodyPr>
           <a:p>
-            <a:endParaRPr b="0" lang="en-US" sz="2400" spc="-1" strike="noStrike">
-              <a:solidFill>
-                <a:srgbClr val="44546a"/>
-              </a:solidFill>
-              <a:latin typeface="Arial"/>
-            </a:endParaRPr>
-          </a:p>
-        </p:txBody>
-      </p:sp>
-      <p:sp>
-        <p:nvSpPr>
-          <p:cNvPr id="87" name="PlaceHolder 6"/>
+            <a:endParaRPr b="0" lang="en-US" sz="3200" spc="-1" strike="noStrike">
+              <a:latin typeface="Arial"/>
+            </a:endParaRPr>
+          </a:p>
+        </p:txBody>
+      </p:sp>
+      <p:sp>
+        <p:nvSpPr>
+          <p:cNvPr id="84" name="PlaceHolder 6"/>
           <p:cNvSpPr>
             <a:spLocks noGrp="1"/>
           </p:cNvSpPr>
@@ -2044,8 +1916,8 @@
         </p:nvSpPr>
         <p:spPr>
           <a:xfrm>
-            <a:off x="3350160" y="3690360"/>
-            <a:ext cx="2502360" cy="715320"/>
+            <a:off x="3239640" y="3682080"/>
+            <a:ext cx="2649600" cy="1896840"/>
           </a:xfrm>
           <a:prstGeom prst="rect">
             <a:avLst/>
@@ -2056,18 +1928,15 @@
             <a:normAutofit/>
           </a:bodyPr>
           <a:p>
-            <a:endParaRPr b="0" lang="en-US" sz="2400" spc="-1" strike="noStrike">
-              <a:solidFill>
-                <a:srgbClr val="44546a"/>
-              </a:solidFill>
-              <a:latin typeface="Arial"/>
-            </a:endParaRPr>
-          </a:p>
-        </p:txBody>
-      </p:sp>
-      <p:sp>
-        <p:nvSpPr>
-          <p:cNvPr id="88" name="PlaceHolder 7"/>
+            <a:endParaRPr b="0" lang="en-US" sz="3200" spc="-1" strike="noStrike">
+              <a:latin typeface="Arial"/>
+            </a:endParaRPr>
+          </a:p>
+        </p:txBody>
+      </p:sp>
+      <p:sp>
+        <p:nvSpPr>
+          <p:cNvPr id="85" name="PlaceHolder 7"/>
           <p:cNvSpPr>
             <a:spLocks noGrp="1"/>
           </p:cNvSpPr>
@@ -2077,8 +1946,8 @@
         </p:nvSpPr>
         <p:spPr>
           <a:xfrm>
-            <a:off x="5977800" y="3690360"/>
-            <a:ext cx="2502360" cy="715320"/>
+            <a:off x="6022080" y="3682080"/>
+            <a:ext cx="2649600" cy="1896840"/>
           </a:xfrm>
           <a:prstGeom prst="rect">
             <a:avLst/>
@@ -2089,10 +1958,7 @@
             <a:normAutofit/>
           </a:bodyPr>
           <a:p>
-            <a:endParaRPr b="0" lang="en-US" sz="2400" spc="-1" strike="noStrike">
-              <a:solidFill>
-                <a:srgbClr val="44546a"/>
-              </a:solidFill>
+            <a:endParaRPr b="0" lang="en-US" sz="3200" spc="-1" strike="noStrike">
               <a:latin typeface="Arial"/>
             </a:endParaRPr>
           </a:p>
@@ -2144,7 +2010,7 @@
       </p:grpSpPr>
       <p:sp>
         <p:nvSpPr>
-          <p:cNvPr id="96" name="PlaceHolder 1"/>
+          <p:cNvPr id="91" name="PlaceHolder 1"/>
           <p:cNvSpPr>
             <a:spLocks noGrp="1"/>
           </p:cNvSpPr>
@@ -2154,8 +2020,8 @@
         </p:nvSpPr>
         <p:spPr>
           <a:xfrm>
-            <a:off x="722160" y="4406760"/>
-            <a:ext cx="7772040" cy="1361880"/>
+            <a:off x="457200" y="273600"/>
+            <a:ext cx="8229240" cy="1144800"/>
           </a:xfrm>
           <a:prstGeom prst="rect">
             <a:avLst/>
@@ -2164,18 +2030,16 @@
         <p:txBody>
           <a:bodyPr lIns="0" rIns="0" tIns="0" bIns="0" anchor="ctr"/>
           <a:p>
-            <a:endParaRPr b="0" lang="en-US" sz="1000" spc="-1" strike="noStrike">
-              <a:solidFill>
-                <a:srgbClr val="000000"/>
-              </a:solidFill>
-              <a:latin typeface="CG Times"/>
-            </a:endParaRPr>
-          </a:p>
-        </p:txBody>
-      </p:sp>
-      <p:sp>
-        <p:nvSpPr>
-          <p:cNvPr id="97" name="PlaceHolder 2"/>
+            <a:pPr algn="ctr"/>
+            <a:endParaRPr b="0" lang="en-US" sz="4400" spc="-1" strike="noStrike">
+              <a:latin typeface="Arial"/>
+            </a:endParaRPr>
+          </a:p>
+        </p:txBody>
+      </p:sp>
+      <p:sp>
+        <p:nvSpPr>
+          <p:cNvPr id="92" name="PlaceHolder 2"/>
           <p:cNvSpPr>
             <a:spLocks noGrp="1"/>
           </p:cNvSpPr>
@@ -2185,8 +2049,8 @@
         </p:nvSpPr>
         <p:spPr>
           <a:xfrm>
-            <a:off x="722160" y="2906640"/>
-            <a:ext cx="7772040" cy="1499760"/>
+            <a:off x="457200" y="1604520"/>
+            <a:ext cx="8229240" cy="3977280"/>
           </a:xfrm>
           <a:prstGeom prst="rect">
             <a:avLst/>
@@ -2226,7 +2090,7 @@
       </p:grpSpPr>
       <p:sp>
         <p:nvSpPr>
-          <p:cNvPr id="98" name="PlaceHolder 1"/>
+          <p:cNvPr id="93" name="PlaceHolder 1"/>
           <p:cNvSpPr>
             <a:spLocks noGrp="1"/>
           </p:cNvSpPr>
@@ -2236,8 +2100,8 @@
         </p:nvSpPr>
         <p:spPr>
           <a:xfrm>
-            <a:off x="722160" y="4406760"/>
-            <a:ext cx="7772040" cy="1361880"/>
+            <a:off x="457200" y="273600"/>
+            <a:ext cx="8229240" cy="1144800"/>
           </a:xfrm>
           <a:prstGeom prst="rect">
             <a:avLst/>
@@ -2246,18 +2110,16 @@
         <p:txBody>
           <a:bodyPr lIns="0" rIns="0" tIns="0" bIns="0" anchor="ctr"/>
           <a:p>
-            <a:endParaRPr b="0" lang="en-US" sz="1000" spc="-1" strike="noStrike">
-              <a:solidFill>
-                <a:srgbClr val="000000"/>
-              </a:solidFill>
-              <a:latin typeface="CG Times"/>
-            </a:endParaRPr>
-          </a:p>
-        </p:txBody>
-      </p:sp>
-      <p:sp>
-        <p:nvSpPr>
-          <p:cNvPr id="99" name="PlaceHolder 2"/>
+            <a:pPr algn="ctr"/>
+            <a:endParaRPr b="0" lang="en-US" sz="4400" spc="-1" strike="noStrike">
+              <a:latin typeface="Arial"/>
+            </a:endParaRPr>
+          </a:p>
+        </p:txBody>
+      </p:sp>
+      <p:sp>
+        <p:nvSpPr>
+          <p:cNvPr id="94" name="PlaceHolder 2"/>
           <p:cNvSpPr>
             <a:spLocks noGrp="1"/>
           </p:cNvSpPr>
@@ -2267,8 +2129,8 @@
         </p:nvSpPr>
         <p:spPr>
           <a:xfrm>
-            <a:off x="722160" y="2906640"/>
-            <a:ext cx="7772040" cy="1499760"/>
+            <a:off x="457200" y="1604520"/>
+            <a:ext cx="8229240" cy="3977280"/>
           </a:xfrm>
           <a:prstGeom prst="rect">
             <a:avLst/>
@@ -2279,10 +2141,7 @@
             <a:normAutofit/>
           </a:bodyPr>
           <a:p>
-            <a:endParaRPr b="0" lang="en-US" sz="2400" spc="-1" strike="noStrike">
-              <a:solidFill>
-                <a:srgbClr val="44546a"/>
-              </a:solidFill>
+            <a:endParaRPr b="0" lang="en-US" sz="3200" spc="-1" strike="noStrike">
               <a:latin typeface="Arial"/>
             </a:endParaRPr>
           </a:p>
@@ -2312,7 +2171,7 @@
       </p:grpSpPr>
       <p:sp>
         <p:nvSpPr>
-          <p:cNvPr id="100" name="PlaceHolder 1"/>
+          <p:cNvPr id="95" name="PlaceHolder 1"/>
           <p:cNvSpPr>
             <a:spLocks noGrp="1"/>
           </p:cNvSpPr>
@@ -2322,8 +2181,8 @@
         </p:nvSpPr>
         <p:spPr>
           <a:xfrm>
-            <a:off x="722160" y="4406760"/>
-            <a:ext cx="7772040" cy="1361880"/>
+            <a:off x="457200" y="273600"/>
+            <a:ext cx="8229240" cy="1144800"/>
           </a:xfrm>
           <a:prstGeom prst="rect">
             <a:avLst/>
@@ -2332,18 +2191,16 @@
         <p:txBody>
           <a:bodyPr lIns="0" rIns="0" tIns="0" bIns="0" anchor="ctr"/>
           <a:p>
-            <a:endParaRPr b="0" lang="en-US" sz="1000" spc="-1" strike="noStrike">
-              <a:solidFill>
-                <a:srgbClr val="000000"/>
-              </a:solidFill>
-              <a:latin typeface="CG Times"/>
-            </a:endParaRPr>
-          </a:p>
-        </p:txBody>
-      </p:sp>
-      <p:sp>
-        <p:nvSpPr>
-          <p:cNvPr id="101" name="PlaceHolder 2"/>
+            <a:pPr algn="ctr"/>
+            <a:endParaRPr b="0" lang="en-US" sz="4400" spc="-1" strike="noStrike">
+              <a:latin typeface="Arial"/>
+            </a:endParaRPr>
+          </a:p>
+        </p:txBody>
+      </p:sp>
+      <p:sp>
+        <p:nvSpPr>
+          <p:cNvPr id="96" name="PlaceHolder 2"/>
           <p:cNvSpPr>
             <a:spLocks noGrp="1"/>
           </p:cNvSpPr>
@@ -2353,8 +2210,8 @@
         </p:nvSpPr>
         <p:spPr>
           <a:xfrm>
-            <a:off x="722160" y="2906640"/>
-            <a:ext cx="3792600" cy="1499760"/>
+            <a:off x="457200" y="1604520"/>
+            <a:ext cx="4015800" cy="3977280"/>
           </a:xfrm>
           <a:prstGeom prst="rect">
             <a:avLst/>
@@ -2365,18 +2222,15 @@
             <a:normAutofit/>
           </a:bodyPr>
           <a:p>
-            <a:endParaRPr b="0" lang="en-US" sz="2400" spc="-1" strike="noStrike">
-              <a:solidFill>
-                <a:srgbClr val="44546a"/>
-              </a:solidFill>
-              <a:latin typeface="Arial"/>
-            </a:endParaRPr>
-          </a:p>
-        </p:txBody>
-      </p:sp>
-      <p:sp>
-        <p:nvSpPr>
-          <p:cNvPr id="102" name="PlaceHolder 3"/>
+            <a:endParaRPr b="0" lang="en-US" sz="3200" spc="-1" strike="noStrike">
+              <a:latin typeface="Arial"/>
+            </a:endParaRPr>
+          </a:p>
+        </p:txBody>
+      </p:sp>
+      <p:sp>
+        <p:nvSpPr>
+          <p:cNvPr id="97" name="PlaceHolder 3"/>
           <p:cNvSpPr>
             <a:spLocks noGrp="1"/>
           </p:cNvSpPr>
@@ -2386,8 +2240,8 @@
         </p:nvSpPr>
         <p:spPr>
           <a:xfrm>
-            <a:off x="4704840" y="2906640"/>
-            <a:ext cx="3792600" cy="1499760"/>
+            <a:off x="4674240" y="1604520"/>
+            <a:ext cx="4015800" cy="3977280"/>
           </a:xfrm>
           <a:prstGeom prst="rect">
             <a:avLst/>
@@ -2398,10 +2252,7 @@
             <a:normAutofit/>
           </a:bodyPr>
           <a:p>
-            <a:endParaRPr b="0" lang="en-US" sz="2400" spc="-1" strike="noStrike">
-              <a:solidFill>
-                <a:srgbClr val="44546a"/>
-              </a:solidFill>
+            <a:endParaRPr b="0" lang="en-US" sz="3200" spc="-1" strike="noStrike">
               <a:latin typeface="Arial"/>
             </a:endParaRPr>
           </a:p>
@@ -2431,7 +2282,7 @@
       </p:grpSpPr>
       <p:sp>
         <p:nvSpPr>
-          <p:cNvPr id="103" name="PlaceHolder 1"/>
+          <p:cNvPr id="98" name="PlaceHolder 1"/>
           <p:cNvSpPr>
             <a:spLocks noGrp="1"/>
           </p:cNvSpPr>
@@ -2441,8 +2292,8 @@
         </p:nvSpPr>
         <p:spPr>
           <a:xfrm>
-            <a:off x="722160" y="4406760"/>
-            <a:ext cx="7772040" cy="1361880"/>
+            <a:off x="457200" y="273600"/>
+            <a:ext cx="8229240" cy="1144800"/>
           </a:xfrm>
           <a:prstGeom prst="rect">
             <a:avLst/>
@@ -2451,11 +2302,9 @@
         <p:txBody>
           <a:bodyPr lIns="0" rIns="0" tIns="0" bIns="0" anchor="ctr"/>
           <a:p>
-            <a:endParaRPr b="0" lang="en-US" sz="1000" spc="-1" strike="noStrike">
-              <a:solidFill>
-                <a:srgbClr val="000000"/>
-              </a:solidFill>
-              <a:latin typeface="CG Times"/>
+            <a:pPr algn="ctr"/>
+            <a:endParaRPr b="0" lang="en-US" sz="4400" spc="-1" strike="noStrike">
+              <a:latin typeface="Arial"/>
             </a:endParaRPr>
           </a:p>
         </p:txBody>
@@ -2484,7 +2333,7 @@
       </p:grpSpPr>
       <p:sp>
         <p:nvSpPr>
-          <p:cNvPr id="12" name="PlaceHolder 1"/>
+          <p:cNvPr id="11" name="PlaceHolder 1"/>
           <p:cNvSpPr>
             <a:spLocks noGrp="1"/>
           </p:cNvSpPr>
@@ -2494,8 +2343,8 @@
         </p:nvSpPr>
         <p:spPr>
           <a:xfrm>
-            <a:off x="722160" y="4406760"/>
-            <a:ext cx="7772040" cy="1361880"/>
+            <a:off x="457200" y="273600"/>
+            <a:ext cx="8229240" cy="1144800"/>
           </a:xfrm>
           <a:prstGeom prst="rect">
             <a:avLst/>
@@ -2504,18 +2353,16 @@
         <p:txBody>
           <a:bodyPr lIns="0" rIns="0" tIns="0" bIns="0" anchor="ctr"/>
           <a:p>
-            <a:endParaRPr b="0" lang="en-US" sz="1000" spc="-1" strike="noStrike">
-              <a:solidFill>
-                <a:srgbClr val="000000"/>
-              </a:solidFill>
-              <a:latin typeface="CG Times"/>
-            </a:endParaRPr>
-          </a:p>
-        </p:txBody>
-      </p:sp>
-      <p:sp>
-        <p:nvSpPr>
-          <p:cNvPr id="13" name="PlaceHolder 2"/>
+            <a:pPr algn="ctr"/>
+            <a:endParaRPr b="0" lang="en-US" sz="4400" spc="-1" strike="noStrike">
+              <a:latin typeface="Arial"/>
+            </a:endParaRPr>
+          </a:p>
+        </p:txBody>
+      </p:sp>
+      <p:sp>
+        <p:nvSpPr>
+          <p:cNvPr id="12" name="PlaceHolder 2"/>
           <p:cNvSpPr>
             <a:spLocks noGrp="1"/>
           </p:cNvSpPr>
@@ -2525,8 +2372,8 @@
         </p:nvSpPr>
         <p:spPr>
           <a:xfrm>
-            <a:off x="722160" y="2906640"/>
-            <a:ext cx="7772040" cy="1499760"/>
+            <a:off x="457200" y="1604520"/>
+            <a:ext cx="8229240" cy="3977280"/>
           </a:xfrm>
           <a:prstGeom prst="rect">
             <a:avLst/>
@@ -2537,10 +2384,7 @@
             <a:normAutofit/>
           </a:bodyPr>
           <a:p>
-            <a:endParaRPr b="0" lang="en-US" sz="2400" spc="-1" strike="noStrike">
-              <a:solidFill>
-                <a:srgbClr val="44546a"/>
-              </a:solidFill>
+            <a:endParaRPr b="0" lang="en-US" sz="3200" spc="-1" strike="noStrike">
               <a:latin typeface="Arial"/>
             </a:endParaRPr>
           </a:p>
@@ -2570,7 +2414,7 @@
       </p:grpSpPr>
       <p:sp>
         <p:nvSpPr>
-          <p:cNvPr id="104" name="PlaceHolder 1"/>
+          <p:cNvPr id="99" name="PlaceHolder 1"/>
           <p:cNvSpPr>
             <a:spLocks noGrp="1"/>
           </p:cNvSpPr>
@@ -2580,8 +2424,8 @@
         </p:nvSpPr>
         <p:spPr>
           <a:xfrm>
-            <a:off x="722160" y="4406760"/>
-            <a:ext cx="7772040" cy="6314040"/>
+            <a:off x="457200" y="273600"/>
+            <a:ext cx="8229240" cy="5307840"/>
           </a:xfrm>
           <a:prstGeom prst="rect">
             <a:avLst/>
@@ -2621,7 +2465,7 @@
       </p:grpSpPr>
       <p:sp>
         <p:nvSpPr>
-          <p:cNvPr id="105" name="PlaceHolder 1"/>
+          <p:cNvPr id="100" name="PlaceHolder 1"/>
           <p:cNvSpPr>
             <a:spLocks noGrp="1"/>
           </p:cNvSpPr>
@@ -2631,8 +2475,8 @@
         </p:nvSpPr>
         <p:spPr>
           <a:xfrm>
-            <a:off x="722160" y="4406760"/>
-            <a:ext cx="7772040" cy="1361880"/>
+            <a:off x="457200" y="273600"/>
+            <a:ext cx="8229240" cy="1144800"/>
           </a:xfrm>
           <a:prstGeom prst="rect">
             <a:avLst/>
@@ -2641,18 +2485,16 @@
         <p:txBody>
           <a:bodyPr lIns="0" rIns="0" tIns="0" bIns="0" anchor="ctr"/>
           <a:p>
-            <a:endParaRPr b="0" lang="en-US" sz="1000" spc="-1" strike="noStrike">
-              <a:solidFill>
-                <a:srgbClr val="000000"/>
-              </a:solidFill>
-              <a:latin typeface="CG Times"/>
-            </a:endParaRPr>
-          </a:p>
-        </p:txBody>
-      </p:sp>
-      <p:sp>
-        <p:nvSpPr>
-          <p:cNvPr id="106" name="PlaceHolder 2"/>
+            <a:pPr algn="ctr"/>
+            <a:endParaRPr b="0" lang="en-US" sz="4400" spc="-1" strike="noStrike">
+              <a:latin typeface="Arial"/>
+            </a:endParaRPr>
+          </a:p>
+        </p:txBody>
+      </p:sp>
+      <p:sp>
+        <p:nvSpPr>
+          <p:cNvPr id="101" name="PlaceHolder 2"/>
           <p:cNvSpPr>
             <a:spLocks noGrp="1"/>
           </p:cNvSpPr>
@@ -2662,8 +2504,8 @@
         </p:nvSpPr>
         <p:spPr>
           <a:xfrm>
-            <a:off x="722160" y="2906640"/>
-            <a:ext cx="3792600" cy="715320"/>
+            <a:off x="457200" y="1604520"/>
+            <a:ext cx="4015800" cy="1896840"/>
           </a:xfrm>
           <a:prstGeom prst="rect">
             <a:avLst/>
@@ -2674,18 +2516,15 @@
             <a:normAutofit/>
           </a:bodyPr>
           <a:p>
-            <a:endParaRPr b="0" lang="en-US" sz="2400" spc="-1" strike="noStrike">
-              <a:solidFill>
-                <a:srgbClr val="44546a"/>
-              </a:solidFill>
-              <a:latin typeface="Arial"/>
-            </a:endParaRPr>
-          </a:p>
-        </p:txBody>
-      </p:sp>
-      <p:sp>
-        <p:nvSpPr>
-          <p:cNvPr id="107" name="PlaceHolder 3"/>
+            <a:endParaRPr b="0" lang="en-US" sz="3200" spc="-1" strike="noStrike">
+              <a:latin typeface="Arial"/>
+            </a:endParaRPr>
+          </a:p>
+        </p:txBody>
+      </p:sp>
+      <p:sp>
+        <p:nvSpPr>
+          <p:cNvPr id="102" name="PlaceHolder 3"/>
           <p:cNvSpPr>
             <a:spLocks noGrp="1"/>
           </p:cNvSpPr>
@@ -2695,8 +2534,8 @@
         </p:nvSpPr>
         <p:spPr>
           <a:xfrm>
-            <a:off x="4704840" y="2906640"/>
-            <a:ext cx="3792600" cy="1499760"/>
+            <a:off x="4674240" y="1604520"/>
+            <a:ext cx="4015800" cy="3977280"/>
           </a:xfrm>
           <a:prstGeom prst="rect">
             <a:avLst/>
@@ -2707,18 +2546,15 @@
             <a:normAutofit/>
           </a:bodyPr>
           <a:p>
-            <a:endParaRPr b="0" lang="en-US" sz="2400" spc="-1" strike="noStrike">
-              <a:solidFill>
-                <a:srgbClr val="44546a"/>
-              </a:solidFill>
-              <a:latin typeface="Arial"/>
-            </a:endParaRPr>
-          </a:p>
-        </p:txBody>
-      </p:sp>
-      <p:sp>
-        <p:nvSpPr>
-          <p:cNvPr id="108" name="PlaceHolder 4"/>
+            <a:endParaRPr b="0" lang="en-US" sz="3200" spc="-1" strike="noStrike">
+              <a:latin typeface="Arial"/>
+            </a:endParaRPr>
+          </a:p>
+        </p:txBody>
+      </p:sp>
+      <p:sp>
+        <p:nvSpPr>
+          <p:cNvPr id="103" name="PlaceHolder 4"/>
           <p:cNvSpPr>
             <a:spLocks noGrp="1"/>
           </p:cNvSpPr>
@@ -2728,8 +2564,8 @@
         </p:nvSpPr>
         <p:spPr>
           <a:xfrm>
-            <a:off x="722160" y="3690360"/>
-            <a:ext cx="3792600" cy="715320"/>
+            <a:off x="457200" y="3682080"/>
+            <a:ext cx="4015800" cy="1896840"/>
           </a:xfrm>
           <a:prstGeom prst="rect">
             <a:avLst/>
@@ -2740,10 +2576,7 @@
             <a:normAutofit/>
           </a:bodyPr>
           <a:p>
-            <a:endParaRPr b="0" lang="en-US" sz="2400" spc="-1" strike="noStrike">
-              <a:solidFill>
-                <a:srgbClr val="44546a"/>
-              </a:solidFill>
+            <a:endParaRPr b="0" lang="en-US" sz="3200" spc="-1" strike="noStrike">
               <a:latin typeface="Arial"/>
             </a:endParaRPr>
           </a:p>
@@ -2773,7 +2606,7 @@
       </p:grpSpPr>
       <p:sp>
         <p:nvSpPr>
-          <p:cNvPr id="109" name="PlaceHolder 1"/>
+          <p:cNvPr id="104" name="PlaceHolder 1"/>
           <p:cNvSpPr>
             <a:spLocks noGrp="1"/>
           </p:cNvSpPr>
@@ -2783,8 +2616,8 @@
         </p:nvSpPr>
         <p:spPr>
           <a:xfrm>
-            <a:off x="722160" y="4406760"/>
-            <a:ext cx="7772040" cy="1361880"/>
+            <a:off x="457200" y="273600"/>
+            <a:ext cx="8229240" cy="1144800"/>
           </a:xfrm>
           <a:prstGeom prst="rect">
             <a:avLst/>
@@ -2793,18 +2626,16 @@
         <p:txBody>
           <a:bodyPr lIns="0" rIns="0" tIns="0" bIns="0" anchor="ctr"/>
           <a:p>
-            <a:endParaRPr b="0" lang="en-US" sz="1000" spc="-1" strike="noStrike">
-              <a:solidFill>
-                <a:srgbClr val="000000"/>
-              </a:solidFill>
-              <a:latin typeface="CG Times"/>
-            </a:endParaRPr>
-          </a:p>
-        </p:txBody>
-      </p:sp>
-      <p:sp>
-        <p:nvSpPr>
-          <p:cNvPr id="110" name="PlaceHolder 2"/>
+            <a:pPr algn="ctr"/>
+            <a:endParaRPr b="0" lang="en-US" sz="4400" spc="-1" strike="noStrike">
+              <a:latin typeface="Arial"/>
+            </a:endParaRPr>
+          </a:p>
+        </p:txBody>
+      </p:sp>
+      <p:sp>
+        <p:nvSpPr>
+          <p:cNvPr id="105" name="PlaceHolder 2"/>
           <p:cNvSpPr>
             <a:spLocks noGrp="1"/>
           </p:cNvSpPr>
@@ -2814,8 +2645,8 @@
         </p:nvSpPr>
         <p:spPr>
           <a:xfrm>
-            <a:off x="722160" y="2906640"/>
-            <a:ext cx="3792600" cy="1499760"/>
+            <a:off x="457200" y="1604520"/>
+            <a:ext cx="4015800" cy="3977280"/>
           </a:xfrm>
           <a:prstGeom prst="rect">
             <a:avLst/>
@@ -2826,18 +2657,15 @@
             <a:normAutofit/>
           </a:bodyPr>
           <a:p>
-            <a:endParaRPr b="0" lang="en-US" sz="2400" spc="-1" strike="noStrike">
-              <a:solidFill>
-                <a:srgbClr val="44546a"/>
-              </a:solidFill>
-              <a:latin typeface="Arial"/>
-            </a:endParaRPr>
-          </a:p>
-        </p:txBody>
-      </p:sp>
-      <p:sp>
-        <p:nvSpPr>
-          <p:cNvPr id="111" name="PlaceHolder 3"/>
+            <a:endParaRPr b="0" lang="en-US" sz="3200" spc="-1" strike="noStrike">
+              <a:latin typeface="Arial"/>
+            </a:endParaRPr>
+          </a:p>
+        </p:txBody>
+      </p:sp>
+      <p:sp>
+        <p:nvSpPr>
+          <p:cNvPr id="106" name="PlaceHolder 3"/>
           <p:cNvSpPr>
             <a:spLocks noGrp="1"/>
           </p:cNvSpPr>
@@ -2847,8 +2675,8 @@
         </p:nvSpPr>
         <p:spPr>
           <a:xfrm>
-            <a:off x="4704840" y="2906640"/>
-            <a:ext cx="3792600" cy="715320"/>
+            <a:off x="4674240" y="1604520"/>
+            <a:ext cx="4015800" cy="1896840"/>
           </a:xfrm>
           <a:prstGeom prst="rect">
             <a:avLst/>
@@ -2859,18 +2687,15 @@
             <a:normAutofit/>
           </a:bodyPr>
           <a:p>
-            <a:endParaRPr b="0" lang="en-US" sz="2400" spc="-1" strike="noStrike">
-              <a:solidFill>
-                <a:srgbClr val="44546a"/>
-              </a:solidFill>
-              <a:latin typeface="Arial"/>
-            </a:endParaRPr>
-          </a:p>
-        </p:txBody>
-      </p:sp>
-      <p:sp>
-        <p:nvSpPr>
-          <p:cNvPr id="112" name="PlaceHolder 4"/>
+            <a:endParaRPr b="0" lang="en-US" sz="3200" spc="-1" strike="noStrike">
+              <a:latin typeface="Arial"/>
+            </a:endParaRPr>
+          </a:p>
+        </p:txBody>
+      </p:sp>
+      <p:sp>
+        <p:nvSpPr>
+          <p:cNvPr id="107" name="PlaceHolder 4"/>
           <p:cNvSpPr>
             <a:spLocks noGrp="1"/>
           </p:cNvSpPr>
@@ -2880,8 +2705,8 @@
         </p:nvSpPr>
         <p:spPr>
           <a:xfrm>
-            <a:off x="4704840" y="3690360"/>
-            <a:ext cx="3792600" cy="715320"/>
+            <a:off x="4674240" y="3682080"/>
+            <a:ext cx="4015800" cy="1896840"/>
           </a:xfrm>
           <a:prstGeom prst="rect">
             <a:avLst/>
@@ -2892,10 +2717,7 @@
             <a:normAutofit/>
           </a:bodyPr>
           <a:p>
-            <a:endParaRPr b="0" lang="en-US" sz="2400" spc="-1" strike="noStrike">
-              <a:solidFill>
-                <a:srgbClr val="44546a"/>
-              </a:solidFill>
+            <a:endParaRPr b="0" lang="en-US" sz="3200" spc="-1" strike="noStrike">
               <a:latin typeface="Arial"/>
             </a:endParaRPr>
           </a:p>
@@ -2925,7 +2747,7 @@
       </p:grpSpPr>
       <p:sp>
         <p:nvSpPr>
-          <p:cNvPr id="113" name="PlaceHolder 1"/>
+          <p:cNvPr id="108" name="PlaceHolder 1"/>
           <p:cNvSpPr>
             <a:spLocks noGrp="1"/>
           </p:cNvSpPr>
@@ -2935,8 +2757,8 @@
         </p:nvSpPr>
         <p:spPr>
           <a:xfrm>
-            <a:off x="722160" y="4406760"/>
-            <a:ext cx="7772040" cy="1361880"/>
+            <a:off x="457200" y="273600"/>
+            <a:ext cx="8229240" cy="1144800"/>
           </a:xfrm>
           <a:prstGeom prst="rect">
             <a:avLst/>
@@ -2945,18 +2767,16 @@
         <p:txBody>
           <a:bodyPr lIns="0" rIns="0" tIns="0" bIns="0" anchor="ctr"/>
           <a:p>
-            <a:endParaRPr b="0" lang="en-US" sz="1000" spc="-1" strike="noStrike">
-              <a:solidFill>
-                <a:srgbClr val="000000"/>
-              </a:solidFill>
-              <a:latin typeface="CG Times"/>
-            </a:endParaRPr>
-          </a:p>
-        </p:txBody>
-      </p:sp>
-      <p:sp>
-        <p:nvSpPr>
-          <p:cNvPr id="114" name="PlaceHolder 2"/>
+            <a:pPr algn="ctr"/>
+            <a:endParaRPr b="0" lang="en-US" sz="4400" spc="-1" strike="noStrike">
+              <a:latin typeface="Arial"/>
+            </a:endParaRPr>
+          </a:p>
+        </p:txBody>
+      </p:sp>
+      <p:sp>
+        <p:nvSpPr>
+          <p:cNvPr id="109" name="PlaceHolder 2"/>
           <p:cNvSpPr>
             <a:spLocks noGrp="1"/>
           </p:cNvSpPr>
@@ -2966,8 +2786,8 @@
         </p:nvSpPr>
         <p:spPr>
           <a:xfrm>
-            <a:off x="722160" y="2906640"/>
-            <a:ext cx="3792600" cy="715320"/>
+            <a:off x="457200" y="1604520"/>
+            <a:ext cx="4015800" cy="1896840"/>
           </a:xfrm>
           <a:prstGeom prst="rect">
             <a:avLst/>
@@ -2978,18 +2798,15 @@
             <a:normAutofit/>
           </a:bodyPr>
           <a:p>
-            <a:endParaRPr b="0" lang="en-US" sz="2400" spc="-1" strike="noStrike">
-              <a:solidFill>
-                <a:srgbClr val="44546a"/>
-              </a:solidFill>
-              <a:latin typeface="Arial"/>
-            </a:endParaRPr>
-          </a:p>
-        </p:txBody>
-      </p:sp>
-      <p:sp>
-        <p:nvSpPr>
-          <p:cNvPr id="115" name="PlaceHolder 3"/>
+            <a:endParaRPr b="0" lang="en-US" sz="3200" spc="-1" strike="noStrike">
+              <a:latin typeface="Arial"/>
+            </a:endParaRPr>
+          </a:p>
+        </p:txBody>
+      </p:sp>
+      <p:sp>
+        <p:nvSpPr>
+          <p:cNvPr id="110" name="PlaceHolder 3"/>
           <p:cNvSpPr>
             <a:spLocks noGrp="1"/>
           </p:cNvSpPr>
@@ -2999,8 +2816,8 @@
         </p:nvSpPr>
         <p:spPr>
           <a:xfrm>
-            <a:off x="4704840" y="2906640"/>
-            <a:ext cx="3792600" cy="715320"/>
+            <a:off x="4674240" y="1604520"/>
+            <a:ext cx="4015800" cy="1896840"/>
           </a:xfrm>
           <a:prstGeom prst="rect">
             <a:avLst/>
@@ -3011,18 +2828,15 @@
             <a:normAutofit/>
           </a:bodyPr>
           <a:p>
-            <a:endParaRPr b="0" lang="en-US" sz="2400" spc="-1" strike="noStrike">
-              <a:solidFill>
-                <a:srgbClr val="44546a"/>
-              </a:solidFill>
-              <a:latin typeface="Arial"/>
-            </a:endParaRPr>
-          </a:p>
-        </p:txBody>
-      </p:sp>
-      <p:sp>
-        <p:nvSpPr>
-          <p:cNvPr id="116" name="PlaceHolder 4"/>
+            <a:endParaRPr b="0" lang="en-US" sz="3200" spc="-1" strike="noStrike">
+              <a:latin typeface="Arial"/>
+            </a:endParaRPr>
+          </a:p>
+        </p:txBody>
+      </p:sp>
+      <p:sp>
+        <p:nvSpPr>
+          <p:cNvPr id="111" name="PlaceHolder 4"/>
           <p:cNvSpPr>
             <a:spLocks noGrp="1"/>
           </p:cNvSpPr>
@@ -3032,8 +2846,8 @@
         </p:nvSpPr>
         <p:spPr>
           <a:xfrm>
-            <a:off x="722160" y="3690360"/>
-            <a:ext cx="7772040" cy="715320"/>
+            <a:off x="457200" y="3682080"/>
+            <a:ext cx="8229240" cy="1896840"/>
           </a:xfrm>
           <a:prstGeom prst="rect">
             <a:avLst/>
@@ -3044,10 +2858,7 @@
             <a:normAutofit/>
           </a:bodyPr>
           <a:p>
-            <a:endParaRPr b="0" lang="en-US" sz="2400" spc="-1" strike="noStrike">
-              <a:solidFill>
-                <a:srgbClr val="44546a"/>
-              </a:solidFill>
+            <a:endParaRPr b="0" lang="en-US" sz="3200" spc="-1" strike="noStrike">
               <a:latin typeface="Arial"/>
             </a:endParaRPr>
           </a:p>
@@ -3077,7 +2888,7 @@
       </p:grpSpPr>
       <p:sp>
         <p:nvSpPr>
-          <p:cNvPr id="117" name="PlaceHolder 1"/>
+          <p:cNvPr id="112" name="PlaceHolder 1"/>
           <p:cNvSpPr>
             <a:spLocks noGrp="1"/>
           </p:cNvSpPr>
@@ -3087,8 +2898,8 @@
         </p:nvSpPr>
         <p:spPr>
           <a:xfrm>
-            <a:off x="722160" y="4406760"/>
-            <a:ext cx="7772040" cy="1361880"/>
+            <a:off x="457200" y="273600"/>
+            <a:ext cx="8229240" cy="1144800"/>
           </a:xfrm>
           <a:prstGeom prst="rect">
             <a:avLst/>
@@ -3097,18 +2908,16 @@
         <p:txBody>
           <a:bodyPr lIns="0" rIns="0" tIns="0" bIns="0" anchor="ctr"/>
           <a:p>
-            <a:endParaRPr b="0" lang="en-US" sz="1000" spc="-1" strike="noStrike">
-              <a:solidFill>
-                <a:srgbClr val="000000"/>
-              </a:solidFill>
-              <a:latin typeface="CG Times"/>
-            </a:endParaRPr>
-          </a:p>
-        </p:txBody>
-      </p:sp>
-      <p:sp>
-        <p:nvSpPr>
-          <p:cNvPr id="118" name="PlaceHolder 2"/>
+            <a:pPr algn="ctr"/>
+            <a:endParaRPr b="0" lang="en-US" sz="4400" spc="-1" strike="noStrike">
+              <a:latin typeface="Arial"/>
+            </a:endParaRPr>
+          </a:p>
+        </p:txBody>
+      </p:sp>
+      <p:sp>
+        <p:nvSpPr>
+          <p:cNvPr id="113" name="PlaceHolder 2"/>
           <p:cNvSpPr>
             <a:spLocks noGrp="1"/>
           </p:cNvSpPr>
@@ -3118,8 +2927,8 @@
         </p:nvSpPr>
         <p:spPr>
           <a:xfrm>
-            <a:off x="722160" y="2906640"/>
-            <a:ext cx="7772040" cy="715320"/>
+            <a:off x="457200" y="1604520"/>
+            <a:ext cx="8229240" cy="1896840"/>
           </a:xfrm>
           <a:prstGeom prst="rect">
             <a:avLst/>
@@ -3130,18 +2939,15 @@
             <a:normAutofit/>
           </a:bodyPr>
           <a:p>
-            <a:endParaRPr b="0" lang="en-US" sz="2400" spc="-1" strike="noStrike">
-              <a:solidFill>
-                <a:srgbClr val="44546a"/>
-              </a:solidFill>
-              <a:latin typeface="Arial"/>
-            </a:endParaRPr>
-          </a:p>
-        </p:txBody>
-      </p:sp>
-      <p:sp>
-        <p:nvSpPr>
-          <p:cNvPr id="119" name="PlaceHolder 3"/>
+            <a:endParaRPr b="0" lang="en-US" sz="3200" spc="-1" strike="noStrike">
+              <a:latin typeface="Arial"/>
+            </a:endParaRPr>
+          </a:p>
+        </p:txBody>
+      </p:sp>
+      <p:sp>
+        <p:nvSpPr>
+          <p:cNvPr id="114" name="PlaceHolder 3"/>
           <p:cNvSpPr>
             <a:spLocks noGrp="1"/>
           </p:cNvSpPr>
@@ -3151,8 +2957,8 @@
         </p:nvSpPr>
         <p:spPr>
           <a:xfrm>
-            <a:off x="722160" y="3690360"/>
-            <a:ext cx="7772040" cy="715320"/>
+            <a:off x="457200" y="3682080"/>
+            <a:ext cx="8229240" cy="1896840"/>
           </a:xfrm>
           <a:prstGeom prst="rect">
             <a:avLst/>
@@ -3163,10 +2969,7 @@
             <a:normAutofit/>
           </a:bodyPr>
           <a:p>
-            <a:endParaRPr b="0" lang="en-US" sz="2400" spc="-1" strike="noStrike">
-              <a:solidFill>
-                <a:srgbClr val="44546a"/>
-              </a:solidFill>
+            <a:endParaRPr b="0" lang="en-US" sz="3200" spc="-1" strike="noStrike">
               <a:latin typeface="Arial"/>
             </a:endParaRPr>
           </a:p>
@@ -3196,7 +2999,7 @@
       </p:grpSpPr>
       <p:sp>
         <p:nvSpPr>
-          <p:cNvPr id="120" name="PlaceHolder 1"/>
+          <p:cNvPr id="115" name="PlaceHolder 1"/>
           <p:cNvSpPr>
             <a:spLocks noGrp="1"/>
           </p:cNvSpPr>
@@ -3206,8 +3009,8 @@
         </p:nvSpPr>
         <p:spPr>
           <a:xfrm>
-            <a:off x="722160" y="4406760"/>
-            <a:ext cx="7772040" cy="1361880"/>
+            <a:off x="457200" y="273600"/>
+            <a:ext cx="8229240" cy="1144800"/>
           </a:xfrm>
           <a:prstGeom prst="rect">
             <a:avLst/>
@@ -3216,18 +3019,16 @@
         <p:txBody>
           <a:bodyPr lIns="0" rIns="0" tIns="0" bIns="0" anchor="ctr"/>
           <a:p>
-            <a:endParaRPr b="0" lang="en-US" sz="1000" spc="-1" strike="noStrike">
-              <a:solidFill>
-                <a:srgbClr val="000000"/>
-              </a:solidFill>
-              <a:latin typeface="CG Times"/>
-            </a:endParaRPr>
-          </a:p>
-        </p:txBody>
-      </p:sp>
-      <p:sp>
-        <p:nvSpPr>
-          <p:cNvPr id="121" name="PlaceHolder 2"/>
+            <a:pPr algn="ctr"/>
+            <a:endParaRPr b="0" lang="en-US" sz="4400" spc="-1" strike="noStrike">
+              <a:latin typeface="Arial"/>
+            </a:endParaRPr>
+          </a:p>
+        </p:txBody>
+      </p:sp>
+      <p:sp>
+        <p:nvSpPr>
+          <p:cNvPr id="116" name="PlaceHolder 2"/>
           <p:cNvSpPr>
             <a:spLocks noGrp="1"/>
           </p:cNvSpPr>
@@ -3237,8 +3038,8 @@
         </p:nvSpPr>
         <p:spPr>
           <a:xfrm>
-            <a:off x="722160" y="2906640"/>
-            <a:ext cx="3792600" cy="715320"/>
+            <a:off x="457200" y="1604520"/>
+            <a:ext cx="4015800" cy="1896840"/>
           </a:xfrm>
           <a:prstGeom prst="rect">
             <a:avLst/>
@@ -3249,18 +3050,15 @@
             <a:normAutofit/>
           </a:bodyPr>
           <a:p>
-            <a:endParaRPr b="0" lang="en-US" sz="2400" spc="-1" strike="noStrike">
-              <a:solidFill>
-                <a:srgbClr val="44546a"/>
-              </a:solidFill>
-              <a:latin typeface="Arial"/>
-            </a:endParaRPr>
-          </a:p>
-        </p:txBody>
-      </p:sp>
-      <p:sp>
-        <p:nvSpPr>
-          <p:cNvPr id="122" name="PlaceHolder 3"/>
+            <a:endParaRPr b="0" lang="en-US" sz="3200" spc="-1" strike="noStrike">
+              <a:latin typeface="Arial"/>
+            </a:endParaRPr>
+          </a:p>
+        </p:txBody>
+      </p:sp>
+      <p:sp>
+        <p:nvSpPr>
+          <p:cNvPr id="117" name="PlaceHolder 3"/>
           <p:cNvSpPr>
             <a:spLocks noGrp="1"/>
           </p:cNvSpPr>
@@ -3270,8 +3068,8 @@
         </p:nvSpPr>
         <p:spPr>
           <a:xfrm>
-            <a:off x="4704840" y="2906640"/>
-            <a:ext cx="3792600" cy="715320"/>
+            <a:off x="4674240" y="1604520"/>
+            <a:ext cx="4015800" cy="1896840"/>
           </a:xfrm>
           <a:prstGeom prst="rect">
             <a:avLst/>
@@ -3282,18 +3080,15 @@
             <a:normAutofit/>
           </a:bodyPr>
           <a:p>
-            <a:endParaRPr b="0" lang="en-US" sz="2400" spc="-1" strike="noStrike">
-              <a:solidFill>
-                <a:srgbClr val="44546a"/>
-              </a:solidFill>
-              <a:latin typeface="Arial"/>
-            </a:endParaRPr>
-          </a:p>
-        </p:txBody>
-      </p:sp>
-      <p:sp>
-        <p:nvSpPr>
-          <p:cNvPr id="123" name="PlaceHolder 4"/>
+            <a:endParaRPr b="0" lang="en-US" sz="3200" spc="-1" strike="noStrike">
+              <a:latin typeface="Arial"/>
+            </a:endParaRPr>
+          </a:p>
+        </p:txBody>
+      </p:sp>
+      <p:sp>
+        <p:nvSpPr>
+          <p:cNvPr id="118" name="PlaceHolder 4"/>
           <p:cNvSpPr>
             <a:spLocks noGrp="1"/>
           </p:cNvSpPr>
@@ -3303,8 +3098,8 @@
         </p:nvSpPr>
         <p:spPr>
           <a:xfrm>
-            <a:off x="722160" y="3690360"/>
-            <a:ext cx="3792600" cy="715320"/>
+            <a:off x="457200" y="3682080"/>
+            <a:ext cx="4015800" cy="1896840"/>
           </a:xfrm>
           <a:prstGeom prst="rect">
             <a:avLst/>
@@ -3315,18 +3110,15 @@
             <a:normAutofit/>
           </a:bodyPr>
           <a:p>
-            <a:endParaRPr b="0" lang="en-US" sz="2400" spc="-1" strike="noStrike">
-              <a:solidFill>
-                <a:srgbClr val="44546a"/>
-              </a:solidFill>
-              <a:latin typeface="Arial"/>
-            </a:endParaRPr>
-          </a:p>
-        </p:txBody>
-      </p:sp>
-      <p:sp>
-        <p:nvSpPr>
-          <p:cNvPr id="124" name="PlaceHolder 5"/>
+            <a:endParaRPr b="0" lang="en-US" sz="3200" spc="-1" strike="noStrike">
+              <a:latin typeface="Arial"/>
+            </a:endParaRPr>
+          </a:p>
+        </p:txBody>
+      </p:sp>
+      <p:sp>
+        <p:nvSpPr>
+          <p:cNvPr id="119" name="PlaceHolder 5"/>
           <p:cNvSpPr>
             <a:spLocks noGrp="1"/>
           </p:cNvSpPr>
@@ -3336,8 +3128,8 @@
         </p:nvSpPr>
         <p:spPr>
           <a:xfrm>
-            <a:off x="4704840" y="3690360"/>
-            <a:ext cx="3792600" cy="715320"/>
+            <a:off x="4674240" y="3682080"/>
+            <a:ext cx="4015800" cy="1896840"/>
           </a:xfrm>
           <a:prstGeom prst="rect">
             <a:avLst/>
@@ -3348,10 +3140,7 @@
             <a:normAutofit/>
           </a:bodyPr>
           <a:p>
-            <a:endParaRPr b="0" lang="en-US" sz="2400" spc="-1" strike="noStrike">
-              <a:solidFill>
-                <a:srgbClr val="44546a"/>
-              </a:solidFill>
+            <a:endParaRPr b="0" lang="en-US" sz="3200" spc="-1" strike="noStrike">
               <a:latin typeface="Arial"/>
             </a:endParaRPr>
           </a:p>
@@ -3381,7 +3170,7 @@
       </p:grpSpPr>
       <p:sp>
         <p:nvSpPr>
-          <p:cNvPr id="125" name="PlaceHolder 1"/>
+          <p:cNvPr id="120" name="PlaceHolder 1"/>
           <p:cNvSpPr>
             <a:spLocks noGrp="1"/>
           </p:cNvSpPr>
@@ -3391,8 +3180,8 @@
         </p:nvSpPr>
         <p:spPr>
           <a:xfrm>
-            <a:off x="722160" y="4406760"/>
-            <a:ext cx="7772040" cy="1361880"/>
+            <a:off x="457200" y="273600"/>
+            <a:ext cx="8229240" cy="1144800"/>
           </a:xfrm>
           <a:prstGeom prst="rect">
             <a:avLst/>
@@ -3401,18 +3190,16 @@
         <p:txBody>
           <a:bodyPr lIns="0" rIns="0" tIns="0" bIns="0" anchor="ctr"/>
           <a:p>
-            <a:endParaRPr b="0" lang="en-US" sz="1000" spc="-1" strike="noStrike">
-              <a:solidFill>
-                <a:srgbClr val="000000"/>
-              </a:solidFill>
-              <a:latin typeface="CG Times"/>
-            </a:endParaRPr>
-          </a:p>
-        </p:txBody>
-      </p:sp>
-      <p:sp>
-        <p:nvSpPr>
-          <p:cNvPr id="126" name="PlaceHolder 2"/>
+            <a:pPr algn="ctr"/>
+            <a:endParaRPr b="0" lang="en-US" sz="4400" spc="-1" strike="noStrike">
+              <a:latin typeface="Arial"/>
+            </a:endParaRPr>
+          </a:p>
+        </p:txBody>
+      </p:sp>
+      <p:sp>
+        <p:nvSpPr>
+          <p:cNvPr id="121" name="PlaceHolder 2"/>
           <p:cNvSpPr>
             <a:spLocks noGrp="1"/>
           </p:cNvSpPr>
@@ -3422,8 +3209,8 @@
         </p:nvSpPr>
         <p:spPr>
           <a:xfrm>
-            <a:off x="722160" y="2906640"/>
-            <a:ext cx="2502360" cy="715320"/>
+            <a:off x="457200" y="1604520"/>
+            <a:ext cx="2649600" cy="1896840"/>
           </a:xfrm>
           <a:prstGeom prst="rect">
             <a:avLst/>
@@ -3434,18 +3221,15 @@
             <a:normAutofit/>
           </a:bodyPr>
           <a:p>
-            <a:endParaRPr b="0" lang="en-US" sz="2400" spc="-1" strike="noStrike">
-              <a:solidFill>
-                <a:srgbClr val="44546a"/>
-              </a:solidFill>
-              <a:latin typeface="Arial"/>
-            </a:endParaRPr>
-          </a:p>
-        </p:txBody>
-      </p:sp>
-      <p:sp>
-        <p:nvSpPr>
-          <p:cNvPr id="127" name="PlaceHolder 3"/>
+            <a:endParaRPr b="0" lang="en-US" sz="3200" spc="-1" strike="noStrike">
+              <a:latin typeface="Arial"/>
+            </a:endParaRPr>
+          </a:p>
+        </p:txBody>
+      </p:sp>
+      <p:sp>
+        <p:nvSpPr>
+          <p:cNvPr id="122" name="PlaceHolder 3"/>
           <p:cNvSpPr>
             <a:spLocks noGrp="1"/>
           </p:cNvSpPr>
@@ -3455,8 +3239,8 @@
         </p:nvSpPr>
         <p:spPr>
           <a:xfrm>
-            <a:off x="3350160" y="2906640"/>
-            <a:ext cx="2502360" cy="715320"/>
+            <a:off x="3239640" y="1604520"/>
+            <a:ext cx="2649600" cy="1896840"/>
           </a:xfrm>
           <a:prstGeom prst="rect">
             <a:avLst/>
@@ -3467,18 +3251,15 @@
             <a:normAutofit/>
           </a:bodyPr>
           <a:p>
-            <a:endParaRPr b="0" lang="en-US" sz="2400" spc="-1" strike="noStrike">
-              <a:solidFill>
-                <a:srgbClr val="44546a"/>
-              </a:solidFill>
-              <a:latin typeface="Arial"/>
-            </a:endParaRPr>
-          </a:p>
-        </p:txBody>
-      </p:sp>
-      <p:sp>
-        <p:nvSpPr>
-          <p:cNvPr id="128" name="PlaceHolder 4"/>
+            <a:endParaRPr b="0" lang="en-US" sz="3200" spc="-1" strike="noStrike">
+              <a:latin typeface="Arial"/>
+            </a:endParaRPr>
+          </a:p>
+        </p:txBody>
+      </p:sp>
+      <p:sp>
+        <p:nvSpPr>
+          <p:cNvPr id="123" name="PlaceHolder 4"/>
           <p:cNvSpPr>
             <a:spLocks noGrp="1"/>
           </p:cNvSpPr>
@@ -3488,8 +3269,8 @@
         </p:nvSpPr>
         <p:spPr>
           <a:xfrm>
-            <a:off x="5977800" y="2906640"/>
-            <a:ext cx="2502360" cy="715320"/>
+            <a:off x="6022080" y="1604520"/>
+            <a:ext cx="2649600" cy="1896840"/>
           </a:xfrm>
           <a:prstGeom prst="rect">
             <a:avLst/>
@@ -3500,18 +3281,15 @@
             <a:normAutofit/>
           </a:bodyPr>
           <a:p>
-            <a:endParaRPr b="0" lang="en-US" sz="2400" spc="-1" strike="noStrike">
-              <a:solidFill>
-                <a:srgbClr val="44546a"/>
-              </a:solidFill>
-              <a:latin typeface="Arial"/>
-            </a:endParaRPr>
-          </a:p>
-        </p:txBody>
-      </p:sp>
-      <p:sp>
-        <p:nvSpPr>
-          <p:cNvPr id="129" name="PlaceHolder 5"/>
+            <a:endParaRPr b="0" lang="en-US" sz="3200" spc="-1" strike="noStrike">
+              <a:latin typeface="Arial"/>
+            </a:endParaRPr>
+          </a:p>
+        </p:txBody>
+      </p:sp>
+      <p:sp>
+        <p:nvSpPr>
+          <p:cNvPr id="124" name="PlaceHolder 5"/>
           <p:cNvSpPr>
             <a:spLocks noGrp="1"/>
           </p:cNvSpPr>
@@ -3521,8 +3299,8 @@
         </p:nvSpPr>
         <p:spPr>
           <a:xfrm>
-            <a:off x="722160" y="3690360"/>
-            <a:ext cx="2502360" cy="715320"/>
+            <a:off x="457200" y="3682080"/>
+            <a:ext cx="2649600" cy="1896840"/>
           </a:xfrm>
           <a:prstGeom prst="rect">
             <a:avLst/>
@@ -3533,18 +3311,15 @@
             <a:normAutofit/>
           </a:bodyPr>
           <a:p>
-            <a:endParaRPr b="0" lang="en-US" sz="2400" spc="-1" strike="noStrike">
-              <a:solidFill>
-                <a:srgbClr val="44546a"/>
-              </a:solidFill>
-              <a:latin typeface="Arial"/>
-            </a:endParaRPr>
-          </a:p>
-        </p:txBody>
-      </p:sp>
-      <p:sp>
-        <p:nvSpPr>
-          <p:cNvPr id="130" name="PlaceHolder 6"/>
+            <a:endParaRPr b="0" lang="en-US" sz="3200" spc="-1" strike="noStrike">
+              <a:latin typeface="Arial"/>
+            </a:endParaRPr>
+          </a:p>
+        </p:txBody>
+      </p:sp>
+      <p:sp>
+        <p:nvSpPr>
+          <p:cNvPr id="125" name="PlaceHolder 6"/>
           <p:cNvSpPr>
             <a:spLocks noGrp="1"/>
           </p:cNvSpPr>
@@ -3554,8 +3329,8 @@
         </p:nvSpPr>
         <p:spPr>
           <a:xfrm>
-            <a:off x="3350160" y="3690360"/>
-            <a:ext cx="2502360" cy="715320"/>
+            <a:off x="3239640" y="3682080"/>
+            <a:ext cx="2649600" cy="1896840"/>
           </a:xfrm>
           <a:prstGeom prst="rect">
             <a:avLst/>
@@ -3566,18 +3341,15 @@
             <a:normAutofit/>
           </a:bodyPr>
           <a:p>
-            <a:endParaRPr b="0" lang="en-US" sz="2400" spc="-1" strike="noStrike">
-              <a:solidFill>
-                <a:srgbClr val="44546a"/>
-              </a:solidFill>
-              <a:latin typeface="Arial"/>
-            </a:endParaRPr>
-          </a:p>
-        </p:txBody>
-      </p:sp>
-      <p:sp>
-        <p:nvSpPr>
-          <p:cNvPr id="131" name="PlaceHolder 7"/>
+            <a:endParaRPr b="0" lang="en-US" sz="3200" spc="-1" strike="noStrike">
+              <a:latin typeface="Arial"/>
+            </a:endParaRPr>
+          </a:p>
+        </p:txBody>
+      </p:sp>
+      <p:sp>
+        <p:nvSpPr>
+          <p:cNvPr id="126" name="PlaceHolder 7"/>
           <p:cNvSpPr>
             <a:spLocks noGrp="1"/>
           </p:cNvSpPr>
@@ -3587,8 +3359,8 @@
         </p:nvSpPr>
         <p:spPr>
           <a:xfrm>
-            <a:off x="5977800" y="3690360"/>
-            <a:ext cx="2502360" cy="715320"/>
+            <a:off x="6022080" y="3682080"/>
+            <a:ext cx="2649600" cy="1896840"/>
           </a:xfrm>
           <a:prstGeom prst="rect">
             <a:avLst/>
@@ -3599,10 +3371,7 @@
             <a:normAutofit/>
           </a:bodyPr>
           <a:p>
-            <a:endParaRPr b="0" lang="en-US" sz="2400" spc="-1" strike="noStrike">
-              <a:solidFill>
-                <a:srgbClr val="44546a"/>
-              </a:solidFill>
+            <a:endParaRPr b="0" lang="en-US" sz="3200" spc="-1" strike="noStrike">
               <a:latin typeface="Arial"/>
             </a:endParaRPr>
           </a:p>
@@ -3632,7 +3401,7 @@
       </p:grpSpPr>
       <p:sp>
         <p:nvSpPr>
-          <p:cNvPr id="14" name="PlaceHolder 1"/>
+          <p:cNvPr id="13" name="PlaceHolder 1"/>
           <p:cNvSpPr>
             <a:spLocks noGrp="1"/>
           </p:cNvSpPr>
@@ -3642,8 +3411,8 @@
         </p:nvSpPr>
         <p:spPr>
           <a:xfrm>
-            <a:off x="722160" y="4406760"/>
-            <a:ext cx="7772040" cy="1361880"/>
+            <a:off x="457200" y="273600"/>
+            <a:ext cx="8229240" cy="1144800"/>
           </a:xfrm>
           <a:prstGeom prst="rect">
             <a:avLst/>
@@ -3652,18 +3421,16 @@
         <p:txBody>
           <a:bodyPr lIns="0" rIns="0" tIns="0" bIns="0" anchor="ctr"/>
           <a:p>
-            <a:endParaRPr b="0" lang="en-US" sz="1000" spc="-1" strike="noStrike">
-              <a:solidFill>
-                <a:srgbClr val="000000"/>
-              </a:solidFill>
-              <a:latin typeface="CG Times"/>
-            </a:endParaRPr>
-          </a:p>
-        </p:txBody>
-      </p:sp>
-      <p:sp>
-        <p:nvSpPr>
-          <p:cNvPr id="15" name="PlaceHolder 2"/>
+            <a:pPr algn="ctr"/>
+            <a:endParaRPr b="0" lang="en-US" sz="4400" spc="-1" strike="noStrike">
+              <a:latin typeface="Arial"/>
+            </a:endParaRPr>
+          </a:p>
+        </p:txBody>
+      </p:sp>
+      <p:sp>
+        <p:nvSpPr>
+          <p:cNvPr id="14" name="PlaceHolder 2"/>
           <p:cNvSpPr>
             <a:spLocks noGrp="1"/>
           </p:cNvSpPr>
@@ -3673,8 +3440,8 @@
         </p:nvSpPr>
         <p:spPr>
           <a:xfrm>
-            <a:off x="722160" y="2906640"/>
-            <a:ext cx="3792600" cy="1499760"/>
+            <a:off x="457200" y="1604520"/>
+            <a:ext cx="4015800" cy="3977280"/>
           </a:xfrm>
           <a:prstGeom prst="rect">
             <a:avLst/>
@@ -3685,18 +3452,15 @@
             <a:normAutofit/>
           </a:bodyPr>
           <a:p>
-            <a:endParaRPr b="0" lang="en-US" sz="2400" spc="-1" strike="noStrike">
-              <a:solidFill>
-                <a:srgbClr val="44546a"/>
-              </a:solidFill>
-              <a:latin typeface="Arial"/>
-            </a:endParaRPr>
-          </a:p>
-        </p:txBody>
-      </p:sp>
-      <p:sp>
-        <p:nvSpPr>
-          <p:cNvPr id="16" name="PlaceHolder 3"/>
+            <a:endParaRPr b="0" lang="en-US" sz="3200" spc="-1" strike="noStrike">
+              <a:latin typeface="Arial"/>
+            </a:endParaRPr>
+          </a:p>
+        </p:txBody>
+      </p:sp>
+      <p:sp>
+        <p:nvSpPr>
+          <p:cNvPr id="15" name="PlaceHolder 3"/>
           <p:cNvSpPr>
             <a:spLocks noGrp="1"/>
           </p:cNvSpPr>
@@ -3706,8 +3470,8 @@
         </p:nvSpPr>
         <p:spPr>
           <a:xfrm>
-            <a:off x="4704840" y="2906640"/>
-            <a:ext cx="3792600" cy="1499760"/>
+            <a:off x="4674240" y="1604520"/>
+            <a:ext cx="4015800" cy="3977280"/>
           </a:xfrm>
           <a:prstGeom prst="rect">
             <a:avLst/>
@@ -3718,10 +3482,7 @@
             <a:normAutofit/>
           </a:bodyPr>
           <a:p>
-            <a:endParaRPr b="0" lang="en-US" sz="2400" spc="-1" strike="noStrike">
-              <a:solidFill>
-                <a:srgbClr val="44546a"/>
-              </a:solidFill>
+            <a:endParaRPr b="0" lang="en-US" sz="3200" spc="-1" strike="noStrike">
               <a:latin typeface="Arial"/>
             </a:endParaRPr>
           </a:p>
@@ -3751,7 +3512,7 @@
       </p:grpSpPr>
       <p:sp>
         <p:nvSpPr>
-          <p:cNvPr id="17" name="PlaceHolder 1"/>
+          <p:cNvPr id="16" name="PlaceHolder 1"/>
           <p:cNvSpPr>
             <a:spLocks noGrp="1"/>
           </p:cNvSpPr>
@@ -3761,8 +3522,8 @@
         </p:nvSpPr>
         <p:spPr>
           <a:xfrm>
-            <a:off x="722160" y="4406760"/>
-            <a:ext cx="7772040" cy="1361880"/>
+            <a:off x="457200" y="273600"/>
+            <a:ext cx="8229240" cy="1144800"/>
           </a:xfrm>
           <a:prstGeom prst="rect">
             <a:avLst/>
@@ -3771,11 +3532,9 @@
         <p:txBody>
           <a:bodyPr lIns="0" rIns="0" tIns="0" bIns="0" anchor="ctr"/>
           <a:p>
-            <a:endParaRPr b="0" lang="en-US" sz="1000" spc="-1" strike="noStrike">
-              <a:solidFill>
-                <a:srgbClr val="000000"/>
-              </a:solidFill>
-              <a:latin typeface="CG Times"/>
+            <a:pPr algn="ctr"/>
+            <a:endParaRPr b="0" lang="en-US" sz="4400" spc="-1" strike="noStrike">
+              <a:latin typeface="Arial"/>
             </a:endParaRPr>
           </a:p>
         </p:txBody>
@@ -3804,7 +3563,7 @@
       </p:grpSpPr>
       <p:sp>
         <p:nvSpPr>
-          <p:cNvPr id="18" name="PlaceHolder 1"/>
+          <p:cNvPr id="17" name="PlaceHolder 1"/>
           <p:cNvSpPr>
             <a:spLocks noGrp="1"/>
           </p:cNvSpPr>
@@ -3814,8 +3573,8 @@
         </p:nvSpPr>
         <p:spPr>
           <a:xfrm>
-            <a:off x="722160" y="4406760"/>
-            <a:ext cx="7772040" cy="6314040"/>
+            <a:off x="457200" y="273600"/>
+            <a:ext cx="8229240" cy="5307840"/>
           </a:xfrm>
           <a:prstGeom prst="rect">
             <a:avLst/>
@@ -3855,7 +3614,7 @@
       </p:grpSpPr>
       <p:sp>
         <p:nvSpPr>
-          <p:cNvPr id="19" name="PlaceHolder 1"/>
+          <p:cNvPr id="18" name="PlaceHolder 1"/>
           <p:cNvSpPr>
             <a:spLocks noGrp="1"/>
           </p:cNvSpPr>
@@ -3865,8 +3624,8 @@
         </p:nvSpPr>
         <p:spPr>
           <a:xfrm>
-            <a:off x="722160" y="4406760"/>
-            <a:ext cx="7772040" cy="1361880"/>
+            <a:off x="457200" y="273600"/>
+            <a:ext cx="8229240" cy="1144800"/>
           </a:xfrm>
           <a:prstGeom prst="rect">
             <a:avLst/>
@@ -3875,18 +3634,16 @@
         <p:txBody>
           <a:bodyPr lIns="0" rIns="0" tIns="0" bIns="0" anchor="ctr"/>
           <a:p>
-            <a:endParaRPr b="0" lang="en-US" sz="1000" spc="-1" strike="noStrike">
-              <a:solidFill>
-                <a:srgbClr val="000000"/>
-              </a:solidFill>
-              <a:latin typeface="CG Times"/>
-            </a:endParaRPr>
-          </a:p>
-        </p:txBody>
-      </p:sp>
-      <p:sp>
-        <p:nvSpPr>
-          <p:cNvPr id="20" name="PlaceHolder 2"/>
+            <a:pPr algn="ctr"/>
+            <a:endParaRPr b="0" lang="en-US" sz="4400" spc="-1" strike="noStrike">
+              <a:latin typeface="Arial"/>
+            </a:endParaRPr>
+          </a:p>
+        </p:txBody>
+      </p:sp>
+      <p:sp>
+        <p:nvSpPr>
+          <p:cNvPr id="19" name="PlaceHolder 2"/>
           <p:cNvSpPr>
             <a:spLocks noGrp="1"/>
           </p:cNvSpPr>
@@ -3896,8 +3653,8 @@
         </p:nvSpPr>
         <p:spPr>
           <a:xfrm>
-            <a:off x="722160" y="2906640"/>
-            <a:ext cx="3792600" cy="715320"/>
+            <a:off x="457200" y="1604520"/>
+            <a:ext cx="4015800" cy="1896840"/>
           </a:xfrm>
           <a:prstGeom prst="rect">
             <a:avLst/>
@@ -3908,18 +3665,15 @@
             <a:normAutofit/>
           </a:bodyPr>
           <a:p>
-            <a:endParaRPr b="0" lang="en-US" sz="2400" spc="-1" strike="noStrike">
-              <a:solidFill>
-                <a:srgbClr val="44546a"/>
-              </a:solidFill>
-              <a:latin typeface="Arial"/>
-            </a:endParaRPr>
-          </a:p>
-        </p:txBody>
-      </p:sp>
-      <p:sp>
-        <p:nvSpPr>
-          <p:cNvPr id="21" name="PlaceHolder 3"/>
+            <a:endParaRPr b="0" lang="en-US" sz="3200" spc="-1" strike="noStrike">
+              <a:latin typeface="Arial"/>
+            </a:endParaRPr>
+          </a:p>
+        </p:txBody>
+      </p:sp>
+      <p:sp>
+        <p:nvSpPr>
+          <p:cNvPr id="20" name="PlaceHolder 3"/>
           <p:cNvSpPr>
             <a:spLocks noGrp="1"/>
           </p:cNvSpPr>
@@ -3929,8 +3683,8 @@
         </p:nvSpPr>
         <p:spPr>
           <a:xfrm>
-            <a:off x="4704840" y="2906640"/>
-            <a:ext cx="3792600" cy="1499760"/>
+            <a:off x="4674240" y="1604520"/>
+            <a:ext cx="4015800" cy="3977280"/>
           </a:xfrm>
           <a:prstGeom prst="rect">
             <a:avLst/>
@@ -3941,18 +3695,15 @@
             <a:normAutofit/>
           </a:bodyPr>
           <a:p>
-            <a:endParaRPr b="0" lang="en-US" sz="2400" spc="-1" strike="noStrike">
-              <a:solidFill>
-                <a:srgbClr val="44546a"/>
-              </a:solidFill>
-              <a:latin typeface="Arial"/>
-            </a:endParaRPr>
-          </a:p>
-        </p:txBody>
-      </p:sp>
-      <p:sp>
-        <p:nvSpPr>
-          <p:cNvPr id="22" name="PlaceHolder 4"/>
+            <a:endParaRPr b="0" lang="en-US" sz="3200" spc="-1" strike="noStrike">
+              <a:latin typeface="Arial"/>
+            </a:endParaRPr>
+          </a:p>
+        </p:txBody>
+      </p:sp>
+      <p:sp>
+        <p:nvSpPr>
+          <p:cNvPr id="21" name="PlaceHolder 4"/>
           <p:cNvSpPr>
             <a:spLocks noGrp="1"/>
           </p:cNvSpPr>
@@ -3962,8 +3713,8 @@
         </p:nvSpPr>
         <p:spPr>
           <a:xfrm>
-            <a:off x="722160" y="3690360"/>
-            <a:ext cx="3792600" cy="715320"/>
+            <a:off x="457200" y="3682080"/>
+            <a:ext cx="4015800" cy="1896840"/>
           </a:xfrm>
           <a:prstGeom prst="rect">
             <a:avLst/>
@@ -3974,10 +3725,7 @@
             <a:normAutofit/>
           </a:bodyPr>
           <a:p>
-            <a:endParaRPr b="0" lang="en-US" sz="2400" spc="-1" strike="noStrike">
-              <a:solidFill>
-                <a:srgbClr val="44546a"/>
-              </a:solidFill>
+            <a:endParaRPr b="0" lang="en-US" sz="3200" spc="-1" strike="noStrike">
               <a:latin typeface="Arial"/>
             </a:endParaRPr>
           </a:p>
@@ -4007,7 +3755,7 @@
       </p:grpSpPr>
       <p:sp>
         <p:nvSpPr>
-          <p:cNvPr id="23" name="PlaceHolder 1"/>
+          <p:cNvPr id="22" name="PlaceHolder 1"/>
           <p:cNvSpPr>
             <a:spLocks noGrp="1"/>
           </p:cNvSpPr>
@@ -4017,8 +3765,8 @@
         </p:nvSpPr>
         <p:spPr>
           <a:xfrm>
-            <a:off x="722160" y="4406760"/>
-            <a:ext cx="7772040" cy="1361880"/>
+            <a:off x="457200" y="273600"/>
+            <a:ext cx="8229240" cy="1144800"/>
           </a:xfrm>
           <a:prstGeom prst="rect">
             <a:avLst/>
@@ -4027,18 +3775,16 @@
         <p:txBody>
           <a:bodyPr lIns="0" rIns="0" tIns="0" bIns="0" anchor="ctr"/>
           <a:p>
-            <a:endParaRPr b="0" lang="en-US" sz="1000" spc="-1" strike="noStrike">
-              <a:solidFill>
-                <a:srgbClr val="000000"/>
-              </a:solidFill>
-              <a:latin typeface="CG Times"/>
-            </a:endParaRPr>
-          </a:p>
-        </p:txBody>
-      </p:sp>
-      <p:sp>
-        <p:nvSpPr>
-          <p:cNvPr id="24" name="PlaceHolder 2"/>
+            <a:pPr algn="ctr"/>
+            <a:endParaRPr b="0" lang="en-US" sz="4400" spc="-1" strike="noStrike">
+              <a:latin typeface="Arial"/>
+            </a:endParaRPr>
+          </a:p>
+        </p:txBody>
+      </p:sp>
+      <p:sp>
+        <p:nvSpPr>
+          <p:cNvPr id="23" name="PlaceHolder 2"/>
           <p:cNvSpPr>
             <a:spLocks noGrp="1"/>
           </p:cNvSpPr>
@@ -4048,8 +3794,8 @@
         </p:nvSpPr>
         <p:spPr>
           <a:xfrm>
-            <a:off x="722160" y="2906640"/>
-            <a:ext cx="3792600" cy="1499760"/>
+            <a:off x="457200" y="1604520"/>
+            <a:ext cx="4015800" cy="3977280"/>
           </a:xfrm>
           <a:prstGeom prst="rect">
             <a:avLst/>
@@ -4060,18 +3806,15 @@
             <a:normAutofit/>
           </a:bodyPr>
           <a:p>
-            <a:endParaRPr b="0" lang="en-US" sz="2400" spc="-1" strike="noStrike">
-              <a:solidFill>
-                <a:srgbClr val="44546a"/>
-              </a:solidFill>
-              <a:latin typeface="Arial"/>
-            </a:endParaRPr>
-          </a:p>
-        </p:txBody>
-      </p:sp>
-      <p:sp>
-        <p:nvSpPr>
-          <p:cNvPr id="25" name="PlaceHolder 3"/>
+            <a:endParaRPr b="0" lang="en-US" sz="3200" spc="-1" strike="noStrike">
+              <a:latin typeface="Arial"/>
+            </a:endParaRPr>
+          </a:p>
+        </p:txBody>
+      </p:sp>
+      <p:sp>
+        <p:nvSpPr>
+          <p:cNvPr id="24" name="PlaceHolder 3"/>
           <p:cNvSpPr>
             <a:spLocks noGrp="1"/>
           </p:cNvSpPr>
@@ -4081,8 +3824,8 @@
         </p:nvSpPr>
         <p:spPr>
           <a:xfrm>
-            <a:off x="4704840" y="2906640"/>
-            <a:ext cx="3792600" cy="715320"/>
+            <a:off x="4674240" y="1604520"/>
+            <a:ext cx="4015800" cy="1896840"/>
           </a:xfrm>
           <a:prstGeom prst="rect">
             <a:avLst/>
@@ -4093,18 +3836,15 @@
             <a:normAutofit/>
           </a:bodyPr>
           <a:p>
-            <a:endParaRPr b="0" lang="en-US" sz="2400" spc="-1" strike="noStrike">
-              <a:solidFill>
-                <a:srgbClr val="44546a"/>
-              </a:solidFill>
-              <a:latin typeface="Arial"/>
-            </a:endParaRPr>
-          </a:p>
-        </p:txBody>
-      </p:sp>
-      <p:sp>
-        <p:nvSpPr>
-          <p:cNvPr id="26" name="PlaceHolder 4"/>
+            <a:endParaRPr b="0" lang="en-US" sz="3200" spc="-1" strike="noStrike">
+              <a:latin typeface="Arial"/>
+            </a:endParaRPr>
+          </a:p>
+        </p:txBody>
+      </p:sp>
+      <p:sp>
+        <p:nvSpPr>
+          <p:cNvPr id="25" name="PlaceHolder 4"/>
           <p:cNvSpPr>
             <a:spLocks noGrp="1"/>
           </p:cNvSpPr>
@@ -4114,8 +3854,8 @@
         </p:nvSpPr>
         <p:spPr>
           <a:xfrm>
-            <a:off x="4704840" y="3690360"/>
-            <a:ext cx="3792600" cy="715320"/>
+            <a:off x="4674240" y="3682080"/>
+            <a:ext cx="4015800" cy="1896840"/>
           </a:xfrm>
           <a:prstGeom prst="rect">
             <a:avLst/>
@@ -4126,10 +3866,7 @@
             <a:normAutofit/>
           </a:bodyPr>
           <a:p>
-            <a:endParaRPr b="0" lang="en-US" sz="2400" spc="-1" strike="noStrike">
-              <a:solidFill>
-                <a:srgbClr val="44546a"/>
-              </a:solidFill>
+            <a:endParaRPr b="0" lang="en-US" sz="3200" spc="-1" strike="noStrike">
               <a:latin typeface="Arial"/>
             </a:endParaRPr>
           </a:p>
@@ -4159,7 +3896,7 @@
       </p:grpSpPr>
       <p:sp>
         <p:nvSpPr>
-          <p:cNvPr id="27" name="PlaceHolder 1"/>
+          <p:cNvPr id="26" name="PlaceHolder 1"/>
           <p:cNvSpPr>
             <a:spLocks noGrp="1"/>
           </p:cNvSpPr>
@@ -4169,8 +3906,8 @@
         </p:nvSpPr>
         <p:spPr>
           <a:xfrm>
-            <a:off x="722160" y="4406760"/>
-            <a:ext cx="7772040" cy="1361880"/>
+            <a:off x="457200" y="273600"/>
+            <a:ext cx="8229240" cy="1144800"/>
           </a:xfrm>
           <a:prstGeom prst="rect">
             <a:avLst/>
@@ -4179,18 +3916,16 @@
         <p:txBody>
           <a:bodyPr lIns="0" rIns="0" tIns="0" bIns="0" anchor="ctr"/>
           <a:p>
-            <a:endParaRPr b="0" lang="en-US" sz="1000" spc="-1" strike="noStrike">
-              <a:solidFill>
-                <a:srgbClr val="000000"/>
-              </a:solidFill>
-              <a:latin typeface="CG Times"/>
-            </a:endParaRPr>
-          </a:p>
-        </p:txBody>
-      </p:sp>
-      <p:sp>
-        <p:nvSpPr>
-          <p:cNvPr id="28" name="PlaceHolder 2"/>
+            <a:pPr algn="ctr"/>
+            <a:endParaRPr b="0" lang="en-US" sz="4400" spc="-1" strike="noStrike">
+              <a:latin typeface="Arial"/>
+            </a:endParaRPr>
+          </a:p>
+        </p:txBody>
+      </p:sp>
+      <p:sp>
+        <p:nvSpPr>
+          <p:cNvPr id="27" name="PlaceHolder 2"/>
           <p:cNvSpPr>
             <a:spLocks noGrp="1"/>
           </p:cNvSpPr>
@@ -4200,8 +3935,8 @@
         </p:nvSpPr>
         <p:spPr>
           <a:xfrm>
-            <a:off x="722160" y="2906640"/>
-            <a:ext cx="3792600" cy="715320"/>
+            <a:off x="457200" y="1604520"/>
+            <a:ext cx="4015800" cy="1896840"/>
           </a:xfrm>
           <a:prstGeom prst="rect">
             <a:avLst/>
@@ -4212,18 +3947,15 @@
             <a:normAutofit/>
           </a:bodyPr>
           <a:p>
-            <a:endParaRPr b="0" lang="en-US" sz="2400" spc="-1" strike="noStrike">
-              <a:solidFill>
-                <a:srgbClr val="44546a"/>
-              </a:solidFill>
-              <a:latin typeface="Arial"/>
-            </a:endParaRPr>
-          </a:p>
-        </p:txBody>
-      </p:sp>
-      <p:sp>
-        <p:nvSpPr>
-          <p:cNvPr id="29" name="PlaceHolder 3"/>
+            <a:endParaRPr b="0" lang="en-US" sz="3200" spc="-1" strike="noStrike">
+              <a:latin typeface="Arial"/>
+            </a:endParaRPr>
+          </a:p>
+        </p:txBody>
+      </p:sp>
+      <p:sp>
+        <p:nvSpPr>
+          <p:cNvPr id="28" name="PlaceHolder 3"/>
           <p:cNvSpPr>
             <a:spLocks noGrp="1"/>
           </p:cNvSpPr>
@@ -4233,8 +3965,8 @@
         </p:nvSpPr>
         <p:spPr>
           <a:xfrm>
-            <a:off x="4704840" y="2906640"/>
-            <a:ext cx="3792600" cy="715320"/>
+            <a:off x="4674240" y="1604520"/>
+            <a:ext cx="4015800" cy="1896840"/>
           </a:xfrm>
           <a:prstGeom prst="rect">
             <a:avLst/>
@@ -4245,18 +3977,15 @@
             <a:normAutofit/>
           </a:bodyPr>
           <a:p>
-            <a:endParaRPr b="0" lang="en-US" sz="2400" spc="-1" strike="noStrike">
-              <a:solidFill>
-                <a:srgbClr val="44546a"/>
-              </a:solidFill>
-              <a:latin typeface="Arial"/>
-            </a:endParaRPr>
-          </a:p>
-        </p:txBody>
-      </p:sp>
-      <p:sp>
-        <p:nvSpPr>
-          <p:cNvPr id="30" name="PlaceHolder 4"/>
+            <a:endParaRPr b="0" lang="en-US" sz="3200" spc="-1" strike="noStrike">
+              <a:latin typeface="Arial"/>
+            </a:endParaRPr>
+          </a:p>
+        </p:txBody>
+      </p:sp>
+      <p:sp>
+        <p:nvSpPr>
+          <p:cNvPr id="29" name="PlaceHolder 4"/>
           <p:cNvSpPr>
             <a:spLocks noGrp="1"/>
           </p:cNvSpPr>
@@ -4266,8 +3995,8 @@
         </p:nvSpPr>
         <p:spPr>
           <a:xfrm>
-            <a:off x="722160" y="3690360"/>
-            <a:ext cx="7772040" cy="715320"/>
+            <a:off x="457200" y="3682080"/>
+            <a:ext cx="8229240" cy="1896840"/>
           </a:xfrm>
           <a:prstGeom prst="rect">
             <a:avLst/>
@@ -4278,10 +4007,7 @@
             <a:normAutofit/>
           </a:bodyPr>
           <a:p>
-            <a:endParaRPr b="0" lang="en-US" sz="2400" spc="-1" strike="noStrike">
-              <a:solidFill>
-                <a:srgbClr val="44546a"/>
-              </a:solidFill>
+            <a:endParaRPr b="0" lang="en-US" sz="3200" spc="-1" strike="noStrike">
               <a:latin typeface="Arial"/>
             </a:endParaRPr>
           </a:p>
@@ -4329,7 +4055,7 @@
         <p:spPr>
           <a:xfrm>
             <a:off x="365040" y="776160"/>
-            <a:ext cx="8454600" cy="490320"/>
+            <a:ext cx="8454240" cy="489960"/>
           </a:xfrm>
           <a:prstGeom prst="rect">
             <a:avLst/>
@@ -4348,7 +4074,7 @@
         <p:spPr>
           <a:xfrm>
             <a:off x="333720" y="6219720"/>
-            <a:ext cx="1156320" cy="609120"/>
+            <a:ext cx="1155960" cy="608760"/>
           </a:xfrm>
           <a:prstGeom prst="rect">
             <a:avLst/>
@@ -4397,7 +4123,7 @@
         <p:spPr>
           <a:xfrm>
             <a:off x="1498680" y="6270480"/>
-            <a:ext cx="93240" cy="242640"/>
+            <a:ext cx="92880" cy="242280"/>
           </a:xfrm>
           <a:prstGeom prst="rect">
             <a:avLst/>
@@ -4446,7 +4172,7 @@
         <p:spPr>
           <a:xfrm>
             <a:off x="8739360" y="214200"/>
-            <a:ext cx="74160" cy="212040"/>
+            <a:ext cx="73800" cy="211680"/>
           </a:xfrm>
           <a:prstGeom prst="rect">
             <a:avLst/>
@@ -4499,7 +4225,7 @@
         <p:spPr>
           <a:xfrm>
             <a:off x="0" y="0"/>
-            <a:ext cx="9143640" cy="2247480"/>
+            <a:ext cx="9143280" cy="2247120"/>
           </a:xfrm>
           <a:prstGeom prst="rect">
             <a:avLst/>
@@ -4522,7 +4248,7 @@
         <p:spPr>
           <a:xfrm>
             <a:off x="380880" y="6095880"/>
-            <a:ext cx="1380600" cy="609120"/>
+            <a:ext cx="1380240" cy="608760"/>
           </a:xfrm>
           <a:prstGeom prst="rect">
             <a:avLst/>
@@ -4532,98 +4258,9 @@
           </a:ln>
         </p:spPr>
       </p:pic>
-      <p:sp>
-        <p:nvSpPr>
-          <p:cNvPr id="6" name="PlaceHolder 4"/>
-          <p:cNvSpPr>
-            <a:spLocks noGrp="1"/>
-          </p:cNvSpPr>
-          <p:nvPr>
-            <p:ph type="title"/>
-          </p:nvPr>
-        </p:nvSpPr>
-        <p:spPr>
-          <a:xfrm>
-            <a:off x="762120" y="3276720"/>
-            <a:ext cx="7772040" cy="1142640"/>
-          </a:xfrm>
-          <a:prstGeom prst="rect">
-            <a:avLst/>
-          </a:prstGeom>
-        </p:spPr>
-        <p:txBody>
-          <a:bodyPr anchor="ctr"/>
-          <a:p>
-            <a:pPr algn="ctr">
-              <a:lnSpc>
-                <a:spcPct val="90000"/>
-              </a:lnSpc>
-            </a:pPr>
-            <a:r>
-              <a:rPr b="0" lang="en-US" sz="3200" spc="-1" strike="noStrike">
-                <a:solidFill>
-                  <a:srgbClr val="092e5c"/>
-                </a:solidFill>
-                <a:latin typeface="Arial Black"/>
-                <a:ea typeface="MS PGothic"/>
-              </a:rPr>
-              <a:t>Click to edit Master title style</a:t>
-            </a:r>
-            <a:endParaRPr b="0" lang="en-US" sz="3200" spc="-1" strike="noStrike">
-              <a:solidFill>
-                <a:srgbClr val="000000"/>
-              </a:solidFill>
-              <a:latin typeface="CG Times"/>
-            </a:endParaRPr>
-          </a:p>
-        </p:txBody>
-      </p:sp>
-      <p:sp>
-        <p:nvSpPr>
-          <p:cNvPr id="7" name="PlaceHolder 5"/>
-          <p:cNvSpPr>
-            <a:spLocks noGrp="1"/>
-          </p:cNvSpPr>
-          <p:nvPr>
-            <p:ph type="ftr"/>
-          </p:nvPr>
-        </p:nvSpPr>
-        <p:spPr>
-          <a:xfrm>
-            <a:off x="3009960" y="6400800"/>
-            <a:ext cx="3276360" cy="304560"/>
-          </a:xfrm>
-          <a:prstGeom prst="rect">
-            <a:avLst/>
-          </a:prstGeom>
-        </p:spPr>
-        <p:txBody>
-          <a:bodyPr/>
-          <a:p>
-            <a:pPr algn="ctr">
-              <a:lnSpc>
-                <a:spcPct val="100000"/>
-              </a:lnSpc>
-            </a:pPr>
-            <a:r>
-              <a:rPr b="0" lang="en-US" sz="900" spc="-1" strike="noStrike">
-                <a:solidFill>
-                  <a:srgbClr val="092e5c"/>
-                </a:solidFill>
-                <a:latin typeface="Arial"/>
-                <a:ea typeface="MS PGothic"/>
-              </a:rPr>
-              <a:t>Copyright © 2019 Open Geospatial Consortium</a:t>
-            </a:r>
-            <a:endParaRPr b="0" lang="en-US" sz="900" spc="-1" strike="noStrike">
-              <a:latin typeface="Times New Roman"/>
-            </a:endParaRPr>
-          </a:p>
-        </p:txBody>
-      </p:sp>
       <p:pic>
         <p:nvPicPr>
-          <p:cNvPr id="8" name="Picture 13" descr=""/>
+          <p:cNvPr id="6" name="Picture 13" descr=""/>
           <p:cNvPicPr/>
           <p:nvPr/>
         </p:nvPicPr>
@@ -4634,7 +4271,7 @@
         <p:spPr>
           <a:xfrm>
             <a:off x="2254320" y="1123920"/>
-            <a:ext cx="6559200" cy="1587600"/>
+            <a:ext cx="6558840" cy="1587240"/>
           </a:xfrm>
           <a:prstGeom prst="rect">
             <a:avLst/>
@@ -4646,7 +4283,41 @@
       </p:pic>
       <p:sp>
         <p:nvSpPr>
-          <p:cNvPr id="9" name="PlaceHolder 6"/>
+          <p:cNvPr id="7" name="PlaceHolder 4"/>
+          <p:cNvSpPr>
+            <a:spLocks noGrp="1"/>
+          </p:cNvSpPr>
+          <p:nvPr>
+            <p:ph type="title"/>
+          </p:nvPr>
+        </p:nvSpPr>
+        <p:spPr>
+          <a:xfrm>
+            <a:off x="722160" y="4406760"/>
+            <a:ext cx="7771680" cy="1361520"/>
+          </a:xfrm>
+          <a:prstGeom prst="rect">
+            <a:avLst/>
+          </a:prstGeom>
+        </p:spPr>
+        <p:txBody>
+          <a:bodyPr lIns="0" rIns="0" tIns="0" bIns="0" anchor="ctr"/>
+          <a:p>
+            <a:r>
+              <a:rPr b="0" lang="en-US" sz="1800" spc="-1" strike="noStrike">
+                <a:latin typeface="Arial"/>
+              </a:rPr>
+              <a:t>Click to edit the title text format</a:t>
+            </a:r>
+            <a:endParaRPr b="0" lang="en-US" sz="1800" spc="-1" strike="noStrike">
+              <a:latin typeface="Arial"/>
+            </a:endParaRPr>
+          </a:p>
+        </p:txBody>
+      </p:sp>
+      <p:sp>
+        <p:nvSpPr>
+          <p:cNvPr id="8" name="PlaceHolder 5"/>
           <p:cNvSpPr>
             <a:spLocks noGrp="1"/>
           </p:cNvSpPr>
@@ -4680,18 +4351,12 @@
               <a:buChar char=""/>
             </a:pPr>
             <a:r>
-              <a:rPr b="0" lang="en-US" sz="2400" spc="-1" strike="noStrike">
-                <a:solidFill>
-                  <a:srgbClr val="44546a"/>
-                </a:solidFill>
+              <a:rPr b="0" lang="en-US" sz="3200" spc="-1" strike="noStrike">
                 <a:latin typeface="Arial"/>
               </a:rPr>
               <a:t>Click to edit the outline text format</a:t>
             </a:r>
-            <a:endParaRPr b="0" lang="en-US" sz="2400" spc="-1" strike="noStrike">
-              <a:solidFill>
-                <a:srgbClr val="44546a"/>
-              </a:solidFill>
+            <a:endParaRPr b="0" lang="en-US" sz="3200" spc="-1" strike="noStrike">
               <a:latin typeface="Arial"/>
             </a:endParaRPr>
           </a:p>
@@ -4708,18 +4373,12 @@
               <a:buChar char=""/>
             </a:pPr>
             <a:r>
-              <a:rPr b="0" lang="en-US" sz="1800" spc="-1" strike="noStrike">
-                <a:solidFill>
-                  <a:srgbClr val="44546a"/>
-                </a:solidFill>
+              <a:rPr b="0" lang="en-US" sz="2800" spc="-1" strike="noStrike">
                 <a:latin typeface="Arial"/>
               </a:rPr>
               <a:t>Second Outline Level</a:t>
             </a:r>
-            <a:endParaRPr b="0" lang="en-US" sz="1800" spc="-1" strike="noStrike">
-              <a:solidFill>
-                <a:srgbClr val="44546a"/>
-              </a:solidFill>
+            <a:endParaRPr b="0" lang="en-US" sz="2800" spc="-1" strike="noStrike">
               <a:latin typeface="Arial"/>
             </a:endParaRPr>
           </a:p>
@@ -4736,18 +4395,12 @@
               <a:buChar char=""/>
             </a:pPr>
             <a:r>
-              <a:rPr b="0" lang="en-US" sz="1600" spc="-1" strike="noStrike">
-                <a:solidFill>
-                  <a:srgbClr val="44546a"/>
-                </a:solidFill>
+              <a:rPr b="0" lang="en-US" sz="2400" spc="-1" strike="noStrike">
                 <a:latin typeface="Arial"/>
               </a:rPr>
               <a:t>Third Outline Level</a:t>
             </a:r>
-            <a:endParaRPr b="0" lang="en-US" sz="1600" spc="-1" strike="noStrike">
-              <a:solidFill>
-                <a:srgbClr val="44546a"/>
-              </a:solidFill>
+            <a:endParaRPr b="0" lang="en-US" sz="2400" spc="-1" strike="noStrike">
               <a:latin typeface="Arial"/>
             </a:endParaRPr>
           </a:p>
@@ -4764,18 +4417,12 @@
               <a:buChar char=""/>
             </a:pPr>
             <a:r>
-              <a:rPr b="0" lang="en-US" sz="1600" spc="-1" strike="noStrike">
-                <a:solidFill>
-                  <a:srgbClr val="44546a"/>
-                </a:solidFill>
+              <a:rPr b="0" lang="en-US" sz="2000" spc="-1" strike="noStrike">
                 <a:latin typeface="Arial"/>
               </a:rPr>
               <a:t>Fourth Outline Level</a:t>
             </a:r>
-            <a:endParaRPr b="0" lang="en-US" sz="1600" spc="-1" strike="noStrike">
-              <a:solidFill>
-                <a:srgbClr val="44546a"/>
-              </a:solidFill>
+            <a:endParaRPr b="0" lang="en-US" sz="2000" spc="-1" strike="noStrike">
               <a:latin typeface="Arial"/>
             </a:endParaRPr>
           </a:p>
@@ -4793,17 +4440,11 @@
             </a:pPr>
             <a:r>
               <a:rPr b="0" lang="en-US" sz="2000" spc="-1" strike="noStrike">
-                <a:solidFill>
-                  <a:srgbClr val="44546a"/>
-                </a:solidFill>
                 <a:latin typeface="Arial"/>
               </a:rPr>
               <a:t>Fifth Outline Level</a:t>
             </a:r>
             <a:endParaRPr b="0" lang="en-US" sz="2000" spc="-1" strike="noStrike">
-              <a:solidFill>
-                <a:srgbClr val="44546a"/>
-              </a:solidFill>
               <a:latin typeface="Arial"/>
             </a:endParaRPr>
           </a:p>
@@ -4821,17 +4462,11 @@
             </a:pPr>
             <a:r>
               <a:rPr b="0" lang="en-US" sz="2000" spc="-1" strike="noStrike">
-                <a:solidFill>
-                  <a:srgbClr val="44546a"/>
-                </a:solidFill>
                 <a:latin typeface="Arial"/>
               </a:rPr>
               <a:t>Sixth Outline Level</a:t>
             </a:r>
             <a:endParaRPr b="0" lang="en-US" sz="2000" spc="-1" strike="noStrike">
-              <a:solidFill>
-                <a:srgbClr val="44546a"/>
-              </a:solidFill>
               <a:latin typeface="Arial"/>
             </a:endParaRPr>
           </a:p>
@@ -4849,17 +4484,11 @@
             </a:pPr>
             <a:r>
               <a:rPr b="0" lang="en-US" sz="2000" spc="-1" strike="noStrike">
-                <a:solidFill>
-                  <a:srgbClr val="44546a"/>
-                </a:solidFill>
                 <a:latin typeface="Arial"/>
               </a:rPr>
               <a:t>Seventh Outline Level</a:t>
             </a:r>
             <a:endParaRPr b="0" lang="en-US" sz="2000" spc="-1" strike="noStrike">
-              <a:solidFill>
-                <a:srgbClr val="44546a"/>
-              </a:solidFill>
               <a:latin typeface="Arial"/>
             </a:endParaRPr>
           </a:p>
@@ -4911,7 +4540,7 @@
       </p:grpSpPr>
       <p:pic>
         <p:nvPicPr>
-          <p:cNvPr id="46" name="Picture 15" descr=""/>
+          <p:cNvPr id="45" name="Picture 15" descr=""/>
           <p:cNvPicPr/>
           <p:nvPr/>
         </p:nvPicPr>
@@ -4922,7 +4551,7 @@
         <p:spPr>
           <a:xfrm>
             <a:off x="365040" y="776160"/>
-            <a:ext cx="8454600" cy="490320"/>
+            <a:ext cx="8454240" cy="489960"/>
           </a:xfrm>
           <a:prstGeom prst="rect">
             <a:avLst/>
@@ -4934,14 +4563,14 @@
       </p:pic>
       <p:sp>
         <p:nvSpPr>
-          <p:cNvPr id="47" name="CustomShape 1"/>
+          <p:cNvPr id="46" name="CustomShape 1"/>
           <p:cNvSpPr/>
           <p:nvPr/>
         </p:nvSpPr>
         <p:spPr>
           <a:xfrm>
             <a:off x="333720" y="6219720"/>
-            <a:ext cx="1156320" cy="609120"/>
+            <a:ext cx="1155960" cy="608760"/>
           </a:xfrm>
           <a:prstGeom prst="rect">
             <a:avLst/>
@@ -4983,14 +4612,14 @@
       </p:sp>
       <p:sp>
         <p:nvSpPr>
-          <p:cNvPr id="48" name="CustomShape 2"/>
+          <p:cNvPr id="47" name="CustomShape 2"/>
           <p:cNvSpPr/>
           <p:nvPr/>
         </p:nvSpPr>
         <p:spPr>
           <a:xfrm>
             <a:off x="1498680" y="6270480"/>
-            <a:ext cx="93240" cy="242640"/>
+            <a:ext cx="92880" cy="242280"/>
           </a:xfrm>
           <a:prstGeom prst="rect">
             <a:avLst/>
@@ -5032,7 +4661,7 @@
       </p:sp>
       <p:sp>
         <p:nvSpPr>
-          <p:cNvPr id="49" name="PlaceHolder 3"/>
+          <p:cNvPr id="48" name="PlaceHolder 3"/>
           <p:cNvSpPr>
             <a:spLocks noGrp="1"/>
           </p:cNvSpPr>
@@ -5042,43 +4671,32 @@
         </p:nvSpPr>
         <p:spPr>
           <a:xfrm>
-            <a:off x="231840" y="136440"/>
-            <a:ext cx="8683200" cy="685440"/>
-          </a:xfrm>
-          <a:prstGeom prst="rect">
-            <a:avLst/>
-          </a:prstGeom>
-        </p:spPr>
-        <p:txBody>
-          <a:bodyPr anchor="ctr"/>
-          <a:p>
-            <a:pPr algn="ctr">
-              <a:lnSpc>
-                <a:spcPct val="90000"/>
-              </a:lnSpc>
-            </a:pPr>
-            <a:r>
-              <a:rPr b="0" lang="en-US" sz="3200" spc="-1" strike="noStrike">
-                <a:solidFill>
-                  <a:srgbClr val="092e5c"/>
-                </a:solidFill>
-                <a:latin typeface="Arial"/>
-                <a:ea typeface="MS PGothic"/>
-              </a:rPr>
-              <a:t>Click to edit Master title style</a:t>
-            </a:r>
-            <a:endParaRPr b="0" lang="en-US" sz="3200" spc="-1" strike="noStrike">
-              <a:solidFill>
-                <a:srgbClr val="000000"/>
-              </a:solidFill>
-              <a:latin typeface="CG Times"/>
-            </a:endParaRPr>
-          </a:p>
-        </p:txBody>
-      </p:sp>
-      <p:sp>
-        <p:nvSpPr>
-          <p:cNvPr id="50" name="PlaceHolder 4"/>
+            <a:off x="457200" y="273600"/>
+            <a:ext cx="8229240" cy="1144800"/>
+          </a:xfrm>
+          <a:prstGeom prst="rect">
+            <a:avLst/>
+          </a:prstGeom>
+        </p:spPr>
+        <p:txBody>
+          <a:bodyPr lIns="0" rIns="0" tIns="0" bIns="0" anchor="ctr"/>
+          <a:p>
+            <a:pPr algn="ctr"/>
+            <a:r>
+              <a:rPr b="0" lang="en-US" sz="4400" spc="-1" strike="noStrike">
+                <a:latin typeface="Arial"/>
+              </a:rPr>
+              <a:t>Click to edit the title text format</a:t>
+            </a:r>
+            <a:endParaRPr b="0" lang="en-US" sz="4400" spc="-1" strike="noStrike">
+              <a:latin typeface="Arial"/>
+            </a:endParaRPr>
+          </a:p>
+        </p:txBody>
+      </p:sp>
+      <p:sp>
+        <p:nvSpPr>
+          <p:cNvPr id="49" name="PlaceHolder 4"/>
           <p:cNvSpPr>
             <a:spLocks noGrp="1"/>
           </p:cNvSpPr>
@@ -5088,254 +4706,169 @@
         </p:nvSpPr>
         <p:spPr>
           <a:xfrm>
-            <a:off x="345960" y="1279440"/>
-            <a:ext cx="8457840" cy="4890600"/>
-          </a:xfrm>
-          <a:prstGeom prst="rect">
-            <a:avLst/>
-          </a:prstGeom>
-        </p:spPr>
-        <p:txBody>
-          <a:bodyPr/>
-          <a:p>
-            <a:pPr marL="233280" indent="-232920">
-              <a:lnSpc>
-                <a:spcPct val="100000"/>
-              </a:lnSpc>
+            <a:off x="457200" y="1604520"/>
+            <a:ext cx="8229240" cy="3977280"/>
+          </a:xfrm>
+          <a:prstGeom prst="rect">
+            <a:avLst/>
+          </a:prstGeom>
+        </p:spPr>
+        <p:txBody>
+          <a:bodyPr lIns="0" rIns="0" tIns="0" bIns="0">
+            <a:normAutofit/>
+          </a:bodyPr>
+          <a:p>
+            <a:pPr marL="432000" indent="-324000">
               <a:spcBef>
-                <a:spcPts val="479"/>
+                <a:spcPts val="1417"/>
               </a:spcBef>
               <a:buClr>
-                <a:srgbClr val="092e5c"/>
+                <a:srgbClr val="000000"/>
               </a:buClr>
-              <a:buFont typeface="Symbol" charset="2"/>
-              <a:buChar char=""/>
-            </a:pPr>
-            <a:r>
-              <a:rPr b="0" lang="en-US" sz="2400" spc="-1" strike="noStrike">
-                <a:solidFill>
-                  <a:srgbClr val="44546a"/>
-                </a:solidFill>
-                <a:latin typeface="Arial"/>
-                <a:ea typeface="MS PGothic"/>
-              </a:rPr>
-              <a:t>Click to edit Master text styles</a:t>
-            </a:r>
-            <a:endParaRPr b="0" lang="en-US" sz="2400" spc="-1" strike="noStrike">
-              <a:solidFill>
-                <a:srgbClr val="44546a"/>
-              </a:solidFill>
-              <a:latin typeface="Arial"/>
-            </a:endParaRPr>
-          </a:p>
-          <a:p>
-            <a:pPr lvl="1" marL="569880" indent="-221760">
-              <a:lnSpc>
-                <a:spcPct val="100000"/>
-              </a:lnSpc>
+              <a:buSzPct val="45000"/>
+              <a:buFont typeface="Wingdings" charset="2"/>
+              <a:buChar char=""/>
+            </a:pPr>
+            <a:r>
+              <a:rPr b="0" lang="en-US" sz="3200" spc="-1" strike="noStrike">
+                <a:latin typeface="Arial"/>
+              </a:rPr>
+              <a:t>Click to edit the outline text format</a:t>
+            </a:r>
+            <a:endParaRPr b="0" lang="en-US" sz="3200" spc="-1" strike="noStrike">
+              <a:latin typeface="Arial"/>
+            </a:endParaRPr>
+          </a:p>
+          <a:p>
+            <a:pPr lvl="1" marL="864000" indent="-324000">
               <a:spcBef>
-                <a:spcPts val="400"/>
+                <a:spcPts val="1134"/>
               </a:spcBef>
               <a:buClr>
-                <a:srgbClr val="092e5c"/>
+                <a:srgbClr val="000000"/>
               </a:buClr>
+              <a:buSzPct val="75000"/>
               <a:buFont typeface="Symbol" charset="2"/>
               <a:buChar char=""/>
             </a:pPr>
             <a:r>
-              <a:rPr b="0" lang="en-US" sz="2000" spc="-1" strike="noStrike">
-                <a:solidFill>
-                  <a:srgbClr val="44546a"/>
-                </a:solidFill>
-                <a:latin typeface="Arial"/>
-                <a:ea typeface="MS PGothic"/>
-              </a:rPr>
-              <a:t>Second level</a:t>
-            </a:r>
-            <a:endParaRPr b="0" lang="en-US" sz="2000" spc="-1" strike="noStrike">
-              <a:solidFill>
-                <a:srgbClr val="44546a"/>
-              </a:solidFill>
-              <a:latin typeface="Arial"/>
-            </a:endParaRPr>
-          </a:p>
-          <a:p>
-            <a:pPr lvl="2" marL="912960" indent="-228240">
-              <a:lnSpc>
-                <a:spcPct val="100000"/>
-              </a:lnSpc>
+              <a:rPr b="0" lang="en-US" sz="2800" spc="-1" strike="noStrike">
+                <a:latin typeface="Arial"/>
+              </a:rPr>
+              <a:t>Second Outline Level</a:t>
+            </a:r>
+            <a:endParaRPr b="0" lang="en-US" sz="2800" spc="-1" strike="noStrike">
+              <a:latin typeface="Arial"/>
+            </a:endParaRPr>
+          </a:p>
+          <a:p>
+            <a:pPr lvl="2" marL="1296000" indent="-288000">
               <a:spcBef>
-                <a:spcPts val="360"/>
+                <a:spcPts val="850"/>
               </a:spcBef>
               <a:buClr>
-                <a:srgbClr val="092e5c"/>
+                <a:srgbClr val="000000"/>
               </a:buClr>
-              <a:buFont typeface="Symbol" charset="2"/>
-              <a:buChar char=""/>
-            </a:pPr>
-            <a:r>
-              <a:rPr b="0" lang="en-US" sz="1800" spc="-1" strike="noStrike">
-                <a:solidFill>
-                  <a:srgbClr val="44546a"/>
-                </a:solidFill>
-                <a:latin typeface="Arial"/>
-                <a:ea typeface="MS PGothic"/>
-              </a:rPr>
-              <a:t>Third level</a:t>
-            </a:r>
-            <a:endParaRPr b="0" lang="en-US" sz="1800" spc="-1" strike="noStrike">
-              <a:solidFill>
-                <a:srgbClr val="44546a"/>
-              </a:solidFill>
-              <a:latin typeface="Arial"/>
-            </a:endParaRPr>
-          </a:p>
-          <a:p>
-            <a:pPr lvl="3" marL="1255680" indent="-228240">
-              <a:lnSpc>
-                <a:spcPct val="100000"/>
-              </a:lnSpc>
+              <a:buSzPct val="45000"/>
+              <a:buFont typeface="Wingdings" charset="2"/>
+              <a:buChar char=""/>
+            </a:pPr>
+            <a:r>
+              <a:rPr b="0" lang="en-US" sz="2400" spc="-1" strike="noStrike">
+                <a:latin typeface="Arial"/>
+              </a:rPr>
+              <a:t>Third Outline Level</a:t>
+            </a:r>
+            <a:endParaRPr b="0" lang="en-US" sz="2400" spc="-1" strike="noStrike">
+              <a:latin typeface="Arial"/>
+            </a:endParaRPr>
+          </a:p>
+          <a:p>
+            <a:pPr lvl="3" marL="1728000" indent="-216000">
               <a:spcBef>
-                <a:spcPts val="320"/>
+                <a:spcPts val="567"/>
               </a:spcBef>
               <a:buClr>
-                <a:srgbClr val="092e5c"/>
+                <a:srgbClr val="000000"/>
               </a:buClr>
+              <a:buSzPct val="75000"/>
               <a:buFont typeface="Symbol" charset="2"/>
               <a:buChar char=""/>
             </a:pPr>
             <a:r>
-              <a:rPr b="0" lang="en-US" sz="1600" spc="-1" strike="noStrike">
-                <a:solidFill>
-                  <a:srgbClr val="44546a"/>
-                </a:solidFill>
-                <a:latin typeface="Arial"/>
-                <a:ea typeface="MS PGothic"/>
-              </a:rPr>
-              <a:t>Fourth level</a:t>
-            </a:r>
-            <a:endParaRPr b="0" lang="en-US" sz="1600" spc="-1" strike="noStrike">
-              <a:solidFill>
-                <a:srgbClr val="44546a"/>
-              </a:solidFill>
-              <a:latin typeface="Arial"/>
-            </a:endParaRPr>
-          </a:p>
-          <a:p>
-            <a:pPr lvl="4" marL="1598760" indent="-228240">
-              <a:lnSpc>
-                <a:spcPct val="100000"/>
-              </a:lnSpc>
+              <a:rPr b="0" lang="en-US" sz="2000" spc="-1" strike="noStrike">
+                <a:latin typeface="Arial"/>
+              </a:rPr>
+              <a:t>Fourth Outline Level</a:t>
+            </a:r>
+            <a:endParaRPr b="0" lang="en-US" sz="2000" spc="-1" strike="noStrike">
+              <a:latin typeface="Arial"/>
+            </a:endParaRPr>
+          </a:p>
+          <a:p>
+            <a:pPr lvl="4" marL="2160000" indent="-216000">
               <a:spcBef>
-                <a:spcPts val="320"/>
+                <a:spcPts val="283"/>
               </a:spcBef>
               <a:buClr>
-                <a:srgbClr val="092e5c"/>
+                <a:srgbClr val="000000"/>
               </a:buClr>
-              <a:buFont typeface="StarSymbol"/>
-              <a:buChar char="»"/>
-            </a:pPr>
-            <a:r>
-              <a:rPr b="0" lang="en-US" sz="1600" spc="-1" strike="noStrike">
-                <a:solidFill>
-                  <a:srgbClr val="44546a"/>
-                </a:solidFill>
-                <a:latin typeface="Arial"/>
-                <a:ea typeface="MS PGothic"/>
-              </a:rPr>
-              <a:t>Fifth level</a:t>
-            </a:r>
-            <a:endParaRPr b="0" lang="en-US" sz="1600" spc="-1" strike="noStrike">
-              <a:solidFill>
-                <a:srgbClr val="44546a"/>
-              </a:solidFill>
-              <a:latin typeface="Arial"/>
-            </a:endParaRPr>
-          </a:p>
-        </p:txBody>
-      </p:sp>
-      <p:sp>
-        <p:nvSpPr>
-          <p:cNvPr id="51" name="PlaceHolder 5"/>
-          <p:cNvSpPr>
-            <a:spLocks noGrp="1"/>
-          </p:cNvSpPr>
-          <p:nvPr>
-            <p:ph type="ftr"/>
-          </p:nvPr>
-        </p:nvSpPr>
-        <p:spPr>
-          <a:xfrm>
-            <a:off x="2973240" y="6553080"/>
-            <a:ext cx="3200040" cy="228240"/>
-          </a:xfrm>
-          <a:prstGeom prst="rect">
-            <a:avLst/>
-          </a:prstGeom>
-        </p:spPr>
-        <p:txBody>
-          <a:bodyPr/>
-          <a:p>
-            <a:pPr algn="ctr">
-              <a:lnSpc>
-                <a:spcPct val="100000"/>
-              </a:lnSpc>
-            </a:pPr>
-            <a:r>
-              <a:rPr b="0" lang="en-US" sz="900" spc="-1" strike="noStrike">
-                <a:solidFill>
-                  <a:srgbClr val="092e5c"/>
-                </a:solidFill>
-                <a:latin typeface="Arial"/>
-                <a:ea typeface="MS PGothic"/>
-              </a:rPr>
-              <a:t>Copyright © 2019 Open Geospatial Consortium</a:t>
-            </a:r>
-            <a:endParaRPr b="0" lang="en-US" sz="900" spc="-1" strike="noStrike">
-              <a:latin typeface="Times New Roman"/>
-            </a:endParaRPr>
-          </a:p>
-        </p:txBody>
-      </p:sp>
-      <p:sp>
-        <p:nvSpPr>
-          <p:cNvPr id="52" name="PlaceHolder 6"/>
-          <p:cNvSpPr>
-            <a:spLocks noGrp="1"/>
-          </p:cNvSpPr>
-          <p:nvPr>
-            <p:ph type="sldNum"/>
-          </p:nvPr>
-        </p:nvSpPr>
-        <p:spPr>
-          <a:xfrm>
-            <a:off x="6896160" y="6553080"/>
-            <a:ext cx="1904760" cy="228240"/>
-          </a:xfrm>
-          <a:prstGeom prst="rect">
-            <a:avLst/>
-          </a:prstGeom>
-        </p:spPr>
-        <p:txBody>
-          <a:bodyPr/>
-          <a:p>
-            <a:pPr algn="r">
-              <a:lnSpc>
-                <a:spcPct val="100000"/>
-              </a:lnSpc>
-            </a:pPr>
-            <a:fld id="{C34F79D7-C3D7-46B5-9859-DE02C09A1564}" type="slidenum">
-              <a:rPr b="0" lang="en-US" sz="900" spc="-1" strike="noStrike">
-                <a:solidFill>
-                  <a:srgbClr val="092e5c"/>
-                </a:solidFill>
-                <a:latin typeface="Arial"/>
-                <a:ea typeface="MS PGothic"/>
-              </a:rPr>
-              <a:t>1</a:t>
-            </a:fld>
-            <a:endParaRPr b="0" lang="en-US" sz="900" spc="-1" strike="noStrike">
-              <a:latin typeface="Times New Roman"/>
+              <a:buSzPct val="45000"/>
+              <a:buFont typeface="Wingdings" charset="2"/>
+              <a:buChar char=""/>
+            </a:pPr>
+            <a:r>
+              <a:rPr b="0" lang="en-US" sz="2000" spc="-1" strike="noStrike">
+                <a:latin typeface="Arial"/>
+              </a:rPr>
+              <a:t>Fifth Outline Level</a:t>
+            </a:r>
+            <a:endParaRPr b="0" lang="en-US" sz="2000" spc="-1" strike="noStrike">
+              <a:latin typeface="Arial"/>
+            </a:endParaRPr>
+          </a:p>
+          <a:p>
+            <a:pPr lvl="5" marL="2592000" indent="-216000">
+              <a:spcBef>
+                <a:spcPts val="283"/>
+              </a:spcBef>
+              <a:buClr>
+                <a:srgbClr val="000000"/>
+              </a:buClr>
+              <a:buSzPct val="45000"/>
+              <a:buFont typeface="Wingdings" charset="2"/>
+              <a:buChar char=""/>
+            </a:pPr>
+            <a:r>
+              <a:rPr b="0" lang="en-US" sz="2000" spc="-1" strike="noStrike">
+                <a:latin typeface="Arial"/>
+              </a:rPr>
+              <a:t>Sixth Outline Level</a:t>
+            </a:r>
+            <a:endParaRPr b="0" lang="en-US" sz="2000" spc="-1" strike="noStrike">
+              <a:latin typeface="Arial"/>
+            </a:endParaRPr>
+          </a:p>
+          <a:p>
+            <a:pPr lvl="6" marL="3024000" indent="-216000">
+              <a:spcBef>
+                <a:spcPts val="283"/>
+              </a:spcBef>
+              <a:buClr>
+                <a:srgbClr val="000000"/>
+              </a:buClr>
+              <a:buSzPct val="45000"/>
+              <a:buFont typeface="Wingdings" charset="2"/>
+              <a:buChar char=""/>
+            </a:pPr>
+            <a:r>
+              <a:rPr b="0" lang="en-US" sz="2000" spc="-1" strike="noStrike">
+                <a:latin typeface="Arial"/>
+              </a:rPr>
+              <a:t>Seventh Outline Level</a:t>
+            </a:r>
+            <a:endParaRPr b="0" lang="en-US" sz="2000" spc="-1" strike="noStrike">
+              <a:latin typeface="Arial"/>
             </a:endParaRPr>
           </a:p>
         </p:txBody>
@@ -5386,7 +4919,7 @@
       </p:grpSpPr>
       <p:pic>
         <p:nvPicPr>
-          <p:cNvPr id="89" name="Picture 15" descr=""/>
+          <p:cNvPr id="86" name="Picture 15" descr=""/>
           <p:cNvPicPr/>
           <p:nvPr/>
         </p:nvPicPr>
@@ -5397,7 +4930,7 @@
         <p:spPr>
           <a:xfrm>
             <a:off x="365040" y="776160"/>
-            <a:ext cx="8454600" cy="490320"/>
+            <a:ext cx="8454240" cy="489960"/>
           </a:xfrm>
           <a:prstGeom prst="rect">
             <a:avLst/>
@@ -5409,14 +4942,14 @@
       </p:pic>
       <p:sp>
         <p:nvSpPr>
-          <p:cNvPr id="90" name="CustomShape 1"/>
+          <p:cNvPr id="87" name="CustomShape 1"/>
           <p:cNvSpPr/>
           <p:nvPr/>
         </p:nvSpPr>
         <p:spPr>
           <a:xfrm>
             <a:off x="333720" y="6219720"/>
-            <a:ext cx="1156320" cy="609120"/>
+            <a:ext cx="1155960" cy="608760"/>
           </a:xfrm>
           <a:prstGeom prst="rect">
             <a:avLst/>
@@ -5458,14 +4991,14 @@
       </p:sp>
       <p:sp>
         <p:nvSpPr>
-          <p:cNvPr id="91" name="CustomShape 2"/>
+          <p:cNvPr id="88" name="CustomShape 2"/>
           <p:cNvSpPr/>
           <p:nvPr/>
         </p:nvSpPr>
         <p:spPr>
           <a:xfrm>
             <a:off x="1498680" y="6270480"/>
-            <a:ext cx="93240" cy="242640"/>
+            <a:ext cx="92880" cy="242280"/>
           </a:xfrm>
           <a:prstGeom prst="rect">
             <a:avLst/>
@@ -5507,7 +5040,7 @@
       </p:sp>
       <p:sp>
         <p:nvSpPr>
-          <p:cNvPr id="92" name="PlaceHolder 3"/>
+          <p:cNvPr id="89" name="PlaceHolder 3"/>
           <p:cNvSpPr>
             <a:spLocks noGrp="1"/>
           </p:cNvSpPr>
@@ -5517,171 +5050,204 @@
         </p:nvSpPr>
         <p:spPr>
           <a:xfrm>
-            <a:off x="722160" y="4406760"/>
-            <a:ext cx="7772040" cy="1361880"/>
-          </a:xfrm>
-          <a:prstGeom prst="rect">
-            <a:avLst/>
-          </a:prstGeom>
-        </p:spPr>
-        <p:txBody>
-          <a:bodyPr/>
-          <a:p>
-            <a:pPr>
-              <a:lnSpc>
-                <a:spcPct val="90000"/>
-              </a:lnSpc>
-            </a:pPr>
-            <a:r>
-              <a:rPr b="1" lang="en-US" sz="4000" spc="-1" strike="noStrike">
-                <a:solidFill>
-                  <a:srgbClr val="092e5c"/>
-                </a:solidFill>
-                <a:latin typeface="Arial"/>
-                <a:ea typeface="MS PGothic"/>
-              </a:rPr>
-              <a:t>Click to edit Master title style</a:t>
-            </a:r>
-            <a:endParaRPr b="0" lang="en-US" sz="4000" spc="-1" strike="noStrike">
-              <a:solidFill>
+            <a:off x="457200" y="273600"/>
+            <a:ext cx="8229240" cy="1144800"/>
+          </a:xfrm>
+          <a:prstGeom prst="rect">
+            <a:avLst/>
+          </a:prstGeom>
+        </p:spPr>
+        <p:txBody>
+          <a:bodyPr lIns="0" rIns="0" tIns="0" bIns="0" anchor="ctr"/>
+          <a:p>
+            <a:pPr algn="ctr"/>
+            <a:r>
+              <a:rPr b="0" lang="en-US" sz="4400" spc="-1" strike="noStrike">
+                <a:latin typeface="Arial"/>
+              </a:rPr>
+              <a:t>Click to edit the title text format</a:t>
+            </a:r>
+            <a:endParaRPr b="0" lang="en-US" sz="4400" spc="-1" strike="noStrike">
+              <a:latin typeface="Arial"/>
+            </a:endParaRPr>
+          </a:p>
+        </p:txBody>
+      </p:sp>
+      <p:sp>
+        <p:nvSpPr>
+          <p:cNvPr id="90" name="PlaceHolder 4"/>
+          <p:cNvSpPr>
+            <a:spLocks noGrp="1"/>
+          </p:cNvSpPr>
+          <p:nvPr>
+            <p:ph type="body"/>
+          </p:nvPr>
+        </p:nvSpPr>
+        <p:spPr>
+          <a:xfrm>
+            <a:off x="457200" y="1604520"/>
+            <a:ext cx="8229240" cy="3977280"/>
+          </a:xfrm>
+          <a:prstGeom prst="rect">
+            <a:avLst/>
+          </a:prstGeom>
+        </p:spPr>
+        <p:txBody>
+          <a:bodyPr lIns="0" rIns="0" tIns="0" bIns="0">
+            <a:normAutofit/>
+          </a:bodyPr>
+          <a:p>
+            <a:pPr marL="432000" indent="-324000">
+              <a:spcBef>
+                <a:spcPts val="1417"/>
+              </a:spcBef>
+              <a:buClr>
                 <a:srgbClr val="000000"/>
-              </a:solidFill>
-              <a:latin typeface="CG Times"/>
-            </a:endParaRPr>
-          </a:p>
-        </p:txBody>
-      </p:sp>
-      <p:sp>
-        <p:nvSpPr>
-          <p:cNvPr id="93" name="PlaceHolder 4"/>
-          <p:cNvSpPr>
-            <a:spLocks noGrp="1"/>
-          </p:cNvSpPr>
-          <p:nvPr>
-            <p:ph type="body"/>
-          </p:nvPr>
-        </p:nvSpPr>
-        <p:spPr>
-          <a:xfrm>
-            <a:off x="722160" y="2906640"/>
-            <a:ext cx="7772040" cy="1499760"/>
-          </a:xfrm>
-          <a:prstGeom prst="rect">
-            <a:avLst/>
-          </a:prstGeom>
-        </p:spPr>
-        <p:txBody>
-          <a:bodyPr anchor="b"/>
-          <a:p>
-            <a:pPr>
-              <a:lnSpc>
-                <a:spcPct val="100000"/>
-              </a:lnSpc>
+              </a:buClr>
+              <a:buSzPct val="45000"/>
+              <a:buFont typeface="Wingdings" charset="2"/>
+              <a:buChar char=""/>
+            </a:pPr>
+            <a:r>
+              <a:rPr b="0" lang="en-US" sz="3200" spc="-1" strike="noStrike">
+                <a:latin typeface="Arial"/>
+              </a:rPr>
+              <a:t>Click to edit the outline text format</a:t>
+            </a:r>
+            <a:endParaRPr b="0" lang="en-US" sz="3200" spc="-1" strike="noStrike">
+              <a:latin typeface="Arial"/>
+            </a:endParaRPr>
+          </a:p>
+          <a:p>
+            <a:pPr lvl="1" marL="864000" indent="-324000">
               <a:spcBef>
-                <a:spcPts val="400"/>
+                <a:spcPts val="1134"/>
               </a:spcBef>
+              <a:buClr>
+                <a:srgbClr val="000000"/>
+              </a:buClr>
+              <a:buSzPct val="75000"/>
+              <a:buFont typeface="Symbol" charset="2"/>
+              <a:buChar char=""/>
+            </a:pPr>
+            <a:r>
+              <a:rPr b="0" lang="en-US" sz="2800" spc="-1" strike="noStrike">
+                <a:latin typeface="Arial"/>
+              </a:rPr>
+              <a:t>Second Outline Level</a:t>
+            </a:r>
+            <a:endParaRPr b="0" lang="en-US" sz="2800" spc="-1" strike="noStrike">
+              <a:latin typeface="Arial"/>
+            </a:endParaRPr>
+          </a:p>
+          <a:p>
+            <a:pPr lvl="2" marL="1296000" indent="-288000">
+              <a:spcBef>
+                <a:spcPts val="850"/>
+              </a:spcBef>
+              <a:buClr>
+                <a:srgbClr val="000000"/>
+              </a:buClr>
+              <a:buSzPct val="45000"/>
+              <a:buFont typeface="Wingdings" charset="2"/>
+              <a:buChar char=""/>
+            </a:pPr>
+            <a:r>
+              <a:rPr b="0" lang="en-US" sz="2400" spc="-1" strike="noStrike">
+                <a:latin typeface="Arial"/>
+              </a:rPr>
+              <a:t>Third Outline Level</a:t>
+            </a:r>
+            <a:endParaRPr b="0" lang="en-US" sz="2400" spc="-1" strike="noStrike">
+              <a:latin typeface="Arial"/>
+            </a:endParaRPr>
+          </a:p>
+          <a:p>
+            <a:pPr lvl="3" marL="1728000" indent="-216000">
+              <a:spcBef>
+                <a:spcPts val="567"/>
+              </a:spcBef>
+              <a:buClr>
+                <a:srgbClr val="000000"/>
+              </a:buClr>
+              <a:buSzPct val="75000"/>
+              <a:buFont typeface="Symbol" charset="2"/>
+              <a:buChar char=""/>
             </a:pPr>
             <a:r>
               <a:rPr b="0" lang="en-US" sz="2000" spc="-1" strike="noStrike">
-                <a:solidFill>
-                  <a:srgbClr val="44546a"/>
-                </a:solidFill>
-                <a:latin typeface="Arial"/>
-                <a:ea typeface="MS PGothic"/>
-              </a:rPr>
-              <a:t>Click to edit Master text styles</a:t>
+                <a:latin typeface="Arial"/>
+              </a:rPr>
+              <a:t>Fourth Outline Level</a:t>
             </a:r>
             <a:endParaRPr b="0" lang="en-US" sz="2000" spc="-1" strike="noStrike">
-              <a:solidFill>
-                <a:srgbClr val="44546a"/>
-              </a:solidFill>
-              <a:latin typeface="Arial"/>
-            </a:endParaRPr>
-          </a:p>
-        </p:txBody>
-      </p:sp>
-      <p:sp>
-        <p:nvSpPr>
-          <p:cNvPr id="94" name="PlaceHolder 5"/>
-          <p:cNvSpPr>
-            <a:spLocks noGrp="1"/>
-          </p:cNvSpPr>
-          <p:nvPr>
-            <p:ph type="ftr"/>
-          </p:nvPr>
-        </p:nvSpPr>
-        <p:spPr>
-          <a:xfrm>
-            <a:off x="2973240" y="6553080"/>
-            <a:ext cx="3200040" cy="228240"/>
-          </a:xfrm>
-          <a:prstGeom prst="rect">
-            <a:avLst/>
-          </a:prstGeom>
-        </p:spPr>
-        <p:txBody>
-          <a:bodyPr/>
-          <a:p>
-            <a:pPr algn="ctr">
-              <a:lnSpc>
-                <a:spcPct val="100000"/>
-              </a:lnSpc>
-            </a:pPr>
-            <a:r>
-              <a:rPr b="0" lang="en-US" sz="900" spc="-1" strike="noStrike">
-                <a:solidFill>
-                  <a:srgbClr val="092e5c"/>
-                </a:solidFill>
-                <a:latin typeface="Arial"/>
-                <a:ea typeface="MS PGothic"/>
-              </a:rPr>
-              <a:t>Copyright © 2019 Open Geospatial Consortium</a:t>
-            </a:r>
-            <a:endParaRPr b="0" lang="en-US" sz="900" spc="-1" strike="noStrike">
-              <a:latin typeface="Times New Roman"/>
-            </a:endParaRPr>
-          </a:p>
-        </p:txBody>
-      </p:sp>
-      <p:sp>
-        <p:nvSpPr>
-          <p:cNvPr id="95" name="PlaceHolder 6"/>
-          <p:cNvSpPr>
-            <a:spLocks noGrp="1"/>
-          </p:cNvSpPr>
-          <p:nvPr>
-            <p:ph type="sldNum"/>
-          </p:nvPr>
-        </p:nvSpPr>
-        <p:spPr>
-          <a:xfrm>
-            <a:off x="6896160" y="6553080"/>
-            <a:ext cx="1904760" cy="228240"/>
-          </a:xfrm>
-          <a:prstGeom prst="rect">
-            <a:avLst/>
-          </a:prstGeom>
-        </p:spPr>
-        <p:txBody>
-          <a:bodyPr/>
-          <a:p>
-            <a:pPr algn="r">
-              <a:lnSpc>
-                <a:spcPct val="100000"/>
-              </a:lnSpc>
-            </a:pPr>
-            <a:fld id="{797C1360-5490-44B4-BC92-F609632733B0}" type="slidenum">
-              <a:rPr b="0" lang="en-US" sz="900" spc="-1" strike="noStrike">
-                <a:solidFill>
-                  <a:srgbClr val="092e5c"/>
-                </a:solidFill>
-                <a:latin typeface="Arial"/>
-                <a:ea typeface="MS PGothic"/>
-              </a:rPr>
-              <a:t>1</a:t>
-            </a:fld>
-            <a:endParaRPr b="0" lang="en-US" sz="900" spc="-1" strike="noStrike">
-              <a:latin typeface="Times New Roman"/>
+              <a:latin typeface="Arial"/>
+            </a:endParaRPr>
+          </a:p>
+          <a:p>
+            <a:pPr lvl="4" marL="2160000" indent="-216000">
+              <a:spcBef>
+                <a:spcPts val="283"/>
+              </a:spcBef>
+              <a:buClr>
+                <a:srgbClr val="000000"/>
+              </a:buClr>
+              <a:buSzPct val="45000"/>
+              <a:buFont typeface="Wingdings" charset="2"/>
+              <a:buChar char=""/>
+            </a:pPr>
+            <a:r>
+              <a:rPr b="0" lang="en-US" sz="2000" spc="-1" strike="noStrike">
+                <a:latin typeface="Arial"/>
+              </a:rPr>
+              <a:t>Fifth Outline Level</a:t>
+            </a:r>
+            <a:endParaRPr b="0" lang="en-US" sz="2000" spc="-1" strike="noStrike">
+              <a:latin typeface="Arial"/>
+            </a:endParaRPr>
+          </a:p>
+          <a:p>
+            <a:pPr lvl="5" marL="2592000" indent="-216000">
+              <a:spcBef>
+                <a:spcPts val="283"/>
+              </a:spcBef>
+              <a:buClr>
+                <a:srgbClr val="000000"/>
+              </a:buClr>
+              <a:buSzPct val="45000"/>
+              <a:buFont typeface="Wingdings" charset="2"/>
+              <a:buChar char=""/>
+            </a:pPr>
+            <a:r>
+              <a:rPr b="0" lang="en-US" sz="2000" spc="-1" strike="noStrike">
+                <a:latin typeface="Arial"/>
+              </a:rPr>
+              <a:t>Sixth Outline Level</a:t>
+            </a:r>
+            <a:endParaRPr b="0" lang="en-US" sz="2000" spc="-1" strike="noStrike">
+              <a:latin typeface="Arial"/>
+            </a:endParaRPr>
+          </a:p>
+          <a:p>
+            <a:pPr lvl="6" marL="3024000" indent="-216000">
+              <a:spcBef>
+                <a:spcPts val="283"/>
+              </a:spcBef>
+              <a:buClr>
+                <a:srgbClr val="000000"/>
+              </a:buClr>
+              <a:buSzPct val="45000"/>
+              <a:buFont typeface="Wingdings" charset="2"/>
+              <a:buChar char=""/>
+            </a:pPr>
+            <a:r>
+              <a:rPr b="0" lang="en-US" sz="2000" spc="-1" strike="noStrike">
+                <a:latin typeface="Arial"/>
+              </a:rPr>
+              <a:t>Seventh Outline Level</a:t>
+            </a:r>
+            <a:endParaRPr b="0" lang="en-US" sz="2000" spc="-1" strike="noStrike">
+              <a:latin typeface="Arial"/>
             </a:endParaRPr>
           </a:p>
         </p:txBody>
@@ -5725,14 +5291,14 @@
       </p:grpSpPr>
       <p:sp>
         <p:nvSpPr>
-          <p:cNvPr id="132" name="TextShape 1"/>
-          <p:cNvSpPr txBox="1"/>
+          <p:cNvPr id="127" name="CustomShape 1"/>
+          <p:cNvSpPr/>
           <p:nvPr/>
         </p:nvSpPr>
         <p:spPr>
           <a:xfrm>
             <a:off x="762120" y="3276720"/>
-            <a:ext cx="7772040" cy="1142640"/>
+            <a:ext cx="7771680" cy="1142280"/>
           </a:xfrm>
           <a:prstGeom prst="rect">
             <a:avLst/>
@@ -5742,8 +5308,14 @@
             <a:noFill/>
           </a:ln>
         </p:spPr>
-        <p:txBody>
-          <a:bodyPr anchor="ctr"/>
+        <p:style>
+          <a:lnRef idx="0"/>
+          <a:fillRef idx="0"/>
+          <a:effectRef idx="0"/>
+          <a:fontRef idx="minor"/>
+        </p:style>
+        <p:txBody>
+          <a:bodyPr lIns="90000" rIns="90000" tIns="45000" bIns="45000" anchor="ctr"/>
           <a:p>
             <a:pPr algn="ctr">
               <a:lnSpc>
@@ -5761,24 +5333,21 @@
               <a:t>OGC API Coverages</a:t>
             </a:r>
             <a:endParaRPr b="0" lang="en-US" sz="3200" spc="-1" strike="noStrike">
-              <a:solidFill>
-                <a:srgbClr val="000000"/>
-              </a:solidFill>
-              <a:latin typeface="CG Times"/>
-            </a:endParaRPr>
-          </a:p>
-        </p:txBody>
-      </p:sp>
-      <p:sp>
-        <p:nvSpPr>
-          <p:cNvPr id="133" name="TextShape 2"/>
-          <p:cNvSpPr txBox="1"/>
+              <a:latin typeface="Arial"/>
+            </a:endParaRPr>
+          </a:p>
+        </p:txBody>
+      </p:sp>
+      <p:sp>
+        <p:nvSpPr>
+          <p:cNvPr id="128" name="CustomShape 2"/>
+          <p:cNvSpPr/>
           <p:nvPr/>
         </p:nvSpPr>
         <p:spPr>
           <a:xfrm>
             <a:off x="1447920" y="4572000"/>
-            <a:ext cx="6400440" cy="1371240"/>
+            <a:ext cx="6400080" cy="1370880"/>
           </a:xfrm>
           <a:prstGeom prst="rect">
             <a:avLst/>
@@ -5788,8 +5357,14 @@
             <a:noFill/>
           </a:ln>
         </p:spPr>
-        <p:txBody>
-          <a:bodyPr/>
+        <p:style>
+          <a:lnRef idx="0"/>
+          <a:fillRef idx="0"/>
+          <a:effectRef idx="0"/>
+          <a:fontRef idx="minor"/>
+        </p:style>
+        <p:txBody>
+          <a:bodyPr lIns="90000" rIns="90000" tIns="45000" bIns="45000"/>
           <a:p>
             <a:pPr algn="ctr">
               <a:lnSpc>
@@ -5863,14 +5438,14 @@
       </p:sp>
       <p:sp>
         <p:nvSpPr>
-          <p:cNvPr id="134" name="TextShape 3"/>
-          <p:cNvSpPr txBox="1"/>
+          <p:cNvPr id="129" name="CustomShape 3"/>
+          <p:cNvSpPr/>
           <p:nvPr/>
         </p:nvSpPr>
         <p:spPr>
           <a:xfrm>
             <a:off x="3009960" y="6400800"/>
-            <a:ext cx="3276360" cy="304560"/>
+            <a:ext cx="3276000" cy="304200"/>
           </a:xfrm>
           <a:prstGeom prst="rect">
             <a:avLst/>
@@ -5880,8 +5455,14 @@
             <a:noFill/>
           </a:ln>
         </p:spPr>
-        <p:txBody>
-          <a:bodyPr/>
+        <p:style>
+          <a:lnRef idx="0"/>
+          <a:fillRef idx="0"/>
+          <a:effectRef idx="0"/>
+          <a:fontRef idx="minor"/>
+        </p:style>
+        <p:txBody>
+          <a:bodyPr lIns="90000" rIns="90000" tIns="45000" bIns="45000"/>
           <a:p>
             <a:pPr algn="ctr">
               <a:lnSpc>
@@ -5899,21 +5480,21 @@
               <a:t>Copyright © 2019 Open Geospatial Consortium</a:t>
             </a:r>
             <a:endParaRPr b="0" lang="en-US" sz="900" spc="-1" strike="noStrike">
-              <a:latin typeface="Times New Roman"/>
-            </a:endParaRPr>
-          </a:p>
-        </p:txBody>
-      </p:sp>
-      <p:sp>
-        <p:nvSpPr>
-          <p:cNvPr id="135" name="CustomShape 4"/>
+              <a:latin typeface="Arial"/>
+            </a:endParaRPr>
+          </a:p>
+        </p:txBody>
+      </p:sp>
+      <p:sp>
+        <p:nvSpPr>
+          <p:cNvPr id="130" name="CustomShape 4"/>
           <p:cNvSpPr/>
           <p:nvPr/>
         </p:nvSpPr>
         <p:spPr>
           <a:xfrm>
             <a:off x="4724280" y="1253880"/>
-            <a:ext cx="914040" cy="914040"/>
+            <a:ext cx="913680" cy="913680"/>
           </a:xfrm>
           <a:prstGeom prst="rect">
             <a:avLst/>
@@ -5981,14 +5562,14 @@
       </p:grpSpPr>
       <p:sp>
         <p:nvSpPr>
-          <p:cNvPr id="136" name="TextShape 1"/>
-          <p:cNvSpPr txBox="1"/>
+          <p:cNvPr id="131" name="CustomShape 1"/>
+          <p:cNvSpPr/>
           <p:nvPr/>
         </p:nvSpPr>
         <p:spPr>
           <a:xfrm>
             <a:off x="230040" y="249120"/>
-            <a:ext cx="8683200" cy="685440"/>
+            <a:ext cx="8682840" cy="685080"/>
           </a:xfrm>
           <a:prstGeom prst="rect">
             <a:avLst/>
@@ -5998,8 +5579,14 @@
             <a:noFill/>
           </a:ln>
         </p:spPr>
-        <p:txBody>
-          <a:bodyPr anchor="ctr"/>
+        <p:style>
+          <a:lnRef idx="0"/>
+          <a:fillRef idx="0"/>
+          <a:effectRef idx="0"/>
+          <a:fontRef idx="minor"/>
+        </p:style>
+        <p:txBody>
+          <a:bodyPr lIns="90000" rIns="90000" tIns="45000" bIns="45000" anchor="ctr"/>
           <a:p>
             <a:pPr algn="ctr">
               <a:lnSpc>
@@ -6017,24 +5604,21 @@
               <a:t>OGC API Coverages - Intro</a:t>
             </a:r>
             <a:endParaRPr b="0" lang="en-US" sz="3200" spc="-1" strike="noStrike">
-              <a:solidFill>
-                <a:srgbClr val="000000"/>
-              </a:solidFill>
-              <a:latin typeface="CG Times"/>
-            </a:endParaRPr>
-          </a:p>
-        </p:txBody>
-      </p:sp>
-      <p:sp>
-        <p:nvSpPr>
-          <p:cNvPr id="137" name="TextShape 2"/>
-          <p:cNvSpPr txBox="1"/>
+              <a:latin typeface="Arial"/>
+            </a:endParaRPr>
+          </a:p>
+        </p:txBody>
+      </p:sp>
+      <p:sp>
+        <p:nvSpPr>
+          <p:cNvPr id="132" name="CustomShape 2"/>
+          <p:cNvSpPr/>
           <p:nvPr/>
         </p:nvSpPr>
         <p:spPr>
           <a:xfrm>
             <a:off x="345960" y="1279440"/>
-            <a:ext cx="8457840" cy="4890600"/>
+            <a:ext cx="8457480" cy="4890240"/>
           </a:xfrm>
           <a:prstGeom prst="rect">
             <a:avLst/>
@@ -6044,10 +5628,16 @@
             <a:noFill/>
           </a:ln>
         </p:spPr>
-        <p:txBody>
-          <a:bodyPr/>
-          <a:p>
-            <a:pPr marL="233280" indent="-232920">
+        <p:style>
+          <a:lnRef idx="0"/>
+          <a:fillRef idx="0"/>
+          <a:effectRef idx="0"/>
+          <a:fontRef idx="minor"/>
+        </p:style>
+        <p:txBody>
+          <a:bodyPr lIns="90000" rIns="90000" tIns="45000" bIns="45000"/>
+          <a:p>
+            <a:pPr marL="233280" indent="-232560">
               <a:lnSpc>
                 <a:spcPct val="100000"/>
               </a:lnSpc>
@@ -6057,7 +5647,7 @@
               <a:buClr>
                 <a:srgbClr val="092e5c"/>
               </a:buClr>
-              <a:buFont typeface="Symbol" charset="2"/>
+              <a:buFont typeface="Symbol"/>
               <a:buChar char=""/>
             </a:pPr>
             <a:r>
@@ -6071,14 +5661,11 @@
               <a:t>Establishes how to access coverages as defined by the Coverage Implementation Schema (CIS) 1.1 through OpenAPI</a:t>
             </a:r>
             <a:endParaRPr b="0" lang="en-US" sz="2400" spc="-1" strike="noStrike">
-              <a:solidFill>
-                <a:srgbClr val="44546a"/>
-              </a:solidFill>
-              <a:latin typeface="Arial"/>
-            </a:endParaRPr>
-          </a:p>
-          <a:p>
-            <a:pPr marL="233280" indent="-232920">
+              <a:latin typeface="Arial"/>
+            </a:endParaRPr>
+          </a:p>
+          <a:p>
+            <a:pPr marL="233280" indent="-232560">
               <a:lnSpc>
                 <a:spcPct val="100000"/>
               </a:lnSpc>
@@ -6088,7 +5675,7 @@
               <a:buClr>
                 <a:srgbClr val="092e5c"/>
               </a:buClr>
-              <a:buFont typeface="Symbol" charset="2"/>
+              <a:buFont typeface="Symbol"/>
               <a:buChar char=""/>
             </a:pPr>
             <a:r>
@@ -6102,14 +5689,11 @@
               <a:t>Current scope</a:t>
             </a:r>
             <a:endParaRPr b="0" lang="en-US" sz="2400" spc="-1" strike="noStrike">
-              <a:solidFill>
-                <a:srgbClr val="44546a"/>
-              </a:solidFill>
-              <a:latin typeface="Arial"/>
-            </a:endParaRPr>
-          </a:p>
-          <a:p>
-            <a:pPr lvl="1" marL="569880" indent="-221760">
+              <a:latin typeface="Arial"/>
+            </a:endParaRPr>
+          </a:p>
+          <a:p>
+            <a:pPr lvl="1" marL="569880" indent="-221400">
               <a:lnSpc>
                 <a:spcPct val="100000"/>
               </a:lnSpc>
@@ -6119,7 +5703,7 @@
               <a:buClr>
                 <a:srgbClr val="092e5c"/>
               </a:buClr>
-              <a:buFont typeface="Symbol" charset="2"/>
+              <a:buFont typeface="Symbol"/>
               <a:buChar char=""/>
             </a:pPr>
             <a:r>
@@ -6133,14 +5717,11 @@
               <a:t>Only gridded coverages are addressed, not MultiPoint/Curve/Surface/SolidCoverages. </a:t>
             </a:r>
             <a:endParaRPr b="0" lang="en-US" sz="2000" spc="-1" strike="noStrike">
-              <a:solidFill>
-                <a:srgbClr val="44546a"/>
-              </a:solidFill>
-              <a:latin typeface="Arial"/>
-            </a:endParaRPr>
-          </a:p>
-          <a:p>
-            <a:pPr lvl="1" marL="569880" indent="-221760">
+              <a:latin typeface="Arial"/>
+            </a:endParaRPr>
+          </a:p>
+          <a:p>
+            <a:pPr lvl="1" marL="569880" indent="-221400">
               <a:lnSpc>
                 <a:spcPct val="100000"/>
               </a:lnSpc>
@@ -6150,7 +5731,7 @@
               <a:buClr>
                 <a:srgbClr val="092e5c"/>
               </a:buClr>
-              <a:buFont typeface="Symbol" charset="2"/>
+              <a:buFont typeface="Symbol"/>
               <a:buChar char=""/>
             </a:pPr>
             <a:r>
@@ -6164,14 +5745,11 @@
               <a:t>Only GeneralGridCoverage is addressed, other coverage types will follow later. </a:t>
             </a:r>
             <a:endParaRPr b="0" lang="en-US" sz="2000" spc="-1" strike="noStrike">
-              <a:solidFill>
-                <a:srgbClr val="44546a"/>
-              </a:solidFill>
-              <a:latin typeface="Arial"/>
-            </a:endParaRPr>
-          </a:p>
-          <a:p>
-            <a:pPr lvl="1" marL="569880" indent="-221760">
+              <a:latin typeface="Arial"/>
+            </a:endParaRPr>
+          </a:p>
+          <a:p>
+            <a:pPr lvl="1" marL="569880" indent="-221400">
               <a:lnSpc>
                 <a:spcPct val="100000"/>
               </a:lnSpc>
@@ -6181,7 +5759,7 @@
               <a:buClr>
                 <a:srgbClr val="092e5c"/>
               </a:buClr>
-              <a:buFont typeface="Symbol" charset="2"/>
+              <a:buFont typeface="Symbol"/>
               <a:buChar char=""/>
             </a:pPr>
             <a:r>
@@ -6195,14 +5773,11 @@
               <a:t>Only coverage extraction functionality is considered, not general processing</a:t>
             </a:r>
             <a:endParaRPr b="0" lang="en-US" sz="2000" spc="-1" strike="noStrike">
-              <a:solidFill>
-                <a:srgbClr val="44546a"/>
-              </a:solidFill>
-              <a:latin typeface="Arial"/>
-            </a:endParaRPr>
-          </a:p>
-          <a:p>
-            <a:pPr lvl="1" marL="569880" indent="-221760">
+              <a:latin typeface="Arial"/>
+            </a:endParaRPr>
+          </a:p>
+          <a:p>
+            <a:pPr lvl="1" marL="569880" indent="-221400">
               <a:lnSpc>
                 <a:spcPct val="100000"/>
               </a:lnSpc>
@@ -6212,7 +5787,7 @@
               <a:buClr>
                 <a:srgbClr val="092e5c"/>
               </a:buClr>
-              <a:buFont typeface="Symbol" charset="2"/>
+              <a:buFont typeface="Symbol"/>
               <a:buChar char=""/>
             </a:pPr>
             <a:r>
@@ -6226,9 +5801,6 @@
               <a:t>Subsetting is considered in the query component only for now. </a:t>
             </a:r>
             <a:endParaRPr b="0" lang="en-US" sz="2000" spc="-1" strike="noStrike">
-              <a:solidFill>
-                <a:srgbClr val="44546a"/>
-              </a:solidFill>
               <a:latin typeface="Arial"/>
             </a:endParaRPr>
           </a:p>
@@ -6242,24 +5814,21 @@
               </a:spcBef>
             </a:pPr>
             <a:endParaRPr b="0" lang="en-US" sz="2000" spc="-1" strike="noStrike">
-              <a:solidFill>
-                <a:srgbClr val="44546a"/>
-              </a:solidFill>
-              <a:latin typeface="Arial"/>
-            </a:endParaRPr>
-          </a:p>
-        </p:txBody>
-      </p:sp>
-      <p:sp>
-        <p:nvSpPr>
-          <p:cNvPr id="138" name="TextShape 3"/>
-          <p:cNvSpPr txBox="1"/>
+              <a:latin typeface="Arial"/>
+            </a:endParaRPr>
+          </a:p>
+        </p:txBody>
+      </p:sp>
+      <p:sp>
+        <p:nvSpPr>
+          <p:cNvPr id="133" name="CustomShape 3"/>
+          <p:cNvSpPr/>
           <p:nvPr/>
         </p:nvSpPr>
         <p:spPr>
           <a:xfrm>
             <a:off x="2973240" y="6553080"/>
-            <a:ext cx="3200040" cy="228240"/>
+            <a:ext cx="3199680" cy="227880"/>
           </a:xfrm>
           <a:prstGeom prst="rect">
             <a:avLst/>
@@ -6269,8 +5838,14 @@
             <a:noFill/>
           </a:ln>
         </p:spPr>
-        <p:txBody>
-          <a:bodyPr/>
+        <p:style>
+          <a:lnRef idx="0"/>
+          <a:fillRef idx="0"/>
+          <a:effectRef idx="0"/>
+          <a:fontRef idx="minor"/>
+        </p:style>
+        <p:txBody>
+          <a:bodyPr lIns="90000" rIns="90000" tIns="45000" bIns="45000"/>
           <a:p>
             <a:pPr algn="ctr">
               <a:lnSpc>
@@ -6288,7 +5863,7 @@
               <a:t>Copyright © 2019 Open Geospatial Consortium</a:t>
             </a:r>
             <a:endParaRPr b="0" lang="en-US" sz="900" spc="-1" strike="noStrike">
-              <a:latin typeface="Times New Roman"/>
+              <a:latin typeface="Arial"/>
             </a:endParaRPr>
           </a:p>
         </p:txBody>
@@ -6344,14 +5919,14 @@
       </p:grpSpPr>
       <p:sp>
         <p:nvSpPr>
-          <p:cNvPr id="139" name="TextShape 1"/>
-          <p:cNvSpPr txBox="1"/>
+          <p:cNvPr id="134" name="CustomShape 1"/>
+          <p:cNvSpPr/>
           <p:nvPr/>
         </p:nvSpPr>
         <p:spPr>
           <a:xfrm>
             <a:off x="231840" y="136440"/>
-            <a:ext cx="8683200" cy="685440"/>
+            <a:ext cx="8682840" cy="685080"/>
           </a:xfrm>
           <a:prstGeom prst="rect">
             <a:avLst/>
@@ -6361,8 +5936,14 @@
             <a:noFill/>
           </a:ln>
         </p:spPr>
-        <p:txBody>
-          <a:bodyPr anchor="ctr"/>
+        <p:style>
+          <a:lnRef idx="0"/>
+          <a:fillRef idx="0"/>
+          <a:effectRef idx="0"/>
+          <a:fontRef idx="minor"/>
+        </p:style>
+        <p:txBody>
+          <a:bodyPr lIns="90000" rIns="90000" tIns="45000" bIns="45000" anchor="ctr"/>
           <a:p>
             <a:pPr algn="ctr">
               <a:lnSpc>
@@ -6380,24 +5961,21 @@
               <a:t>OGC API Coverages - Paths</a:t>
             </a:r>
             <a:endParaRPr b="0" lang="en-US" sz="3200" spc="-1" strike="noStrike">
-              <a:solidFill>
-                <a:srgbClr val="000000"/>
-              </a:solidFill>
-              <a:latin typeface="CG Times"/>
-            </a:endParaRPr>
-          </a:p>
-        </p:txBody>
-      </p:sp>
-      <p:sp>
-        <p:nvSpPr>
-          <p:cNvPr id="140" name="TextShape 2"/>
-          <p:cNvSpPr txBox="1"/>
+              <a:latin typeface="Arial"/>
+            </a:endParaRPr>
+          </a:p>
+        </p:txBody>
+      </p:sp>
+      <p:sp>
+        <p:nvSpPr>
+          <p:cNvPr id="135" name="CustomShape 2"/>
+          <p:cNvSpPr/>
           <p:nvPr/>
         </p:nvSpPr>
         <p:spPr>
           <a:xfrm>
             <a:off x="685800" y="1135800"/>
-            <a:ext cx="8457840" cy="5416920"/>
+            <a:ext cx="8457480" cy="5416560"/>
           </a:xfrm>
           <a:prstGeom prst="rect">
             <a:avLst/>
@@ -6407,10 +5985,16 @@
             <a:noFill/>
           </a:ln>
         </p:spPr>
-        <p:txBody>
-          <a:bodyPr/>
-          <a:p>
-            <a:pPr marL="233280" indent="-232920">
+        <p:style>
+          <a:lnRef idx="0"/>
+          <a:fillRef idx="0"/>
+          <a:effectRef idx="0"/>
+          <a:fontRef idx="minor"/>
+        </p:style>
+        <p:txBody>
+          <a:bodyPr lIns="90000" rIns="90000" tIns="45000" bIns="45000"/>
+          <a:p>
+            <a:pPr marL="233280" indent="-232560">
               <a:lnSpc>
                 <a:spcPct val="100000"/>
               </a:lnSpc>
@@ -6420,7 +6004,7 @@
               <a:buClr>
                 <a:srgbClr val="092e5c"/>
               </a:buClr>
-              <a:buFont typeface="Symbol" charset="2"/>
+              <a:buFont typeface="Symbol"/>
               <a:buChar char=""/>
             </a:pPr>
             <a:r>
@@ -6434,14 +6018,11 @@
               <a:t>From Common</a:t>
             </a:r>
             <a:endParaRPr b="0" lang="en-US" sz="2000" spc="-1" strike="noStrike">
-              <a:solidFill>
-                <a:srgbClr val="44546a"/>
-              </a:solidFill>
-              <a:latin typeface="Arial"/>
-            </a:endParaRPr>
-          </a:p>
-          <a:p>
-            <a:pPr lvl="1" marL="569880" indent="-221760">
+              <a:latin typeface="Arial"/>
+            </a:endParaRPr>
+          </a:p>
+          <a:p>
+            <a:pPr lvl="1" marL="569880" indent="-221400">
               <a:lnSpc>
                 <a:spcPct val="100000"/>
               </a:lnSpc>
@@ -6451,7 +6032,7 @@
               <a:buClr>
                 <a:srgbClr val="092e5c"/>
               </a:buClr>
-              <a:buFont typeface="Symbol" charset="2"/>
+              <a:buFont typeface="Symbol"/>
               <a:buChar char=""/>
             </a:pPr>
             <a:r>
@@ -6465,14 +6046,11 @@
               <a:t>Path = /</a:t>
             </a:r>
             <a:endParaRPr b="0" lang="en-US" sz="1600" spc="-1" strike="noStrike">
-              <a:solidFill>
-                <a:srgbClr val="44546a"/>
-              </a:solidFill>
-              <a:latin typeface="Arial"/>
-            </a:endParaRPr>
-          </a:p>
-          <a:p>
-            <a:pPr lvl="1" marL="569880" indent="-221760">
+              <a:latin typeface="Arial"/>
+            </a:endParaRPr>
+          </a:p>
+          <a:p>
+            <a:pPr lvl="1" marL="569880" indent="-221400">
               <a:lnSpc>
                 <a:spcPct val="100000"/>
               </a:lnSpc>
@@ -6482,7 +6060,7 @@
               <a:buClr>
                 <a:srgbClr val="092e5c"/>
               </a:buClr>
-              <a:buFont typeface="Symbol" charset="2"/>
+              <a:buFont typeface="Symbol"/>
               <a:buChar char=""/>
             </a:pPr>
             <a:r>
@@ -6496,14 +6074,11 @@
               <a:t>Path = /api</a:t>
             </a:r>
             <a:endParaRPr b="0" lang="en-US" sz="1600" spc="-1" strike="noStrike">
-              <a:solidFill>
-                <a:srgbClr val="44546a"/>
-              </a:solidFill>
-              <a:latin typeface="Arial"/>
-            </a:endParaRPr>
-          </a:p>
-          <a:p>
-            <a:pPr lvl="1" marL="569880" indent="-221760">
+              <a:latin typeface="Arial"/>
+            </a:endParaRPr>
+          </a:p>
+          <a:p>
+            <a:pPr lvl="1" marL="569880" indent="-221400">
               <a:lnSpc>
                 <a:spcPct val="100000"/>
               </a:lnSpc>
@@ -6513,7 +6088,7 @@
               <a:buClr>
                 <a:srgbClr val="092e5c"/>
               </a:buClr>
-              <a:buFont typeface="Symbol" charset="2"/>
+              <a:buFont typeface="Symbol"/>
               <a:buChar char=""/>
             </a:pPr>
             <a:r>
@@ -6527,14 +6102,11 @@
               <a:t>Path = /conformance </a:t>
             </a:r>
             <a:endParaRPr b="0" lang="en-US" sz="1600" spc="-1" strike="noStrike">
-              <a:solidFill>
-                <a:srgbClr val="44546a"/>
-              </a:solidFill>
-              <a:latin typeface="Arial"/>
-            </a:endParaRPr>
-          </a:p>
-          <a:p>
-            <a:pPr lvl="1" marL="569880" indent="-221760">
+              <a:latin typeface="Arial"/>
+            </a:endParaRPr>
+          </a:p>
+          <a:p>
+            <a:pPr lvl="1" marL="569880" indent="-221400">
               <a:lnSpc>
                 <a:spcPct val="100000"/>
               </a:lnSpc>
@@ -6544,7 +6116,7 @@
               <a:buClr>
                 <a:srgbClr val="092e5c"/>
               </a:buClr>
-              <a:buFont typeface="Symbol" charset="2"/>
+              <a:buFont typeface="Symbol"/>
               <a:buChar char=""/>
             </a:pPr>
             <a:r>
@@ -6558,14 +6130,11 @@
               <a:t>Path = /collections/ </a:t>
             </a:r>
             <a:endParaRPr b="0" lang="en-US" sz="1600" spc="-1" strike="noStrike">
-              <a:solidFill>
-                <a:srgbClr val="44546a"/>
-              </a:solidFill>
-              <a:latin typeface="Arial"/>
-            </a:endParaRPr>
-          </a:p>
-          <a:p>
-            <a:pPr lvl="1" marL="569880" indent="-221760">
+              <a:latin typeface="Arial"/>
+            </a:endParaRPr>
+          </a:p>
+          <a:p>
+            <a:pPr lvl="1" marL="569880" indent="-221400">
               <a:lnSpc>
                 <a:spcPct val="100000"/>
               </a:lnSpc>
@@ -6575,7 +6144,7 @@
               <a:buClr>
                 <a:srgbClr val="092e5c"/>
               </a:buClr>
-              <a:buFont typeface="Symbol" charset="2"/>
+              <a:buFont typeface="Symbol"/>
               <a:buChar char=""/>
             </a:pPr>
             <a:r>
@@ -6589,14 +6158,11 @@
               <a:t>Path = /collections/{collectionId}</a:t>
             </a:r>
             <a:endParaRPr b="0" lang="en-US" sz="1600" spc="-1" strike="noStrike">
-              <a:solidFill>
-                <a:srgbClr val="44546a"/>
-              </a:solidFill>
-              <a:latin typeface="Arial"/>
-            </a:endParaRPr>
-          </a:p>
-          <a:p>
-            <a:pPr marL="233280" indent="-232920">
+              <a:latin typeface="Arial"/>
+            </a:endParaRPr>
+          </a:p>
+          <a:p>
+            <a:pPr marL="233280" indent="-232560">
               <a:lnSpc>
                 <a:spcPct val="100000"/>
               </a:lnSpc>
@@ -6606,7 +6172,7 @@
               <a:buClr>
                 <a:srgbClr val="092e5c"/>
               </a:buClr>
-              <a:buFont typeface="Symbol" charset="2"/>
+              <a:buFont typeface="Symbol"/>
               <a:buChar char=""/>
             </a:pPr>
             <a:r>
@@ -6620,14 +6186,11 @@
               <a:t>Path = /collections/{collectionId}/coverages</a:t>
             </a:r>
             <a:endParaRPr b="0" lang="en-US" sz="2000" spc="-1" strike="noStrike">
-              <a:solidFill>
-                <a:srgbClr val="44546a"/>
-              </a:solidFill>
-              <a:latin typeface="Arial"/>
-            </a:endParaRPr>
-          </a:p>
-          <a:p>
-            <a:pPr lvl="1" marL="569880" indent="-221760">
+              <a:latin typeface="Arial"/>
+            </a:endParaRPr>
+          </a:p>
+          <a:p>
+            <a:pPr lvl="1" marL="569880" indent="-221400">
               <a:lnSpc>
                 <a:spcPct val="100000"/>
               </a:lnSpc>
@@ -6637,7 +6200,7 @@
               <a:buClr>
                 <a:srgbClr val="092e5c"/>
               </a:buClr>
-              <a:buFont typeface="Symbol" charset="2"/>
+              <a:buFont typeface="Symbol"/>
               <a:buChar char=""/>
             </a:pPr>
             <a:r>
@@ -6651,14 +6214,11 @@
               <a:t>Returns list of coverages in the collection. Supports bbox parameter.</a:t>
             </a:r>
             <a:endParaRPr b="0" lang="en-US" sz="1600" spc="-1" strike="noStrike">
-              <a:solidFill>
-                <a:srgbClr val="44546a"/>
-              </a:solidFill>
-              <a:latin typeface="Arial"/>
-            </a:endParaRPr>
-          </a:p>
-          <a:p>
-            <a:pPr marL="233280" indent="-232920">
+              <a:latin typeface="Arial"/>
+            </a:endParaRPr>
+          </a:p>
+          <a:p>
+            <a:pPr marL="233280" indent="-232560">
               <a:lnSpc>
                 <a:spcPct val="100000"/>
               </a:lnSpc>
@@ -6668,7 +6228,7 @@
               <a:buClr>
                 <a:srgbClr val="092e5c"/>
               </a:buClr>
-              <a:buFont typeface="Symbol" charset="2"/>
+              <a:buFont typeface="Symbol"/>
               <a:buChar char=""/>
             </a:pPr>
             <a:r>
@@ -6682,14 +6242,11 @@
               <a:t>Path = /collections/{collectionId}/coverages/{coverageID}</a:t>
             </a:r>
             <a:endParaRPr b="0" lang="en-US" sz="2000" spc="-1" strike="noStrike">
-              <a:solidFill>
-                <a:srgbClr val="44546a"/>
-              </a:solidFill>
-              <a:latin typeface="Arial"/>
-            </a:endParaRPr>
-          </a:p>
-          <a:p>
-            <a:pPr lvl="1" marL="569880" indent="-221760">
+              <a:latin typeface="Arial"/>
+            </a:endParaRPr>
+          </a:p>
+          <a:p>
+            <a:pPr lvl="1" marL="569880" indent="-221400">
               <a:lnSpc>
                 <a:spcPct val="100000"/>
               </a:lnSpc>
@@ -6699,7 +6256,7 @@
               <a:buClr>
                 <a:srgbClr val="092e5c"/>
               </a:buClr>
-              <a:buFont typeface="Symbol" charset="2"/>
+              <a:buFont typeface="Symbol"/>
               <a:buChar char=""/>
             </a:pPr>
             <a:r>
@@ -6713,14 +6270,11 @@
               <a:t>Returns the coverage itself. Typically as an image file.</a:t>
             </a:r>
             <a:endParaRPr b="0" lang="en-US" sz="1600" spc="-1" strike="noStrike">
-              <a:solidFill>
-                <a:srgbClr val="44546a"/>
-              </a:solidFill>
-              <a:latin typeface="Arial"/>
-            </a:endParaRPr>
-          </a:p>
-          <a:p>
-            <a:pPr marL="233280" indent="-232920">
+              <a:latin typeface="Arial"/>
+            </a:endParaRPr>
+          </a:p>
+          <a:p>
+            <a:pPr marL="233280" indent="-232560">
               <a:lnSpc>
                 <a:spcPct val="100000"/>
               </a:lnSpc>
@@ -6730,7 +6284,7 @@
               <a:buClr>
                 <a:srgbClr val="092e5c"/>
               </a:buClr>
-              <a:buFont typeface="Symbol" charset="2"/>
+              <a:buFont typeface="Symbol"/>
               <a:buChar char=""/>
             </a:pPr>
             <a:r>
@@ -6744,14 +6298,11 @@
               <a:t>Path = /collections/{collectionId}/coverages/{coverageID}/domainset</a:t>
             </a:r>
             <a:endParaRPr b="0" lang="en-US" sz="2000" spc="-1" strike="noStrike">
-              <a:solidFill>
-                <a:srgbClr val="44546a"/>
-              </a:solidFill>
-              <a:latin typeface="Arial"/>
-            </a:endParaRPr>
-          </a:p>
-          <a:p>
-            <a:pPr lvl="1" marL="569880" indent="-221760">
+              <a:latin typeface="Arial"/>
+            </a:endParaRPr>
+          </a:p>
+          <a:p>
+            <a:pPr lvl="1" marL="569880" indent="-221400">
               <a:lnSpc>
                 <a:spcPct val="100000"/>
               </a:lnSpc>
@@ -6761,7 +6312,7 @@
               <a:buClr>
                 <a:srgbClr val="092e5c"/>
               </a:buClr>
-              <a:buFont typeface="Symbol" charset="2"/>
+              <a:buFont typeface="Symbol"/>
               <a:buChar char=""/>
             </a:pPr>
             <a:r>
@@ -6775,14 +6326,11 @@
               <a:t>Returns a description of the domain set of the coverage</a:t>
             </a:r>
             <a:endParaRPr b="0" lang="en-US" sz="1600" spc="-1" strike="noStrike">
-              <a:solidFill>
-                <a:srgbClr val="44546a"/>
-              </a:solidFill>
-              <a:latin typeface="Arial"/>
-            </a:endParaRPr>
-          </a:p>
-          <a:p>
-            <a:pPr marL="233280" indent="-232920">
+              <a:latin typeface="Arial"/>
+            </a:endParaRPr>
+          </a:p>
+          <a:p>
+            <a:pPr marL="233280" indent="-232560">
               <a:lnSpc>
                 <a:spcPct val="100000"/>
               </a:lnSpc>
@@ -6792,7 +6340,7 @@
               <a:buClr>
                 <a:srgbClr val="092e5c"/>
               </a:buClr>
-              <a:buFont typeface="Symbol" charset="2"/>
+              <a:buFont typeface="Symbol"/>
               <a:buChar char=""/>
             </a:pPr>
             <a:r>
@@ -6806,14 +6354,11 @@
               <a:t>Path = /collections/{collectionId}/coverages/{coverageID}/rangetype</a:t>
             </a:r>
             <a:endParaRPr b="0" lang="en-US" sz="2000" spc="-1" strike="noStrike">
-              <a:solidFill>
-                <a:srgbClr val="44546a"/>
-              </a:solidFill>
-              <a:latin typeface="Arial"/>
-            </a:endParaRPr>
-          </a:p>
-          <a:p>
-            <a:pPr lvl="1" marL="569880" indent="-221760">
+              <a:latin typeface="Arial"/>
+            </a:endParaRPr>
+          </a:p>
+          <a:p>
+            <a:pPr lvl="1" marL="569880" indent="-221400">
               <a:lnSpc>
                 <a:spcPct val="100000"/>
               </a:lnSpc>
@@ -6823,7 +6368,7 @@
               <a:buClr>
                 <a:srgbClr val="092e5c"/>
               </a:buClr>
-              <a:buFont typeface="Symbol" charset="2"/>
+              <a:buFont typeface="Symbol"/>
               <a:buChar char=""/>
             </a:pPr>
             <a:r>
@@ -6837,14 +6382,11 @@
               <a:t>Returns a description of the range type of the coverage</a:t>
             </a:r>
             <a:endParaRPr b="0" lang="en-US" sz="1600" spc="-1" strike="noStrike">
-              <a:solidFill>
-                <a:srgbClr val="44546a"/>
-              </a:solidFill>
-              <a:latin typeface="Arial"/>
-            </a:endParaRPr>
-          </a:p>
-          <a:p>
-            <a:pPr marL="233280" indent="-232920">
+              <a:latin typeface="Arial"/>
+            </a:endParaRPr>
+          </a:p>
+          <a:p>
+            <a:pPr marL="233280" indent="-232560">
               <a:lnSpc>
                 <a:spcPct val="100000"/>
               </a:lnSpc>
@@ -6854,7 +6396,7 @@
               <a:buClr>
                 <a:srgbClr val="092e5c"/>
               </a:buClr>
-              <a:buFont typeface="Symbol" charset="2"/>
+              <a:buFont typeface="Symbol"/>
               <a:buChar char=""/>
             </a:pPr>
             <a:r>
@@ -6868,21 +6410,21 @@
               <a:t>Path = /collections/{collectionId}/coverages/{coverageID}/metadata</a:t>
             </a:r>
             <a:endParaRPr b="0" lang="en-US" sz="2000" spc="-1" strike="noStrike">
-              <a:solidFill>
-                <a:srgbClr val="44546a"/>
-              </a:solidFill>
-              <a:latin typeface="Arial"/>
-            </a:endParaRPr>
-          </a:p>
-          <a:p>
-            <a:pPr lvl="1" marL="569880" indent="-221760">
+              <a:latin typeface="Arial"/>
+            </a:endParaRPr>
+          </a:p>
+          <a:p>
+            <a:pPr lvl="1" marL="569880" indent="-221400">
+              <a:lnSpc>
+                <a:spcPct val="100000"/>
+              </a:lnSpc>
               <a:spcBef>
                 <a:spcPts val="1134"/>
               </a:spcBef>
               <a:buClr>
                 <a:srgbClr val="092e5c"/>
               </a:buClr>
-              <a:buFont typeface="Symbol" charset="2"/>
+              <a:buFont typeface="Symbol"/>
               <a:buChar char=""/>
             </a:pPr>
             <a:r>
@@ -6896,21 +6438,21 @@
               <a:t>Returns additional metadata about a coverage.</a:t>
             </a:r>
             <a:endParaRPr b="0" lang="en-US" sz="1600" spc="-1" strike="noStrike">
-              <a:solidFill>
-                <a:srgbClr val="44546a"/>
-              </a:solidFill>
-              <a:latin typeface="Arial"/>
-            </a:endParaRPr>
-          </a:p>
-          <a:p>
-            <a:pPr marL="233280" indent="-232920">
+              <a:latin typeface="Arial"/>
+            </a:endParaRPr>
+          </a:p>
+          <a:p>
+            <a:pPr marL="233280" indent="-232560">
+              <a:lnSpc>
+                <a:spcPct val="100000"/>
+              </a:lnSpc>
               <a:spcBef>
                 <a:spcPts val="1417"/>
               </a:spcBef>
               <a:buClr>
                 <a:srgbClr val="092e5c"/>
               </a:buClr>
-              <a:buFont typeface="Symbol" charset="2"/>
+              <a:buFont typeface="Symbol"/>
               <a:buChar char=""/>
             </a:pPr>
             <a:r>
@@ -6924,24 +6466,21 @@
               <a:t> </a:t>
             </a:r>
             <a:endParaRPr b="0" lang="en-US" sz="2000" spc="-1" strike="noStrike">
-              <a:solidFill>
-                <a:srgbClr val="44546a"/>
-              </a:solidFill>
-              <a:latin typeface="Arial"/>
-            </a:endParaRPr>
-          </a:p>
-        </p:txBody>
-      </p:sp>
-      <p:sp>
-        <p:nvSpPr>
-          <p:cNvPr id="141" name="TextShape 3"/>
-          <p:cNvSpPr txBox="1"/>
+              <a:latin typeface="Arial"/>
+            </a:endParaRPr>
+          </a:p>
+        </p:txBody>
+      </p:sp>
+      <p:sp>
+        <p:nvSpPr>
+          <p:cNvPr id="136" name="CustomShape 3"/>
+          <p:cNvSpPr/>
           <p:nvPr/>
         </p:nvSpPr>
         <p:spPr>
           <a:xfrm>
             <a:off x="2973240" y="6553080"/>
-            <a:ext cx="3200040" cy="228240"/>
+            <a:ext cx="3199680" cy="227880"/>
           </a:xfrm>
           <a:prstGeom prst="rect">
             <a:avLst/>
@@ -6951,8 +6490,14 @@
             <a:noFill/>
           </a:ln>
         </p:spPr>
-        <p:txBody>
-          <a:bodyPr/>
+        <p:style>
+          <a:lnRef idx="0"/>
+          <a:fillRef idx="0"/>
+          <a:effectRef idx="0"/>
+          <a:fontRef idx="minor"/>
+        </p:style>
+        <p:txBody>
+          <a:bodyPr lIns="90000" rIns="90000" tIns="45000" bIns="45000"/>
           <a:p>
             <a:pPr algn="ctr">
               <a:lnSpc>
@@ -6970,7 +6515,7 @@
               <a:t>Copyright © 2019 Open Geospatial Consortium</a:t>
             </a:r>
             <a:endParaRPr b="0" lang="en-US" sz="900" spc="-1" strike="noStrike">
-              <a:latin typeface="Times New Roman"/>
+              <a:latin typeface="Arial"/>
             </a:endParaRPr>
           </a:p>
         </p:txBody>
@@ -7026,14 +6571,14 @@
       </p:grpSpPr>
       <p:sp>
         <p:nvSpPr>
-          <p:cNvPr id="142" name="TextShape 1"/>
-          <p:cNvSpPr txBox="1"/>
+          <p:cNvPr id="137" name="CustomShape 1"/>
+          <p:cNvSpPr/>
           <p:nvPr/>
         </p:nvSpPr>
         <p:spPr>
           <a:xfrm>
             <a:off x="231840" y="136440"/>
-            <a:ext cx="8683200" cy="685440"/>
+            <a:ext cx="8682840" cy="685080"/>
           </a:xfrm>
           <a:prstGeom prst="rect">
             <a:avLst/>
@@ -7043,8 +6588,14 @@
             <a:noFill/>
           </a:ln>
         </p:spPr>
-        <p:txBody>
-          <a:bodyPr anchor="ctr"/>
+        <p:style>
+          <a:lnRef idx="0"/>
+          <a:fillRef idx="0"/>
+          <a:effectRef idx="0"/>
+          <a:fontRef idx="minor"/>
+        </p:style>
+        <p:txBody>
+          <a:bodyPr lIns="90000" rIns="90000" tIns="45000" bIns="45000" anchor="ctr"/>
           <a:p>
             <a:pPr algn="ctr">
               <a:lnSpc>
@@ -7062,24 +6613,21 @@
               <a:t>OGC API Coverages - Issues</a:t>
             </a:r>
             <a:endParaRPr b="0" lang="en-US" sz="3200" spc="-1" strike="noStrike">
-              <a:solidFill>
-                <a:srgbClr val="000000"/>
-              </a:solidFill>
-              <a:latin typeface="CG Times"/>
-            </a:endParaRPr>
-          </a:p>
-        </p:txBody>
-      </p:sp>
-      <p:sp>
-        <p:nvSpPr>
-          <p:cNvPr id="143" name="TextShape 2"/>
-          <p:cNvSpPr txBox="1"/>
+              <a:latin typeface="Arial"/>
+            </a:endParaRPr>
+          </a:p>
+        </p:txBody>
+      </p:sp>
+      <p:sp>
+        <p:nvSpPr>
+          <p:cNvPr id="138" name="CustomShape 2"/>
+          <p:cNvSpPr/>
           <p:nvPr/>
         </p:nvSpPr>
         <p:spPr>
           <a:xfrm>
             <a:off x="345960" y="1279440"/>
-            <a:ext cx="8457840" cy="3368160"/>
+            <a:ext cx="8457480" cy="3367800"/>
           </a:xfrm>
           <a:prstGeom prst="rect">
             <a:avLst/>
@@ -7089,10 +6637,16 @@
             <a:noFill/>
           </a:ln>
         </p:spPr>
-        <p:txBody>
-          <a:bodyPr/>
-          <a:p>
-            <a:pPr marL="233280" indent="-232920">
+        <p:style>
+          <a:lnRef idx="0"/>
+          <a:fillRef idx="0"/>
+          <a:effectRef idx="0"/>
+          <a:fontRef idx="minor"/>
+        </p:style>
+        <p:txBody>
+          <a:bodyPr lIns="90000" rIns="90000" tIns="45000" bIns="45000"/>
+          <a:p>
+            <a:pPr marL="233280" indent="-232560">
               <a:lnSpc>
                 <a:spcPct val="100000"/>
               </a:lnSpc>
@@ -7102,7 +6656,7 @@
               <a:buClr>
                 <a:srgbClr val="092e5c"/>
               </a:buClr>
-              <a:buFont typeface="Symbol" charset="2"/>
+              <a:buFont typeface="Symbol"/>
               <a:buChar char=""/>
             </a:pPr>
             <a:r>
@@ -7116,14 +6670,14 @@
               <a:t>Issue 21: Tree structure vs features API</a:t>
             </a:r>
             <a:endParaRPr b="0" lang="en-US" sz="2000" spc="-1" strike="noStrike">
-              <a:solidFill>
-                <a:srgbClr val="44546a"/>
-              </a:solidFill>
-              <a:latin typeface="Arial"/>
-            </a:endParaRPr>
-          </a:p>
-          <a:p>
-            <a:pPr lvl="1" marL="864000" indent="-324000">
+              <a:latin typeface="Arial"/>
+            </a:endParaRPr>
+          </a:p>
+          <a:p>
+            <a:pPr lvl="1" marL="864000" indent="-323640">
+              <a:lnSpc>
+                <a:spcPct val="100000"/>
+              </a:lnSpc>
               <a:spcBef>
                 <a:spcPts val="1134"/>
               </a:spcBef>
@@ -7131,7 +6685,7 @@
                 <a:srgbClr val="000000"/>
               </a:buClr>
               <a:buSzPct val="75000"/>
-              <a:buFont typeface="Symbol" charset="2"/>
+              <a:buFont typeface="Symbol"/>
               <a:buChar char=""/>
             </a:pPr>
             <a:r>
@@ -7145,14 +6699,11 @@
               <a:t>features and coverages in same service?</a:t>
             </a:r>
             <a:endParaRPr b="0" lang="en-US" sz="2000" spc="-1" strike="noStrike">
-              <a:solidFill>
-                <a:srgbClr val="44546a"/>
-              </a:solidFill>
-              <a:latin typeface="Arial"/>
-            </a:endParaRPr>
-          </a:p>
-          <a:p>
-            <a:pPr marL="233280" indent="-232920">
+              <a:latin typeface="Arial"/>
+            </a:endParaRPr>
+          </a:p>
+          <a:p>
+            <a:pPr marL="233280" indent="-232560">
               <a:lnSpc>
                 <a:spcPct val="100000"/>
               </a:lnSpc>
@@ -7162,7 +6713,7 @@
               <a:buClr>
                 <a:srgbClr val="092e5c"/>
               </a:buClr>
-              <a:buFont typeface="Symbol" charset="2"/>
+              <a:buFont typeface="Symbol"/>
               <a:buChar char=""/>
             </a:pPr>
             <a:r>
@@ -7176,14 +6727,14 @@
               <a:t>Issue 19: Identifier syntax for OAPI Common</a:t>
             </a:r>
             <a:endParaRPr b="0" lang="en-US" sz="2000" spc="-1" strike="noStrike">
-              <a:solidFill>
-                <a:srgbClr val="44546a"/>
-              </a:solidFill>
-              <a:latin typeface="Arial"/>
-            </a:endParaRPr>
-          </a:p>
-          <a:p>
-            <a:pPr lvl="1" marL="864000" indent="-324000">
+              <a:latin typeface="Arial"/>
+            </a:endParaRPr>
+          </a:p>
+          <a:p>
+            <a:pPr lvl="1" marL="864000" indent="-323640">
+              <a:lnSpc>
+                <a:spcPct val="100000"/>
+              </a:lnSpc>
               <a:spcBef>
                 <a:spcPts val="1134"/>
               </a:spcBef>
@@ -7191,7 +6742,7 @@
                 <a:srgbClr val="000000"/>
               </a:buClr>
               <a:buSzPct val="75000"/>
-              <a:buFont typeface="Symbol" charset="2"/>
+              <a:buFont typeface="Symbol"/>
               <a:buChar char=""/>
             </a:pPr>
             <a:r>
@@ -7205,14 +6756,11 @@
               <a:t>any restrictions (cf. NCNAME)</a:t>
             </a:r>
             <a:endParaRPr b="0" lang="en-US" sz="2000" spc="-1" strike="noStrike">
-              <a:solidFill>
-                <a:srgbClr val="44546a"/>
-              </a:solidFill>
-              <a:latin typeface="Arial"/>
-            </a:endParaRPr>
-          </a:p>
-          <a:p>
-            <a:pPr marL="233280" indent="-232920">
+              <a:latin typeface="Arial"/>
+            </a:endParaRPr>
+          </a:p>
+          <a:p>
+            <a:pPr marL="233280" indent="-232560">
               <a:lnSpc>
                 <a:spcPct val="100000"/>
               </a:lnSpc>
@@ -7222,7 +6770,7 @@
               <a:buClr>
                 <a:srgbClr val="092e5c"/>
               </a:buClr>
-              <a:buFont typeface="Symbol" charset="2"/>
+              <a:buFont typeface="Symbol"/>
               <a:buChar char=""/>
             </a:pPr>
             <a:r>
@@ -7236,14 +6784,14 @@
               <a:t>Issue 15: What extensions should API Coverages have?</a:t>
             </a:r>
             <a:endParaRPr b="0" lang="en-US" sz="2000" spc="-1" strike="noStrike">
-              <a:solidFill>
-                <a:srgbClr val="44546a"/>
-              </a:solidFill>
-              <a:latin typeface="Arial"/>
-            </a:endParaRPr>
-          </a:p>
-          <a:p>
-            <a:pPr lvl="1" marL="864000" indent="-324000">
+              <a:latin typeface="Arial"/>
+            </a:endParaRPr>
+          </a:p>
+          <a:p>
+            <a:pPr lvl="1" marL="864000" indent="-323640">
+              <a:lnSpc>
+                <a:spcPct val="100000"/>
+              </a:lnSpc>
               <a:spcBef>
                 <a:spcPts val="1134"/>
               </a:spcBef>
@@ -7251,7 +6799,7 @@
                 <a:srgbClr val="000000"/>
               </a:buClr>
               <a:buSzPct val="75000"/>
-              <a:buFont typeface="Symbol" charset="2"/>
+              <a:buFont typeface="Symbol"/>
               <a:buChar char=""/>
             </a:pPr>
             <a:r>
@@ -7265,14 +6813,14 @@
               <a:t>CRS transformation extension - part of common?</a:t>
             </a:r>
             <a:endParaRPr b="0" lang="en-US" sz="2000" spc="-1" strike="noStrike">
-              <a:solidFill>
-                <a:srgbClr val="44546a"/>
-              </a:solidFill>
-              <a:latin typeface="Arial"/>
-            </a:endParaRPr>
-          </a:p>
-          <a:p>
-            <a:pPr lvl="1" marL="864000" indent="-324000">
+              <a:latin typeface="Arial"/>
+            </a:endParaRPr>
+          </a:p>
+          <a:p>
+            <a:pPr lvl="1" marL="864000" indent="-323640">
+              <a:lnSpc>
+                <a:spcPct val="100000"/>
+              </a:lnSpc>
               <a:spcBef>
                 <a:spcPts val="1134"/>
               </a:spcBef>
@@ -7280,7 +6828,7 @@
                 <a:srgbClr val="000000"/>
               </a:buClr>
               <a:buSzPct val="75000"/>
-              <a:buFont typeface="Symbol" charset="2"/>
+              <a:buFont typeface="Symbol"/>
               <a:buChar char=""/>
             </a:pPr>
             <a:r>
@@ -7294,24 +6842,21 @@
               <a:t>Guidance for extensions &amp; application profiles</a:t>
             </a:r>
             <a:endParaRPr b="0" lang="en-US" sz="2000" spc="-1" strike="noStrike">
-              <a:solidFill>
-                <a:srgbClr val="44546a"/>
-              </a:solidFill>
-              <a:latin typeface="Arial"/>
-            </a:endParaRPr>
-          </a:p>
-        </p:txBody>
-      </p:sp>
-      <p:sp>
-        <p:nvSpPr>
-          <p:cNvPr id="144" name="TextShape 3"/>
-          <p:cNvSpPr txBox="1"/>
+              <a:latin typeface="Arial"/>
+            </a:endParaRPr>
+          </a:p>
+        </p:txBody>
+      </p:sp>
+      <p:sp>
+        <p:nvSpPr>
+          <p:cNvPr id="139" name="CustomShape 3"/>
+          <p:cNvSpPr/>
           <p:nvPr/>
         </p:nvSpPr>
         <p:spPr>
           <a:xfrm>
             <a:off x="2973240" y="6553080"/>
-            <a:ext cx="3200040" cy="228240"/>
+            <a:ext cx="3199680" cy="227880"/>
           </a:xfrm>
           <a:prstGeom prst="rect">
             <a:avLst/>
@@ -7321,8 +6866,14 @@
             <a:noFill/>
           </a:ln>
         </p:spPr>
-        <p:txBody>
-          <a:bodyPr/>
+        <p:style>
+          <a:lnRef idx="0"/>
+          <a:fillRef idx="0"/>
+          <a:effectRef idx="0"/>
+          <a:fontRef idx="minor"/>
+        </p:style>
+        <p:txBody>
+          <a:bodyPr lIns="90000" rIns="90000" tIns="45000" bIns="45000"/>
           <a:p>
             <a:pPr algn="ctr">
               <a:lnSpc>
@@ -7340,21 +6891,21 @@
               <a:t>Copyright © 2019 Open Geospatial Consortium</a:t>
             </a:r>
             <a:endParaRPr b="0" lang="en-US" sz="900" spc="-1" strike="noStrike">
-              <a:latin typeface="Times New Roman"/>
-            </a:endParaRPr>
-          </a:p>
-        </p:txBody>
-      </p:sp>
-      <p:sp>
-        <p:nvSpPr>
-          <p:cNvPr id="145" name="CustomShape 4"/>
+              <a:latin typeface="Arial"/>
+            </a:endParaRPr>
+          </a:p>
+        </p:txBody>
+      </p:sp>
+      <p:sp>
+        <p:nvSpPr>
+          <p:cNvPr id="140" name="CustomShape 4"/>
           <p:cNvSpPr/>
           <p:nvPr/>
         </p:nvSpPr>
         <p:spPr>
           <a:xfrm>
             <a:off x="838080" y="5105520"/>
-            <a:ext cx="7543440" cy="472680"/>
+            <a:ext cx="7543080" cy="472320"/>
           </a:xfrm>
           <a:prstGeom prst="rect">
             <a:avLst/>
@@ -7449,14 +7000,14 @@
       </p:grpSpPr>
       <p:sp>
         <p:nvSpPr>
-          <p:cNvPr id="146" name="TextShape 1"/>
-          <p:cNvSpPr txBox="1"/>
+          <p:cNvPr id="141" name="CustomShape 1"/>
+          <p:cNvSpPr/>
           <p:nvPr/>
         </p:nvSpPr>
         <p:spPr>
           <a:xfrm>
             <a:off x="231840" y="136440"/>
-            <a:ext cx="8683200" cy="685440"/>
+            <a:ext cx="8682840" cy="685080"/>
           </a:xfrm>
           <a:prstGeom prst="rect">
             <a:avLst/>
@@ -7466,8 +7017,14 @@
             <a:noFill/>
           </a:ln>
         </p:spPr>
-        <p:txBody>
-          <a:bodyPr anchor="ctr"/>
+        <p:style>
+          <a:lnRef idx="0"/>
+          <a:fillRef idx="0"/>
+          <a:effectRef idx="0"/>
+          <a:fontRef idx="minor"/>
+        </p:style>
+        <p:txBody>
+          <a:bodyPr lIns="90000" rIns="90000" tIns="45000" bIns="45000" anchor="ctr"/>
           <a:p>
             <a:pPr algn="ctr">
               <a:lnSpc>
@@ -7485,24 +7042,21 @@
               <a:t>OGC API Coverages - Issues</a:t>
             </a:r>
             <a:endParaRPr b="0" lang="en-US" sz="3200" spc="-1" strike="noStrike">
-              <a:solidFill>
-                <a:srgbClr val="000000"/>
-              </a:solidFill>
-              <a:latin typeface="CG Times"/>
-            </a:endParaRPr>
-          </a:p>
-        </p:txBody>
-      </p:sp>
-      <p:sp>
-        <p:nvSpPr>
-          <p:cNvPr id="147" name="TextShape 2"/>
-          <p:cNvSpPr txBox="1"/>
+              <a:latin typeface="Arial"/>
+            </a:endParaRPr>
+          </a:p>
+        </p:txBody>
+      </p:sp>
+      <p:sp>
+        <p:nvSpPr>
+          <p:cNvPr id="142" name="CustomShape 2"/>
+          <p:cNvSpPr/>
           <p:nvPr/>
         </p:nvSpPr>
         <p:spPr>
           <a:xfrm>
             <a:off x="345960" y="1279440"/>
-            <a:ext cx="8457840" cy="3368160"/>
+            <a:ext cx="8457480" cy="3367800"/>
           </a:xfrm>
           <a:prstGeom prst="rect">
             <a:avLst/>
@@ -7512,10 +7066,16 @@
             <a:noFill/>
           </a:ln>
         </p:spPr>
-        <p:txBody>
-          <a:bodyPr/>
-          <a:p>
-            <a:pPr marL="233280" indent="-232920">
+        <p:style>
+          <a:lnRef idx="0"/>
+          <a:fillRef idx="0"/>
+          <a:effectRef idx="0"/>
+          <a:fontRef idx="minor"/>
+        </p:style>
+        <p:txBody>
+          <a:bodyPr lIns="90000" rIns="90000" tIns="45000" bIns="45000"/>
+          <a:p>
+            <a:pPr marL="233280" indent="-232560">
               <a:lnSpc>
                 <a:spcPct val="100000"/>
               </a:lnSpc>
@@ -7525,7 +7085,7 @@
               <a:buClr>
                 <a:srgbClr val="092e5c"/>
               </a:buClr>
-              <a:buFont typeface="Symbol" charset="2"/>
+              <a:buFont typeface="Symbol"/>
               <a:buChar char=""/>
             </a:pPr>
             <a:r>
@@ -7539,14 +7099,14 @@
               <a:t>HTML representation</a:t>
             </a:r>
             <a:endParaRPr b="0" lang="en-US" sz="2000" spc="-1" strike="noStrike">
-              <a:solidFill>
-                <a:srgbClr val="44546a"/>
-              </a:solidFill>
-              <a:latin typeface="Arial"/>
-            </a:endParaRPr>
-          </a:p>
-          <a:p>
-            <a:pPr lvl="1" marL="864000" indent="-324000">
+              <a:latin typeface="Arial"/>
+            </a:endParaRPr>
+          </a:p>
+          <a:p>
+            <a:pPr lvl="1" marL="864000" indent="-323640">
+              <a:lnSpc>
+                <a:spcPct val="100000"/>
+              </a:lnSpc>
               <a:spcBef>
                 <a:spcPts val="1134"/>
               </a:spcBef>
@@ -7554,7 +7114,7 @@
                 <a:srgbClr val="000000"/>
               </a:buClr>
               <a:buSzPct val="75000"/>
-              <a:buFont typeface="Symbol" charset="2"/>
+              <a:buFont typeface="Symbol"/>
               <a:buChar char=""/>
             </a:pPr>
             <a:r>
@@ -7568,14 +7128,14 @@
               <a:t>Issue 13: HTML not optimal for findabilty/discovery</a:t>
             </a:r>
             <a:endParaRPr b="0" lang="en-US" sz="2000" spc="-1" strike="noStrike">
-              <a:solidFill>
-                <a:srgbClr val="44546a"/>
-              </a:solidFill>
-              <a:latin typeface="Arial"/>
-            </a:endParaRPr>
-          </a:p>
-          <a:p>
-            <a:pPr lvl="1" marL="864000" indent="-324000">
+              <a:latin typeface="Arial"/>
+            </a:endParaRPr>
+          </a:p>
+          <a:p>
+            <a:pPr lvl="1" marL="864000" indent="-323640">
+              <a:lnSpc>
+                <a:spcPct val="100000"/>
+              </a:lnSpc>
               <a:spcBef>
                 <a:spcPts val="1134"/>
               </a:spcBef>
@@ -7583,7 +7143,7 @@
                 <a:srgbClr val="000000"/>
               </a:buClr>
               <a:buSzPct val="75000"/>
-              <a:buFont typeface="Symbol" charset="2"/>
+              <a:buFont typeface="Symbol"/>
               <a:buChar char=""/>
             </a:pPr>
             <a:r>
@@ -7597,14 +7157,14 @@
               <a:t>Issue 14: Coverage representation in HTML</a:t>
             </a:r>
             <a:endParaRPr b="0" lang="en-US" sz="2000" spc="-1" strike="noStrike">
-              <a:solidFill>
-                <a:srgbClr val="44546a"/>
-              </a:solidFill>
-              <a:latin typeface="Arial"/>
-            </a:endParaRPr>
-          </a:p>
-          <a:p>
-            <a:pPr lvl="1" marL="864000" indent="-324000">
+              <a:latin typeface="Arial"/>
+            </a:endParaRPr>
+          </a:p>
+          <a:p>
+            <a:pPr lvl="1" marL="864000" indent="-323640">
+              <a:lnSpc>
+                <a:spcPct val="100000"/>
+              </a:lnSpc>
               <a:spcBef>
                 <a:spcPts val="1134"/>
               </a:spcBef>
@@ -7612,7 +7172,7 @@
                 <a:srgbClr val="000000"/>
               </a:buClr>
               <a:buSzPct val="75000"/>
-              <a:buFont typeface="Symbol" charset="2"/>
+              <a:buFont typeface="Symbol"/>
               <a:buChar char=""/>
             </a:pPr>
             <a:r>
@@ -7626,14 +7186,11 @@
               <a:t>Hypermedia As The Engine Of Application State (HATEOAS) https://en.wikipedia.org/wiki/HATEOAS</a:t>
             </a:r>
             <a:endParaRPr b="0" lang="en-US" sz="2000" spc="-1" strike="noStrike">
-              <a:solidFill>
-                <a:srgbClr val="44546a"/>
-              </a:solidFill>
-              <a:latin typeface="Arial"/>
-            </a:endParaRPr>
-          </a:p>
-          <a:p>
-            <a:pPr marL="233280" indent="-232920">
+              <a:latin typeface="Arial"/>
+            </a:endParaRPr>
+          </a:p>
+          <a:p>
+            <a:pPr marL="233280" indent="-232560">
               <a:lnSpc>
                 <a:spcPct val="100000"/>
               </a:lnSpc>
@@ -7643,7 +7200,7 @@
               <a:buClr>
                 <a:srgbClr val="092e5c"/>
               </a:buClr>
-              <a:buFont typeface="Symbol" charset="2"/>
+              <a:buFont typeface="Symbol"/>
               <a:buChar char=""/>
             </a:pPr>
             <a:r>
@@ -7657,14 +7214,14 @@
               <a:t>Issue 9: Make use of HTTP headers</a:t>
             </a:r>
             <a:endParaRPr b="0" lang="en-US" sz="2000" spc="-1" strike="noStrike">
-              <a:solidFill>
-                <a:srgbClr val="44546a"/>
-              </a:solidFill>
-              <a:latin typeface="Arial"/>
-            </a:endParaRPr>
-          </a:p>
-          <a:p>
-            <a:pPr lvl="1" marL="864000" indent="-324000">
+              <a:latin typeface="Arial"/>
+            </a:endParaRPr>
+          </a:p>
+          <a:p>
+            <a:pPr lvl="1" marL="864000" indent="-323640">
+              <a:lnSpc>
+                <a:spcPct val="100000"/>
+              </a:lnSpc>
               <a:spcBef>
                 <a:spcPts val="1134"/>
               </a:spcBef>
@@ -7672,7 +7229,7 @@
                 <a:srgbClr val="000000"/>
               </a:buClr>
               <a:buSzPct val="75000"/>
-              <a:buFont typeface="Symbol" charset="2"/>
+              <a:buFont typeface="Symbol"/>
               <a:buChar char=""/>
             </a:pPr>
             <a:r>
@@ -7686,14 +7243,14 @@
               <a:t>Multiple formats in one request (multipart/related; JSON + GeoTIFF)</a:t>
             </a:r>
             <a:endParaRPr b="0" lang="en-US" sz="2000" spc="-1" strike="noStrike">
-              <a:solidFill>
-                <a:srgbClr val="44546a"/>
-              </a:solidFill>
-              <a:latin typeface="Arial"/>
-            </a:endParaRPr>
-          </a:p>
-          <a:p>
-            <a:pPr lvl="1" marL="864000" indent="-324000">
+              <a:latin typeface="Arial"/>
+            </a:endParaRPr>
+          </a:p>
+          <a:p>
+            <a:pPr lvl="1" marL="864000" indent="-323640">
+              <a:lnSpc>
+                <a:spcPct val="100000"/>
+              </a:lnSpc>
               <a:spcBef>
                 <a:spcPts val="1134"/>
               </a:spcBef>
@@ -7701,7 +7258,7 @@
                 <a:srgbClr val="000000"/>
               </a:buClr>
               <a:buSzPct val="75000"/>
-              <a:buFont typeface="Symbol" charset="2"/>
+              <a:buFont typeface="Symbol"/>
               <a:buChar char=""/>
             </a:pPr>
             <a:r>
@@ -7715,14 +7272,11 @@
               <a:t>Guidance from common (#28)</a:t>
             </a:r>
             <a:endParaRPr b="0" lang="en-US" sz="2000" spc="-1" strike="noStrike">
-              <a:solidFill>
-                <a:srgbClr val="44546a"/>
-              </a:solidFill>
-              <a:latin typeface="Arial"/>
-            </a:endParaRPr>
-          </a:p>
-          <a:p>
-            <a:pPr marL="233280" indent="-232920">
+              <a:latin typeface="Arial"/>
+            </a:endParaRPr>
+          </a:p>
+          <a:p>
+            <a:pPr marL="233280" indent="-232560">
               <a:lnSpc>
                 <a:spcPct val="100000"/>
               </a:lnSpc>
@@ -7732,7 +7286,7 @@
               <a:buClr>
                 <a:srgbClr val="092e5c"/>
               </a:buClr>
-              <a:buFont typeface="Symbol" charset="2"/>
+              <a:buFont typeface="Symbol"/>
               <a:buChar char=""/>
             </a:pPr>
             <a:r>
@@ -7746,24 +7300,21 @@
               <a:t> </a:t>
             </a:r>
             <a:endParaRPr b="0" lang="en-US" sz="2000" spc="-1" strike="noStrike">
-              <a:solidFill>
-                <a:srgbClr val="44546a"/>
-              </a:solidFill>
-              <a:latin typeface="Arial"/>
-            </a:endParaRPr>
-          </a:p>
-        </p:txBody>
-      </p:sp>
-      <p:sp>
-        <p:nvSpPr>
-          <p:cNvPr id="148" name="TextShape 3"/>
-          <p:cNvSpPr txBox="1"/>
+              <a:latin typeface="Arial"/>
+            </a:endParaRPr>
+          </a:p>
+        </p:txBody>
+      </p:sp>
+      <p:sp>
+        <p:nvSpPr>
+          <p:cNvPr id="143" name="CustomShape 3"/>
+          <p:cNvSpPr/>
           <p:nvPr/>
         </p:nvSpPr>
         <p:spPr>
           <a:xfrm>
             <a:off x="2973240" y="6553080"/>
-            <a:ext cx="3200040" cy="228240"/>
+            <a:ext cx="3199680" cy="227880"/>
           </a:xfrm>
           <a:prstGeom prst="rect">
             <a:avLst/>
@@ -7773,8 +7324,14 @@
             <a:noFill/>
           </a:ln>
         </p:spPr>
-        <p:txBody>
-          <a:bodyPr/>
+        <p:style>
+          <a:lnRef idx="0"/>
+          <a:fillRef idx="0"/>
+          <a:effectRef idx="0"/>
+          <a:fontRef idx="minor"/>
+        </p:style>
+        <p:txBody>
+          <a:bodyPr lIns="90000" rIns="90000" tIns="45000" bIns="45000"/>
           <a:p>
             <a:pPr algn="ctr">
               <a:lnSpc>
@@ -7792,21 +7349,21 @@
               <a:t>Copyright © 2019 Open Geospatial Consortium</a:t>
             </a:r>
             <a:endParaRPr b="0" lang="en-US" sz="900" spc="-1" strike="noStrike">
-              <a:latin typeface="Times New Roman"/>
-            </a:endParaRPr>
-          </a:p>
-        </p:txBody>
-      </p:sp>
-      <p:sp>
-        <p:nvSpPr>
-          <p:cNvPr id="149" name="CustomShape 4"/>
+              <a:latin typeface="Arial"/>
+            </a:endParaRPr>
+          </a:p>
+        </p:txBody>
+      </p:sp>
+      <p:sp>
+        <p:nvSpPr>
+          <p:cNvPr id="144" name="CustomShape 4"/>
           <p:cNvSpPr/>
           <p:nvPr/>
         </p:nvSpPr>
         <p:spPr>
           <a:xfrm>
             <a:off x="838080" y="5105520"/>
-            <a:ext cx="7543440" cy="472680"/>
+            <a:ext cx="7543080" cy="472320"/>
           </a:xfrm>
           <a:prstGeom prst="rect">
             <a:avLst/>
@@ -7901,14 +7458,14 @@
       </p:grpSpPr>
       <p:sp>
         <p:nvSpPr>
-          <p:cNvPr id="150" name="TextShape 1"/>
-          <p:cNvSpPr txBox="1"/>
+          <p:cNvPr id="145" name="CustomShape 1"/>
+          <p:cNvSpPr/>
           <p:nvPr/>
         </p:nvSpPr>
         <p:spPr>
           <a:xfrm>
             <a:off x="231840" y="136440"/>
-            <a:ext cx="8683200" cy="685440"/>
+            <a:ext cx="8682840" cy="685080"/>
           </a:xfrm>
           <a:prstGeom prst="rect">
             <a:avLst/>
@@ -7918,8 +7475,14 @@
             <a:noFill/>
           </a:ln>
         </p:spPr>
-        <p:txBody>
-          <a:bodyPr anchor="ctr"/>
+        <p:style>
+          <a:lnRef idx="0"/>
+          <a:fillRef idx="0"/>
+          <a:effectRef idx="0"/>
+          <a:fontRef idx="minor"/>
+        </p:style>
+        <p:txBody>
+          <a:bodyPr lIns="90000" rIns="90000" tIns="45000" bIns="45000" anchor="ctr"/>
           <a:p>
             <a:pPr algn="ctr">
               <a:lnSpc>
@@ -7937,24 +7500,21 @@
               <a:t>OGC API Coverages - Issues</a:t>
             </a:r>
             <a:endParaRPr b="0" lang="en-US" sz="3200" spc="-1" strike="noStrike">
-              <a:solidFill>
-                <a:srgbClr val="000000"/>
-              </a:solidFill>
-              <a:latin typeface="CG Times"/>
-            </a:endParaRPr>
-          </a:p>
-        </p:txBody>
-      </p:sp>
-      <p:sp>
-        <p:nvSpPr>
-          <p:cNvPr id="151" name="TextShape 2"/>
-          <p:cNvSpPr txBox="1"/>
+              <a:latin typeface="Arial"/>
+            </a:endParaRPr>
+          </a:p>
+        </p:txBody>
+      </p:sp>
+      <p:sp>
+        <p:nvSpPr>
+          <p:cNvPr id="146" name="CustomShape 2"/>
+          <p:cNvSpPr/>
           <p:nvPr/>
         </p:nvSpPr>
         <p:spPr>
           <a:xfrm>
             <a:off x="345960" y="1279440"/>
-            <a:ext cx="8457840" cy="3368160"/>
+            <a:ext cx="8457480" cy="3367800"/>
           </a:xfrm>
           <a:prstGeom prst="rect">
             <a:avLst/>
@@ -7964,10 +7524,16 @@
             <a:noFill/>
           </a:ln>
         </p:spPr>
-        <p:txBody>
-          <a:bodyPr/>
-          <a:p>
-            <a:pPr marL="233280" indent="-232920">
+        <p:style>
+          <a:lnRef idx="0"/>
+          <a:fillRef idx="0"/>
+          <a:effectRef idx="0"/>
+          <a:fontRef idx="minor"/>
+        </p:style>
+        <p:txBody>
+          <a:bodyPr lIns="90000" rIns="90000" tIns="45000" bIns="45000"/>
+          <a:p>
+            <a:pPr marL="233280" indent="-232560">
               <a:lnSpc>
                 <a:spcPct val="100000"/>
               </a:lnSpc>
@@ -7977,7 +7543,7 @@
               <a:buClr>
                 <a:srgbClr val="092e5c"/>
               </a:buClr>
-              <a:buFont typeface="Symbol" charset="2"/>
+              <a:buFont typeface="Symbol"/>
               <a:buChar char=""/>
             </a:pPr>
             <a:r>
@@ -7991,14 +7557,14 @@
               <a:t>Issue 8: Coverage collections</a:t>
             </a:r>
             <a:endParaRPr b="0" lang="en-US" sz="2000" spc="-1" strike="noStrike">
-              <a:solidFill>
-                <a:srgbClr val="44546a"/>
-              </a:solidFill>
-              <a:latin typeface="Arial"/>
-            </a:endParaRPr>
-          </a:p>
-          <a:p>
-            <a:pPr lvl="1" marL="864000" indent="-324000">
+              <a:latin typeface="Arial"/>
+            </a:endParaRPr>
+          </a:p>
+          <a:p>
+            <a:pPr lvl="1" marL="864000" indent="-323640">
+              <a:lnSpc>
+                <a:spcPct val="100000"/>
+              </a:lnSpc>
               <a:spcBef>
                 <a:spcPts val="1134"/>
               </a:spcBef>
@@ -8006,7 +7572,7 @@
                 <a:srgbClr val="000000"/>
               </a:buClr>
               <a:buSzPct val="75000"/>
-              <a:buFont typeface="Symbol" charset="2"/>
+              <a:buFont typeface="Symbol"/>
               <a:buChar char=""/>
             </a:pPr>
             <a:r>
@@ -8020,14 +7586,14 @@
               <a:t>Hierarchies, nesting, member of more than one set, and not member of any set</a:t>
             </a:r>
             <a:endParaRPr b="0" lang="en-US" sz="2000" spc="-1" strike="noStrike">
-              <a:solidFill>
-                <a:srgbClr val="44546a"/>
-              </a:solidFill>
-              <a:latin typeface="Arial"/>
-            </a:endParaRPr>
-          </a:p>
-          <a:p>
-            <a:pPr lvl="1" marL="864000" indent="-324000">
+              <a:latin typeface="Arial"/>
+            </a:endParaRPr>
+          </a:p>
+          <a:p>
+            <a:pPr lvl="1" marL="864000" indent="-323640">
+              <a:lnSpc>
+                <a:spcPct val="100000"/>
+              </a:lnSpc>
               <a:spcBef>
                 <a:spcPts val="1134"/>
               </a:spcBef>
@@ -8035,7 +7601,7 @@
                 <a:srgbClr val="000000"/>
               </a:buClr>
               <a:buSzPct val="75000"/>
-              <a:buFont typeface="Symbol" charset="2"/>
+              <a:buFont typeface="Symbol"/>
               <a:buChar char=""/>
             </a:pPr>
             <a:r>
@@ -8049,14 +7615,14 @@
               <a:t>Unique IDs needed?</a:t>
             </a:r>
             <a:endParaRPr b="0" lang="en-US" sz="2000" spc="-1" strike="noStrike">
-              <a:solidFill>
-                <a:srgbClr val="44546a"/>
-              </a:solidFill>
-              <a:latin typeface="Arial"/>
-            </a:endParaRPr>
-          </a:p>
-          <a:p>
-            <a:pPr lvl="1" marL="864000" indent="-324000">
+              <a:latin typeface="Arial"/>
+            </a:endParaRPr>
+          </a:p>
+          <a:p>
+            <a:pPr lvl="1" marL="864000" indent="-323640">
+              <a:lnSpc>
+                <a:spcPct val="100000"/>
+              </a:lnSpc>
               <a:spcBef>
                 <a:spcPts val="1134"/>
               </a:spcBef>
@@ -8064,7 +7630,7 @@
                 <a:srgbClr val="000000"/>
               </a:buClr>
               <a:buSzPct val="75000"/>
-              <a:buFont typeface="Symbol" charset="2"/>
+              <a:buFont typeface="Symbol"/>
               <a:buChar char=""/>
             </a:pPr>
             <a:r>
@@ -8078,14 +7644,11 @@
               <a:t>OpenAPI Common - CRS: representation of same coverage in different CRS</a:t>
             </a:r>
             <a:endParaRPr b="0" lang="en-US" sz="2000" spc="-1" strike="noStrike">
-              <a:solidFill>
-                <a:srgbClr val="44546a"/>
-              </a:solidFill>
-              <a:latin typeface="Arial"/>
-            </a:endParaRPr>
-          </a:p>
-          <a:p>
-            <a:pPr marL="233280" indent="-232920">
+              <a:latin typeface="Arial"/>
+            </a:endParaRPr>
+          </a:p>
+          <a:p>
+            <a:pPr marL="233280" indent="-232560">
               <a:lnSpc>
                 <a:spcPct val="100000"/>
               </a:lnSpc>
@@ -8095,7 +7658,7 @@
               <a:buClr>
                 <a:srgbClr val="092e5c"/>
               </a:buClr>
-              <a:buFont typeface="Symbol" charset="2"/>
+              <a:buFont typeface="Symbol"/>
               <a:buChar char=""/>
             </a:pPr>
             <a:r>
@@ -8109,14 +7672,14 @@
               <a:t>Issue 5: How to model resource (sub) selection based on the coverage model</a:t>
             </a:r>
             <a:endParaRPr b="0" lang="en-US" sz="2000" spc="-1" strike="noStrike">
-              <a:solidFill>
-                <a:srgbClr val="44546a"/>
-              </a:solidFill>
-              <a:latin typeface="Arial"/>
-            </a:endParaRPr>
-          </a:p>
-          <a:p>
-            <a:pPr lvl="1" marL="864000" indent="-324000">
+              <a:latin typeface="Arial"/>
+            </a:endParaRPr>
+          </a:p>
+          <a:p>
+            <a:pPr lvl="1" marL="864000" indent="-323640">
+              <a:lnSpc>
+                <a:spcPct val="100000"/>
+              </a:lnSpc>
               <a:spcBef>
                 <a:spcPts val="1134"/>
               </a:spcBef>
@@ -8124,7 +7687,7 @@
                 <a:srgbClr val="000000"/>
               </a:buClr>
               <a:buSzPct val="75000"/>
-              <a:buFont typeface="Symbol" charset="2"/>
+              <a:buFont typeface="Symbol"/>
               <a:buChar char=""/>
             </a:pPr>
             <a:r>
@@ -8138,24 +7701,21 @@
               <a:t>Guidance for using conformance classes from common</a:t>
             </a:r>
             <a:endParaRPr b="0" lang="en-US" sz="2000" spc="-1" strike="noStrike">
-              <a:solidFill>
-                <a:srgbClr val="44546a"/>
-              </a:solidFill>
-              <a:latin typeface="Arial"/>
-            </a:endParaRPr>
-          </a:p>
-        </p:txBody>
-      </p:sp>
-      <p:sp>
-        <p:nvSpPr>
-          <p:cNvPr id="152" name="TextShape 3"/>
-          <p:cNvSpPr txBox="1"/>
+              <a:latin typeface="Arial"/>
+            </a:endParaRPr>
+          </a:p>
+        </p:txBody>
+      </p:sp>
+      <p:sp>
+        <p:nvSpPr>
+          <p:cNvPr id="147" name="CustomShape 3"/>
+          <p:cNvSpPr/>
           <p:nvPr/>
         </p:nvSpPr>
         <p:spPr>
           <a:xfrm>
             <a:off x="2973240" y="6553080"/>
-            <a:ext cx="3200040" cy="228240"/>
+            <a:ext cx="3199680" cy="227880"/>
           </a:xfrm>
           <a:prstGeom prst="rect">
             <a:avLst/>
@@ -8165,8 +7725,14 @@
             <a:noFill/>
           </a:ln>
         </p:spPr>
-        <p:txBody>
-          <a:bodyPr/>
+        <p:style>
+          <a:lnRef idx="0"/>
+          <a:fillRef idx="0"/>
+          <a:effectRef idx="0"/>
+          <a:fontRef idx="minor"/>
+        </p:style>
+        <p:txBody>
+          <a:bodyPr lIns="90000" rIns="90000" tIns="45000" bIns="45000"/>
           <a:p>
             <a:pPr algn="ctr">
               <a:lnSpc>
@@ -8184,21 +7750,21 @@
               <a:t>Copyright © 2019 Open Geospatial Consortium</a:t>
             </a:r>
             <a:endParaRPr b="0" lang="en-US" sz="900" spc="-1" strike="noStrike">
-              <a:latin typeface="Times New Roman"/>
-            </a:endParaRPr>
-          </a:p>
-        </p:txBody>
-      </p:sp>
-      <p:sp>
-        <p:nvSpPr>
-          <p:cNvPr id="153" name="CustomShape 4"/>
+              <a:latin typeface="Arial"/>
+            </a:endParaRPr>
+          </a:p>
+        </p:txBody>
+      </p:sp>
+      <p:sp>
+        <p:nvSpPr>
+          <p:cNvPr id="148" name="CustomShape 4"/>
           <p:cNvSpPr/>
           <p:nvPr/>
         </p:nvSpPr>
         <p:spPr>
           <a:xfrm>
             <a:off x="838080" y="5105520"/>
-            <a:ext cx="7543440" cy="472680"/>
+            <a:ext cx="7543080" cy="472320"/>
           </a:xfrm>
           <a:prstGeom prst="rect">
             <a:avLst/>
@@ -8293,14 +7859,14 @@
       </p:grpSpPr>
       <p:sp>
         <p:nvSpPr>
-          <p:cNvPr id="154" name="TextShape 1"/>
-          <p:cNvSpPr txBox="1"/>
+          <p:cNvPr id="149" name="CustomShape 1"/>
+          <p:cNvSpPr/>
           <p:nvPr/>
         </p:nvSpPr>
         <p:spPr>
           <a:xfrm>
             <a:off x="533520" y="1905120"/>
-            <a:ext cx="7772040" cy="3580920"/>
+            <a:ext cx="7771680" cy="3580560"/>
           </a:xfrm>
           <a:prstGeom prst="rect">
             <a:avLst/>
@@ -8310,8 +7876,14 @@
             <a:noFill/>
           </a:ln>
         </p:spPr>
-        <p:txBody>
-          <a:bodyPr anchor="b"/>
+        <p:style>
+          <a:lnRef idx="0"/>
+          <a:fillRef idx="0"/>
+          <a:effectRef idx="0"/>
+          <a:fontRef idx="minor"/>
+        </p:style>
+        <p:txBody>
+          <a:bodyPr lIns="90000" rIns="90000" tIns="45000" bIns="45000" anchor="b"/>
           <a:p>
             <a:pPr algn="ctr">
               <a:lnSpc>
@@ -8332,9 +7904,6 @@
               <a:t>Points of Contact:</a:t>
             </a:r>
             <a:endParaRPr b="0" lang="en-US" sz="2400" spc="-1" strike="noStrike">
-              <a:solidFill>
-                <a:srgbClr val="44546a"/>
-              </a:solidFill>
               <a:latin typeface="Arial"/>
             </a:endParaRPr>
           </a:p>
@@ -8348,9 +7917,6 @@
               </a:spcBef>
             </a:pPr>
             <a:endParaRPr b="0" lang="en-US" sz="2400" spc="-1" strike="noStrike">
-              <a:solidFill>
-                <a:srgbClr val="44546a"/>
-              </a:solidFill>
               <a:latin typeface="Arial"/>
             </a:endParaRPr>
           </a:p>
@@ -8374,9 +7940,6 @@
               <a:t>Chuck Heazel</a:t>
             </a:r>
             <a:endParaRPr b="0" lang="en-US" sz="2000" spc="-1" strike="noStrike">
-              <a:solidFill>
-                <a:srgbClr val="44546a"/>
-              </a:solidFill>
               <a:latin typeface="Arial"/>
             </a:endParaRPr>
           </a:p>
@@ -8402,9 +7965,6 @@
               <a:t>cmheazel@heazeltech.com</a:t>
             </a:r>
             <a:endParaRPr b="0" lang="en-US" sz="2000" spc="-1" strike="noStrike">
-              <a:solidFill>
-                <a:srgbClr val="44546a"/>
-              </a:solidFill>
               <a:latin typeface="Arial"/>
             </a:endParaRPr>
           </a:p>
@@ -8428,9 +7988,6 @@
               <a:t>Peter Baumann</a:t>
             </a:r>
             <a:endParaRPr b="0" lang="en-US" sz="2000" spc="-1" strike="noStrike">
-              <a:solidFill>
-                <a:srgbClr val="44546a"/>
-              </a:solidFill>
               <a:latin typeface="Arial"/>
             </a:endParaRPr>
           </a:p>
@@ -8456,9 +8013,6 @@
               <a:t>baumann@rsdaman.com</a:t>
             </a:r>
             <a:endParaRPr b="0" lang="en-US" sz="2000" spc="-1" strike="noStrike">
-              <a:solidFill>
-                <a:srgbClr val="44546a"/>
-              </a:solidFill>
               <a:latin typeface="Arial"/>
             </a:endParaRPr>
           </a:p>
@@ -8482,9 +8036,6 @@
               <a:t>Stephan Meißl</a:t>
             </a:r>
             <a:endParaRPr b="0" lang="en-US" sz="2000" spc="-1" strike="noStrike">
-              <a:solidFill>
-                <a:srgbClr val="44546a"/>
-              </a:solidFill>
               <a:latin typeface="Arial"/>
             </a:endParaRPr>
           </a:p>
@@ -8498,10 +8049,11 @@
               </a:spcBef>
             </a:pPr>
             <a:r>
-              <a:rPr b="1" lang="en-US" sz="2000" spc="-1" strike="noStrike">
+              <a:rPr b="1" lang="en-US" sz="2000" spc="-1" strike="noStrike" u="sng">
                 <a:solidFill>
-                  <a:srgbClr val="44546a"/>
+                  <a:srgbClr val="0563c1"/>
                 </a:solidFill>
+                <a:uFillTx/>
                 <a:latin typeface="Arial"/>
                 <a:ea typeface="MS PGothic"/>
                 <a:hlinkClick r:id="rId3"/>
@@ -8509,9 +8061,6 @@
               <a:t>stephan.meissl@eox.at</a:t>
             </a:r>
             <a:endParaRPr b="0" lang="en-US" sz="2000" spc="-1" strike="noStrike">
-              <a:solidFill>
-                <a:srgbClr val="44546a"/>
-              </a:solidFill>
               <a:latin typeface="Arial"/>
             </a:endParaRPr>
           </a:p>
@@ -8525,9 +8074,6 @@
               </a:spcBef>
             </a:pPr>
             <a:endParaRPr b="0" lang="en-US" sz="2000" spc="-1" strike="noStrike">
-              <a:solidFill>
-                <a:srgbClr val="44546a"/>
-              </a:solidFill>
               <a:latin typeface="Arial"/>
             </a:endParaRPr>
           </a:p>
@@ -8541,24 +8087,21 @@
               </a:spcBef>
             </a:pPr>
             <a:endParaRPr b="0" lang="en-US" sz="2000" spc="-1" strike="noStrike">
-              <a:solidFill>
-                <a:srgbClr val="44546a"/>
-              </a:solidFill>
-              <a:latin typeface="Arial"/>
-            </a:endParaRPr>
-          </a:p>
-        </p:txBody>
-      </p:sp>
-      <p:sp>
-        <p:nvSpPr>
-          <p:cNvPr id="155" name="TextShape 2"/>
-          <p:cNvSpPr txBox="1"/>
+              <a:latin typeface="Arial"/>
+            </a:endParaRPr>
+          </a:p>
+        </p:txBody>
+      </p:sp>
+      <p:sp>
+        <p:nvSpPr>
+          <p:cNvPr id="150" name="CustomShape 2"/>
+          <p:cNvSpPr/>
           <p:nvPr/>
         </p:nvSpPr>
         <p:spPr>
           <a:xfrm>
             <a:off x="2973240" y="6553080"/>
-            <a:ext cx="3200040" cy="228240"/>
+            <a:ext cx="3199680" cy="227880"/>
           </a:xfrm>
           <a:prstGeom prst="rect">
             <a:avLst/>
@@ -8568,8 +8111,14 @@
             <a:noFill/>
           </a:ln>
         </p:spPr>
-        <p:txBody>
-          <a:bodyPr/>
+        <p:style>
+          <a:lnRef idx="0"/>
+          <a:fillRef idx="0"/>
+          <a:effectRef idx="0"/>
+          <a:fontRef idx="minor"/>
+        </p:style>
+        <p:txBody>
+          <a:bodyPr lIns="90000" rIns="90000" tIns="45000" bIns="45000"/>
           <a:p>
             <a:pPr algn="ctr">
               <a:lnSpc>
@@ -8587,7 +8136,7 @@
               <a:t>Copyright © 2019 Open Geospatial Consortium</a:t>
             </a:r>
             <a:endParaRPr b="0" lang="en-US" sz="900" spc="-1" strike="noStrike">
-              <a:latin typeface="Times New Roman"/>
+              <a:latin typeface="Arial"/>
             </a:endParaRPr>
           </a:p>
         </p:txBody>
@@ -8621,6 +8170,481 @@
       </p:par>
     </p:tnLst>
   </p:timing>
+</p:sld>
+</file>
+
+<file path=ppt/slides/slide8.xml><?xml version="1.0" encoding="utf-8"?>
+<p:sld xmlns:a="http://schemas.openxmlformats.org/drawingml/2006/main" xmlns:p="http://schemas.openxmlformats.org/presentationml/2006/main" xmlns:r="http://schemas.openxmlformats.org/officeDocument/2006/relationships" xmlns:p14="http://schemas.microsoft.com/office/powerpoint/2010/main" xmlns:p15="http://schemas.microsoft.com/office/powerpoint/2012/main" xmlns:mc="http://schemas.openxmlformats.org/markup-compatibility/2006">
+  <p:cSld>
+    <p:spTree>
+      <p:nvGrpSpPr>
+        <p:cNvPr id="1" name=""/>
+        <p:cNvGrpSpPr/>
+        <p:nvPr/>
+      </p:nvGrpSpPr>
+      <p:grpSpPr>
+        <a:xfrm>
+          <a:off x="0" y="0"/>
+          <a:ext cx="0" cy="0"/>
+          <a:chOff x="0" y="0"/>
+          <a:chExt cx="0" cy="0"/>
+        </a:xfrm>
+      </p:grpSpPr>
+      <p:sp>
+        <p:nvSpPr>
+          <p:cNvPr id="151" name="TextShape 1"/>
+          <p:cNvSpPr txBox="1"/>
+          <p:nvPr/>
+        </p:nvSpPr>
+        <p:spPr>
+          <a:xfrm>
+            <a:off x="457200" y="273600"/>
+            <a:ext cx="8229240" cy="549360"/>
+          </a:xfrm>
+          <a:prstGeom prst="rect">
+            <a:avLst/>
+          </a:prstGeom>
+          <a:noFill/>
+          <a:ln>
+            <a:noFill/>
+          </a:ln>
+        </p:spPr>
+        <p:txBody>
+          <a:bodyPr lIns="0" rIns="0" tIns="0" bIns="0" anchor="ctr"/>
+          <a:p>
+            <a:pPr algn="ctr"/>
+            <a:r>
+              <a:rPr b="0" lang="en-US" sz="3600" spc="-1" strike="noStrike">
+                <a:latin typeface="Arial"/>
+              </a:rPr>
+              <a:t>/collections/{id}/items URL &amp; response</a:t>
+            </a:r>
+            <a:endParaRPr b="0" lang="en-US" sz="3600" spc="-1" strike="noStrike">
+              <a:latin typeface="Arial"/>
+            </a:endParaRPr>
+          </a:p>
+        </p:txBody>
+      </p:sp>
+      <p:sp>
+        <p:nvSpPr>
+          <p:cNvPr id="152" name="TextShape 2"/>
+          <p:cNvSpPr txBox="1"/>
+          <p:nvPr/>
+        </p:nvSpPr>
+        <p:spPr>
+          <a:xfrm>
+            <a:off x="457200" y="1604520"/>
+            <a:ext cx="4114800" cy="3977280"/>
+          </a:xfrm>
+          <a:prstGeom prst="rect">
+            <a:avLst/>
+          </a:prstGeom>
+          <a:noFill/>
+          <a:ln>
+            <a:noFill/>
+          </a:ln>
+        </p:spPr>
+        <p:txBody>
+          <a:bodyPr lIns="0" rIns="0" tIns="0" bIns="0">
+            <a:normAutofit/>
+          </a:bodyPr>
+          <a:p>
+            <a:pPr marL="432000" indent="-324000">
+              <a:spcBef>
+                <a:spcPts val="1417"/>
+              </a:spcBef>
+              <a:buClr>
+                <a:srgbClr val="000000"/>
+              </a:buClr>
+              <a:buSzPct val="45000"/>
+              <a:buFont typeface="Wingdings" charset="2"/>
+              <a:buChar char=""/>
+            </a:pPr>
+            <a:r>
+              <a:rPr b="0" lang="en-US" sz="3200" spc="-1" strike="noStrike">
+                <a:latin typeface="Arial"/>
+              </a:rPr>
+              <a:t>/collections/landuse/items/ - common and features</a:t>
+            </a:r>
+            <a:endParaRPr b="0" lang="en-US" sz="3200" spc="-1" strike="noStrike">
+              <a:latin typeface="Arial"/>
+            </a:endParaRPr>
+          </a:p>
+          <a:p>
+            <a:pPr marL="432000" indent="-324000">
+              <a:spcBef>
+                <a:spcPts val="1417"/>
+              </a:spcBef>
+              <a:buClr>
+                <a:srgbClr val="000000"/>
+              </a:buClr>
+              <a:buSzPct val="45000"/>
+              <a:buFont typeface="Wingdings" charset="2"/>
+              <a:buChar char=""/>
+            </a:pPr>
+            <a:r>
+              <a:rPr b="0" lang="en-US" sz="3200" spc="-1" strike="noStrike">
+                <a:latin typeface="Arial"/>
+              </a:rPr>
+              <a:t>/collections/landuse/coverages/ - even valid?</a:t>
+            </a:r>
+            <a:endParaRPr b="0" lang="en-US" sz="3200" spc="-1" strike="noStrike">
+              <a:latin typeface="Arial"/>
+            </a:endParaRPr>
+          </a:p>
+          <a:p>
+            <a:pPr marL="432000" indent="-324000">
+              <a:spcBef>
+                <a:spcPts val="1417"/>
+              </a:spcBef>
+              <a:buClr>
+                <a:srgbClr val="000000"/>
+              </a:buClr>
+              <a:buSzPct val="45000"/>
+              <a:buFont typeface="Wingdings" charset="2"/>
+              <a:buChar char=""/>
+            </a:pPr>
+            <a:r>
+              <a:rPr b="0" lang="en-US" sz="3200" spc="-1" strike="noStrike">
+                <a:latin typeface="Arial"/>
+              </a:rPr>
+              <a:t>Does common have guidance on these URLs and what they shall return?</a:t>
+            </a:r>
+            <a:endParaRPr b="0" lang="en-US" sz="3200" spc="-1" strike="noStrike">
+              <a:latin typeface="Arial"/>
+            </a:endParaRPr>
+          </a:p>
+          <a:p>
+            <a:pPr marL="432000" indent="-324000">
+              <a:spcBef>
+                <a:spcPts val="1417"/>
+              </a:spcBef>
+              <a:buClr>
+                <a:srgbClr val="000000"/>
+              </a:buClr>
+              <a:buSzPct val="45000"/>
+              <a:buFont typeface="Wingdings" charset="2"/>
+              <a:buChar char=""/>
+            </a:pPr>
+            <a:r>
+              <a:rPr b="0" lang="en-US" sz="3200" spc="-1" strike="noStrike">
+                <a:latin typeface="Arial"/>
+              </a:rPr>
+              <a:t>E.g. /items gives features themselves. Should /coverages also return coverages or is covDesc fine?</a:t>
+            </a:r>
+            <a:endParaRPr b="0" lang="en-US" sz="3200" spc="-1" strike="noStrike">
+              <a:latin typeface="Arial"/>
+            </a:endParaRPr>
+          </a:p>
+        </p:txBody>
+      </p:sp>
+      <p:pic>
+        <p:nvPicPr>
+          <p:cNvPr id="153" name="" descr=""/>
+          <p:cNvPicPr/>
+          <p:nvPr/>
+        </p:nvPicPr>
+        <p:blipFill>
+          <a:blip r:embed="rId1"/>
+          <a:stretch/>
+        </p:blipFill>
+        <p:spPr>
+          <a:xfrm>
+            <a:off x="4663440" y="975240"/>
+            <a:ext cx="4305600" cy="5741280"/>
+          </a:xfrm>
+          <a:prstGeom prst="rect">
+            <a:avLst/>
+          </a:prstGeom>
+          <a:ln>
+            <a:noFill/>
+          </a:ln>
+        </p:spPr>
+      </p:pic>
+    </p:spTree>
+  </p:cSld>
+</p:sld>
+</file>
+
+<file path=ppt/slides/slide9.xml><?xml version="1.0" encoding="utf-8"?>
+<p:sld xmlns:a="http://schemas.openxmlformats.org/drawingml/2006/main" xmlns:p="http://schemas.openxmlformats.org/presentationml/2006/main" xmlns:r="http://schemas.openxmlformats.org/officeDocument/2006/relationships" xmlns:p14="http://schemas.microsoft.com/office/powerpoint/2010/main" xmlns:p15="http://schemas.microsoft.com/office/powerpoint/2012/main" xmlns:mc="http://schemas.openxmlformats.org/markup-compatibility/2006">
+  <p:cSld>
+    <p:spTree>
+      <p:nvGrpSpPr>
+        <p:cNvPr id="1" name=""/>
+        <p:cNvGrpSpPr/>
+        <p:nvPr/>
+      </p:nvGrpSpPr>
+      <p:grpSpPr>
+        <a:xfrm>
+          <a:off x="0" y="0"/>
+          <a:ext cx="0" cy="0"/>
+          <a:chOff x="0" y="0"/>
+          <a:chExt cx="0" cy="0"/>
+        </a:xfrm>
+      </p:grpSpPr>
+      <p:sp>
+        <p:nvSpPr>
+          <p:cNvPr id="154" name="TextShape 1"/>
+          <p:cNvSpPr txBox="1"/>
+          <p:nvPr/>
+        </p:nvSpPr>
+        <p:spPr>
+          <a:xfrm>
+            <a:off x="457200" y="235800"/>
+            <a:ext cx="8229240" cy="625320"/>
+          </a:xfrm>
+          <a:prstGeom prst="rect">
+            <a:avLst/>
+          </a:prstGeom>
+          <a:noFill/>
+          <a:ln>
+            <a:noFill/>
+          </a:ln>
+        </p:spPr>
+        <p:txBody>
+          <a:bodyPr lIns="0" rIns="0" tIns="0" bIns="0" anchor="ctr"/>
+          <a:p>
+            <a:pPr algn="ctr"/>
+            <a:r>
+              <a:rPr b="0" lang="en-US" sz="4400" spc="-1" strike="noStrike">
+                <a:latin typeface="Arial"/>
+              </a:rPr>
+              <a:t>Root paths</a:t>
+            </a:r>
+            <a:endParaRPr b="0" lang="en-US" sz="4400" spc="-1" strike="noStrike">
+              <a:latin typeface="Arial"/>
+            </a:endParaRPr>
+          </a:p>
+        </p:txBody>
+      </p:sp>
+      <p:sp>
+        <p:nvSpPr>
+          <p:cNvPr id="155" name="TextShape 2"/>
+          <p:cNvSpPr txBox="1"/>
+          <p:nvPr/>
+        </p:nvSpPr>
+        <p:spPr>
+          <a:xfrm>
+            <a:off x="457200" y="1604520"/>
+            <a:ext cx="8229240" cy="3977280"/>
+          </a:xfrm>
+          <a:prstGeom prst="rect">
+            <a:avLst/>
+          </a:prstGeom>
+          <a:noFill/>
+          <a:ln>
+            <a:noFill/>
+          </a:ln>
+        </p:spPr>
+        <p:txBody>
+          <a:bodyPr lIns="0" rIns="0" tIns="0" bIns="0">
+            <a:normAutofit/>
+          </a:bodyPr>
+          <a:p>
+            <a:pPr marL="432000" indent="-324000">
+              <a:spcBef>
+                <a:spcPts val="1417"/>
+              </a:spcBef>
+              <a:buClr>
+                <a:srgbClr val="000000"/>
+              </a:buClr>
+              <a:buSzPct val="45000"/>
+              <a:buFont typeface="Wingdings" charset="2"/>
+              <a:buChar char=""/>
+            </a:pPr>
+            <a:r>
+              <a:rPr b="0" lang="en-US" sz="3200" spc="-1" strike="noStrike">
+                <a:latin typeface="Arial"/>
+              </a:rPr>
+              <a:t>Resource specific collections, hierarchies, etc.</a:t>
+            </a:r>
+            <a:endParaRPr b="0" lang="en-US" sz="3200" spc="-1" strike="noStrike">
+              <a:latin typeface="Arial"/>
+            </a:endParaRPr>
+          </a:p>
+          <a:p>
+            <a:pPr lvl="1" marL="864000" indent="-324000">
+              <a:spcBef>
+                <a:spcPts val="1134"/>
+              </a:spcBef>
+              <a:buClr>
+                <a:srgbClr val="000000"/>
+              </a:buClr>
+              <a:buSzPct val="75000"/>
+              <a:buFont typeface="Symbol" charset="2"/>
+              <a:buChar char=""/>
+            </a:pPr>
+            <a:r>
+              <a:rPr b="0" lang="en-US" sz="2800" spc="-1" strike="noStrike">
+                <a:latin typeface="Arial"/>
+              </a:rPr>
+              <a:t>What about</a:t>
+            </a:r>
+            <a:endParaRPr b="0" lang="en-US" sz="2800" spc="-1" strike="noStrike">
+              <a:latin typeface="Arial"/>
+            </a:endParaRPr>
+          </a:p>
+          <a:p>
+            <a:pPr lvl="2" marL="1296000" indent="-288000">
+              <a:spcBef>
+                <a:spcPts val="850"/>
+              </a:spcBef>
+              <a:buClr>
+                <a:srgbClr val="000000"/>
+              </a:buClr>
+              <a:buSzPct val="45000"/>
+              <a:buFont typeface="Wingdings" charset="2"/>
+              <a:buChar char=""/>
+            </a:pPr>
+            <a:r>
+              <a:rPr b="0" lang="en-US" sz="2400" spc="-1" strike="noStrike">
+                <a:latin typeface="Arial"/>
+              </a:rPr>
+              <a:t>/hierarchies</a:t>
+            </a:r>
+            <a:endParaRPr b="0" lang="en-US" sz="2400" spc="-1" strike="noStrike">
+              <a:latin typeface="Arial"/>
+            </a:endParaRPr>
+          </a:p>
+          <a:p>
+            <a:pPr lvl="2" marL="1296000" indent="-288000">
+              <a:spcBef>
+                <a:spcPts val="850"/>
+              </a:spcBef>
+              <a:buClr>
+                <a:srgbClr val="000000"/>
+              </a:buClr>
+              <a:buSzPct val="45000"/>
+              <a:buFont typeface="Wingdings" charset="2"/>
+              <a:buChar char=""/>
+            </a:pPr>
+            <a:r>
+              <a:rPr b="0" lang="en-US" sz="2400" spc="-1" strike="noStrike">
+                <a:latin typeface="Arial"/>
+              </a:rPr>
+              <a:t>/mosaics</a:t>
+            </a:r>
+            <a:endParaRPr b="0" lang="en-US" sz="2400" spc="-1" strike="noStrike">
+              <a:latin typeface="Arial"/>
+            </a:endParaRPr>
+          </a:p>
+          <a:p>
+            <a:pPr lvl="1" marL="864000" indent="-324000">
+              <a:spcBef>
+                <a:spcPts val="1134"/>
+              </a:spcBef>
+              <a:buClr>
+                <a:srgbClr val="000000"/>
+              </a:buClr>
+              <a:buSzPct val="75000"/>
+              <a:buFont typeface="Symbol" charset="2"/>
+              <a:buChar char=""/>
+            </a:pPr>
+            <a:r>
+              <a:rPr b="0" lang="en-US" sz="2800" spc="-1" strike="noStrike">
+                <a:latin typeface="Arial"/>
+              </a:rPr>
+              <a:t>Allowed by common???</a:t>
+            </a:r>
+            <a:endParaRPr b="0" lang="en-US" sz="2800" spc="-1" strike="noStrike">
+              <a:latin typeface="Arial"/>
+            </a:endParaRPr>
+          </a:p>
+          <a:p>
+            <a:pPr lvl="1" marL="864000" indent="-324000">
+              <a:spcBef>
+                <a:spcPts val="1134"/>
+              </a:spcBef>
+              <a:buClr>
+                <a:srgbClr val="000000"/>
+              </a:buClr>
+              <a:buSzPct val="75000"/>
+              <a:buFont typeface="Symbol" charset="2"/>
+              <a:buChar char=""/>
+            </a:pPr>
+            <a:r>
+              <a:rPr b="0" lang="en-US" sz="1800" spc="-1" strike="noStrike">
+                <a:latin typeface="Arial"/>
+                <a:hlinkClick r:id="rId1"/>
+              </a:rPr>
+              <a:t>https://github.com/opengeospatial/OGC-API-Hackathon-2019/issues/8</a:t>
+            </a:r>
+            <a:endParaRPr b="0" lang="en-US" sz="1800" spc="-1" strike="noStrike">
+              <a:latin typeface="Arial"/>
+            </a:endParaRPr>
+          </a:p>
+          <a:p>
+            <a:pPr marL="432000" indent="-324000">
+              <a:spcBef>
+                <a:spcPts val="1417"/>
+              </a:spcBef>
+              <a:buClr>
+                <a:srgbClr val="000000"/>
+              </a:buClr>
+              <a:buSzPct val="45000"/>
+              <a:buFont typeface="Wingdings" charset="2"/>
+              <a:buChar char=""/>
+            </a:pPr>
+            <a:r>
+              <a:rPr b="0" lang="en-US" sz="3200" spc="-1" strike="noStrike">
+                <a:latin typeface="Arial"/>
+              </a:rPr>
+              <a:t>Version</a:t>
+            </a:r>
+            <a:endParaRPr b="0" lang="en-US" sz="3200" spc="-1" strike="noStrike">
+              <a:latin typeface="Arial"/>
+            </a:endParaRPr>
+          </a:p>
+          <a:p>
+            <a:pPr lvl="1" marL="864000" indent="-324000">
+              <a:spcBef>
+                <a:spcPts val="1134"/>
+              </a:spcBef>
+              <a:buClr>
+                <a:srgbClr val="000000"/>
+              </a:buClr>
+              <a:buSzPct val="75000"/>
+              <a:buFont typeface="Symbol" charset="2"/>
+              <a:buChar char=""/>
+            </a:pPr>
+            <a:r>
+              <a:rPr b="0" lang="en-US" sz="2800" spc="-1" strike="noStrike">
+                <a:latin typeface="Arial"/>
+              </a:rPr>
+              <a:t>Where to report service version</a:t>
+            </a:r>
+            <a:endParaRPr b="0" lang="en-US" sz="2800" spc="-1" strike="noStrike">
+              <a:latin typeface="Arial"/>
+            </a:endParaRPr>
+          </a:p>
+          <a:p>
+            <a:pPr lvl="1" marL="864000" indent="-324000">
+              <a:spcBef>
+                <a:spcPts val="1134"/>
+              </a:spcBef>
+              <a:buClr>
+                <a:srgbClr val="000000"/>
+              </a:buClr>
+              <a:buSzPct val="75000"/>
+              <a:buFont typeface="Symbol" charset="2"/>
+              <a:buChar char=""/>
+            </a:pPr>
+            <a:r>
+              <a:rPr b="0" lang="en-US" sz="1800" spc="-1" strike="noStrike">
+                <a:latin typeface="Arial"/>
+                <a:hlinkClick r:id="rId2"/>
+              </a:rPr>
+              <a:t>https://github.com/opengeospatial/oapi_common/issues/29</a:t>
+            </a:r>
+            <a:endParaRPr b="0" lang="en-US" sz="1800" spc="-1" strike="noStrike">
+              <a:latin typeface="Arial"/>
+            </a:endParaRPr>
+          </a:p>
+        </p:txBody>
+      </p:sp>
+    </p:spTree>
+  </p:cSld>
 </p:sld>
 </file>
 
